--- a/content/week02/Chapter 2.pptx
+++ b/content/week02/Chapter 2.pptx
@@ -233,9 +233,7 @@
 
 <file path=ppt/commentAuthors.xml><?xml version="1.0" encoding="utf-8"?>
 <p:cmAuthorLst xmlns:a="http://schemas.openxmlformats.org/drawingml/2006/main" xmlns:r="http://schemas.openxmlformats.org/officeDocument/2006/relationships" xmlns:p="http://schemas.openxmlformats.org/presentationml/2006/main">
-  <p:cmAuthor id="1" name="D, Mohanapriya" initials="DM" lastIdx="1" clrIdx="0">
-    <p:extLst/>
-  </p:cmAuthor>
+  <p:cmAuthor id="1" name="D, Mohanapriya" initials="DM" lastIdx="1" clrIdx="0"/>
 </p:cmAuthorLst>
 </file>
 
@@ -321,7 +319,7 @@
           <a:p>
             <a:fld id="{8D8D874E-E9D5-433B-A149-BDF6BFDD40A8}" type="datetimeFigureOut">
               <a:rPr lang="en-US" smtClean="0"/>
-              <a:t>9/13/2019</a:t>
+              <a:t>9/15/21</a:t>
             </a:fld>
             <a:endParaRPr lang="en-US" dirty="0"/>
           </a:p>
@@ -486,7 +484,7 @@
           <a:p>
             <a:fld id="{EA051F04-9E25-42C3-8BC5-EC2E8469D95E}" type="datetimeFigureOut">
               <a:rPr lang="en-US" smtClean="0"/>
-              <a:t>9/13/2019</a:t>
+              <a:t>9/15/21</a:t>
             </a:fld>
             <a:endParaRPr lang="en-US" dirty="0"/>
           </a:p>
@@ -550,38 +548,37 @@
           <a:p>
             <a:pPr lvl="0"/>
             <a:r>
-              <a:rPr lang="en-US" smtClean="0"/>
+              <a:rPr lang="en-US"/>
               <a:t>Click to edit Master text styles</a:t>
             </a:r>
           </a:p>
           <a:p>
             <a:pPr lvl="1"/>
             <a:r>
-              <a:rPr lang="en-US" smtClean="0"/>
+              <a:rPr lang="en-US"/>
               <a:t>Second level</a:t>
             </a:r>
           </a:p>
           <a:p>
             <a:pPr lvl="2"/>
             <a:r>
-              <a:rPr lang="en-US" smtClean="0"/>
+              <a:rPr lang="en-US"/>
               <a:t>Third level</a:t>
             </a:r>
           </a:p>
           <a:p>
             <a:pPr lvl="3"/>
             <a:r>
-              <a:rPr lang="en-US" smtClean="0"/>
+              <a:rPr lang="en-US"/>
               <a:t>Fourth level</a:t>
             </a:r>
           </a:p>
           <a:p>
             <a:pPr lvl="4"/>
             <a:r>
-              <a:rPr lang="en-US" smtClean="0"/>
+              <a:rPr lang="en-US"/>
               <a:t>Fifth level</a:t>
             </a:r>
-            <a:endParaRPr lang="en-US"/>
           </a:p>
         </p:txBody>
       </p:sp>
@@ -816,7 +813,7 @@
               <a:defRPr/>
             </a:pPr>
             <a:r>
-              <a:rPr lang="en-IN" dirty="0" smtClean="0"/>
+              <a:rPr lang="en-IN" dirty="0"/>
               <a:t>If this PowerPoint presentation contains mathematical equations, you may need to check that your computer has the following installed:</a:t>
             </a:r>
           </a:p>
@@ -839,7 +836,7 @@
               <a:defRPr/>
             </a:pPr>
             <a:r>
-              <a:rPr lang="en-IN" dirty="0" smtClean="0"/>
+              <a:rPr lang="en-IN" dirty="0"/>
               <a:t>1) Math Type Plugin</a:t>
             </a:r>
           </a:p>
@@ -862,7 +859,7 @@
               <a:defRPr/>
             </a:pPr>
             <a:r>
-              <a:rPr lang="en-IN" dirty="0" smtClean="0"/>
+              <a:rPr lang="en-IN" dirty="0"/>
               <a:t>2) Math Player (free versions available)</a:t>
             </a:r>
           </a:p>
@@ -885,7 +882,7 @@
               <a:defRPr/>
             </a:pPr>
             <a:r>
-              <a:rPr lang="en-IN" dirty="0" smtClean="0"/>
+              <a:rPr lang="en-IN" dirty="0"/>
               <a:t>3) NVDA Reader (free versions available)</a:t>
             </a:r>
           </a:p>
@@ -975,7 +972,7 @@
             <a:pPr defTabSz="931774">
               <a:defRPr/>
             </a:pPr>
-            <a:endParaRPr lang="en-US" dirty="0" smtClean="0"/>
+            <a:endParaRPr lang="en-US" dirty="0"/>
           </a:p>
         </p:txBody>
       </p:sp>
@@ -1062,7 +1059,7 @@
             <a:pPr defTabSz="931774">
               <a:defRPr/>
             </a:pPr>
-            <a:endParaRPr lang="en-US" dirty="0" smtClean="0"/>
+            <a:endParaRPr lang="en-US" dirty="0"/>
           </a:p>
         </p:txBody>
       </p:sp>
@@ -1149,7 +1146,7 @@
             <a:pPr defTabSz="931774">
               <a:defRPr/>
             </a:pPr>
-            <a:endParaRPr lang="en-US" dirty="0" smtClean="0"/>
+            <a:endParaRPr lang="en-US" dirty="0"/>
           </a:p>
         </p:txBody>
       </p:sp>
@@ -1236,7 +1233,7 @@
             <a:pPr defTabSz="931774">
               <a:defRPr/>
             </a:pPr>
-            <a:endParaRPr lang="en-US" dirty="0" smtClean="0"/>
+            <a:endParaRPr lang="en-US" dirty="0"/>
           </a:p>
         </p:txBody>
       </p:sp>
@@ -1323,7 +1320,7 @@
             <a:pPr defTabSz="931774">
               <a:defRPr/>
             </a:pPr>
-            <a:endParaRPr lang="en-US" dirty="0" smtClean="0"/>
+            <a:endParaRPr lang="en-US" dirty="0"/>
           </a:p>
         </p:txBody>
       </p:sp>
@@ -1410,7 +1407,7 @@
             <a:pPr defTabSz="931774">
               <a:defRPr/>
             </a:pPr>
-            <a:endParaRPr lang="en-US" dirty="0" smtClean="0"/>
+            <a:endParaRPr lang="en-US" dirty="0"/>
           </a:p>
         </p:txBody>
       </p:sp>
@@ -1497,7 +1494,7 @@
             <a:pPr defTabSz="931774">
               <a:defRPr/>
             </a:pPr>
-            <a:endParaRPr lang="en-US" dirty="0" smtClean="0"/>
+            <a:endParaRPr lang="en-US" dirty="0"/>
           </a:p>
         </p:txBody>
       </p:sp>
@@ -1584,7 +1581,7 @@
             <a:pPr defTabSz="931774">
               <a:defRPr/>
             </a:pPr>
-            <a:endParaRPr lang="en-US" dirty="0" smtClean="0"/>
+            <a:endParaRPr lang="en-US" dirty="0"/>
           </a:p>
         </p:txBody>
       </p:sp>
@@ -1671,7 +1668,7 @@
             <a:pPr defTabSz="931774">
               <a:defRPr/>
             </a:pPr>
-            <a:endParaRPr lang="en-US" dirty="0" smtClean="0"/>
+            <a:endParaRPr lang="en-US" dirty="0"/>
           </a:p>
         </p:txBody>
       </p:sp>
@@ -1758,7 +1755,7 @@
             <a:pPr defTabSz="931774">
               <a:defRPr/>
             </a:pPr>
-            <a:endParaRPr lang="en-US" dirty="0" smtClean="0"/>
+            <a:endParaRPr lang="en-US" dirty="0"/>
           </a:p>
         </p:txBody>
       </p:sp>
@@ -1845,7 +1842,7 @@
             <a:pPr defTabSz="931774">
               <a:defRPr/>
             </a:pPr>
-            <a:endParaRPr lang="en-US" dirty="0" smtClean="0"/>
+            <a:endParaRPr lang="en-US" dirty="0"/>
           </a:p>
         </p:txBody>
       </p:sp>
@@ -1932,7 +1929,7 @@
             <a:pPr defTabSz="931774">
               <a:defRPr/>
             </a:pPr>
-            <a:endParaRPr lang="en-US" dirty="0" smtClean="0"/>
+            <a:endParaRPr lang="en-US" dirty="0"/>
           </a:p>
         </p:txBody>
       </p:sp>
@@ -2019,7 +2016,7 @@
             <a:pPr defTabSz="931774">
               <a:defRPr/>
             </a:pPr>
-            <a:endParaRPr lang="en-US" dirty="0" smtClean="0"/>
+            <a:endParaRPr lang="en-US" dirty="0"/>
           </a:p>
         </p:txBody>
       </p:sp>
@@ -2106,7 +2103,7 @@
             <a:pPr defTabSz="931774">
               <a:defRPr/>
             </a:pPr>
-            <a:endParaRPr lang="en-US" dirty="0" smtClean="0"/>
+            <a:endParaRPr lang="en-US" dirty="0"/>
           </a:p>
         </p:txBody>
       </p:sp>
@@ -2193,7 +2190,7 @@
             <a:pPr defTabSz="931774">
               <a:defRPr/>
             </a:pPr>
-            <a:endParaRPr lang="en-US" dirty="0" smtClean="0"/>
+            <a:endParaRPr lang="en-US" dirty="0"/>
           </a:p>
         </p:txBody>
       </p:sp>
@@ -2280,7 +2277,7 @@
             <a:pPr defTabSz="931774">
               <a:defRPr/>
             </a:pPr>
-            <a:endParaRPr lang="en-US" dirty="0" smtClean="0"/>
+            <a:endParaRPr lang="en-US" dirty="0"/>
           </a:p>
         </p:txBody>
       </p:sp>
@@ -2367,7 +2364,7 @@
             <a:pPr defTabSz="931774">
               <a:defRPr/>
             </a:pPr>
-            <a:endParaRPr lang="en-US" dirty="0" smtClean="0"/>
+            <a:endParaRPr lang="en-US" dirty="0"/>
           </a:p>
         </p:txBody>
       </p:sp>
@@ -2454,7 +2451,7 @@
             <a:pPr defTabSz="931774">
               <a:defRPr/>
             </a:pPr>
-            <a:endParaRPr lang="en-US" dirty="0" smtClean="0"/>
+            <a:endParaRPr lang="en-US" dirty="0"/>
           </a:p>
         </p:txBody>
       </p:sp>
@@ -2541,7 +2538,7 @@
             <a:pPr defTabSz="931774">
               <a:defRPr/>
             </a:pPr>
-            <a:endParaRPr lang="en-US" dirty="0" smtClean="0"/>
+            <a:endParaRPr lang="en-US" dirty="0"/>
           </a:p>
         </p:txBody>
       </p:sp>
@@ -2628,7 +2625,7 @@
             <a:pPr defTabSz="931774">
               <a:defRPr/>
             </a:pPr>
-            <a:endParaRPr lang="en-US" dirty="0" smtClean="0"/>
+            <a:endParaRPr lang="en-US" dirty="0"/>
           </a:p>
         </p:txBody>
       </p:sp>
@@ -2715,7 +2712,7 @@
             <a:pPr defTabSz="931774">
               <a:defRPr/>
             </a:pPr>
-            <a:endParaRPr lang="en-US" dirty="0" smtClean="0"/>
+            <a:endParaRPr lang="en-US" dirty="0"/>
           </a:p>
         </p:txBody>
       </p:sp>
@@ -2802,7 +2799,7 @@
             <a:pPr defTabSz="931774">
               <a:defRPr/>
             </a:pPr>
-            <a:endParaRPr lang="en-US" dirty="0" smtClean="0"/>
+            <a:endParaRPr lang="en-US" dirty="0"/>
           </a:p>
         </p:txBody>
       </p:sp>
@@ -2889,7 +2886,7 @@
             <a:pPr defTabSz="931774">
               <a:defRPr/>
             </a:pPr>
-            <a:endParaRPr lang="en-US" dirty="0" smtClean="0"/>
+            <a:endParaRPr lang="en-US" dirty="0"/>
           </a:p>
         </p:txBody>
       </p:sp>
@@ -2976,7 +2973,7 @@
             <a:pPr defTabSz="931774">
               <a:defRPr/>
             </a:pPr>
-            <a:endParaRPr lang="en-US" dirty="0" smtClean="0"/>
+            <a:endParaRPr lang="en-US" dirty="0"/>
           </a:p>
         </p:txBody>
       </p:sp>
@@ -3063,7 +3060,7 @@
             <a:pPr defTabSz="931774">
               <a:defRPr/>
             </a:pPr>
-            <a:endParaRPr lang="en-US" dirty="0" smtClean="0"/>
+            <a:endParaRPr lang="en-US" dirty="0"/>
           </a:p>
         </p:txBody>
       </p:sp>
@@ -3150,7 +3147,7 @@
             <a:pPr defTabSz="931774">
               <a:defRPr/>
             </a:pPr>
-            <a:endParaRPr lang="en-US" dirty="0" smtClean="0"/>
+            <a:endParaRPr lang="en-US" dirty="0"/>
           </a:p>
         </p:txBody>
       </p:sp>
@@ -3237,7 +3234,7 @@
             <a:pPr defTabSz="931774">
               <a:defRPr/>
             </a:pPr>
-            <a:endParaRPr lang="en-US" dirty="0" smtClean="0"/>
+            <a:endParaRPr lang="en-US" dirty="0"/>
           </a:p>
         </p:txBody>
       </p:sp>
@@ -3324,7 +3321,7 @@
             <a:pPr defTabSz="931774">
               <a:defRPr/>
             </a:pPr>
-            <a:endParaRPr lang="en-US" dirty="0" smtClean="0"/>
+            <a:endParaRPr lang="en-US" dirty="0"/>
           </a:p>
         </p:txBody>
       </p:sp>
@@ -3411,7 +3408,7 @@
             <a:pPr defTabSz="931774">
               <a:defRPr/>
             </a:pPr>
-            <a:endParaRPr lang="en-US" dirty="0" smtClean="0"/>
+            <a:endParaRPr lang="en-US" dirty="0"/>
           </a:p>
         </p:txBody>
       </p:sp>
@@ -3498,7 +3495,7 @@
             <a:pPr defTabSz="931774">
               <a:defRPr/>
             </a:pPr>
-            <a:endParaRPr lang="en-US" dirty="0" smtClean="0"/>
+            <a:endParaRPr lang="en-US" dirty="0"/>
           </a:p>
         </p:txBody>
       </p:sp>
@@ -3585,7 +3582,7 @@
             <a:pPr defTabSz="931774">
               <a:defRPr/>
             </a:pPr>
-            <a:endParaRPr lang="en-US" dirty="0" smtClean="0"/>
+            <a:endParaRPr lang="en-US" dirty="0"/>
           </a:p>
         </p:txBody>
       </p:sp>
@@ -3687,14 +3684,14 @@
               <a:defRPr/>
             </a:pPr>
             <a:r>
-              <a:rPr lang="en-US" dirty="0" smtClean="0"/>
+              <a:rPr lang="en-US" dirty="0"/>
               <a:t>If this slide</a:t>
             </a:r>
             <a:r>
-              <a:rPr lang="en-US" baseline="0" dirty="0" smtClean="0"/>
+              <a:rPr lang="en-US" baseline="0" dirty="0"/>
               <a:t> was not included in the original PPT, it should be added.</a:t>
             </a:r>
-            <a:endParaRPr lang="en-US" dirty="0" smtClean="0"/>
+            <a:endParaRPr lang="en-US" dirty="0"/>
           </a:p>
         </p:txBody>
       </p:sp>
@@ -3781,7 +3778,7 @@
             <a:pPr defTabSz="931774">
               <a:defRPr/>
             </a:pPr>
-            <a:endParaRPr lang="en-US" dirty="0" smtClean="0"/>
+            <a:endParaRPr lang="en-US" dirty="0"/>
           </a:p>
         </p:txBody>
       </p:sp>
@@ -3868,7 +3865,7 @@
             <a:pPr defTabSz="931774">
               <a:defRPr/>
             </a:pPr>
-            <a:endParaRPr lang="en-US" dirty="0" smtClean="0"/>
+            <a:endParaRPr lang="en-US" dirty="0"/>
           </a:p>
         </p:txBody>
       </p:sp>
@@ -3955,7 +3952,7 @@
             <a:pPr defTabSz="931774">
               <a:defRPr/>
             </a:pPr>
-            <a:endParaRPr lang="en-US" dirty="0" smtClean="0"/>
+            <a:endParaRPr lang="en-US" dirty="0"/>
           </a:p>
         </p:txBody>
       </p:sp>
@@ -4042,7 +4039,7 @@
             <a:pPr defTabSz="931774">
               <a:defRPr/>
             </a:pPr>
-            <a:endParaRPr lang="en-US" dirty="0" smtClean="0"/>
+            <a:endParaRPr lang="en-US" dirty="0"/>
           </a:p>
         </p:txBody>
       </p:sp>
@@ -4129,7 +4126,7 @@
             <a:pPr defTabSz="931774">
               <a:defRPr/>
             </a:pPr>
-            <a:endParaRPr lang="en-US" dirty="0" smtClean="0"/>
+            <a:endParaRPr lang="en-US" dirty="0"/>
           </a:p>
         </p:txBody>
       </p:sp>
@@ -4216,7 +4213,7 @@
             <a:pPr defTabSz="931774">
               <a:defRPr/>
             </a:pPr>
-            <a:endParaRPr lang="en-US" dirty="0" smtClean="0"/>
+            <a:endParaRPr lang="en-US" dirty="0"/>
           </a:p>
         </p:txBody>
       </p:sp>
@@ -4352,10 +4349,9 @@
           </a:lstStyle>
           <a:p>
             <a:r>
-              <a:rPr lang="en-US" dirty="0" smtClean="0"/>
+              <a:rPr lang="en-US" dirty="0"/>
               <a:t>Click to edit Master title style</a:t>
             </a:r>
-            <a:endParaRPr lang="en-US" dirty="0"/>
           </a:p>
         </p:txBody>
       </p:sp>
@@ -4474,10 +4470,9 @@
           </a:lstStyle>
           <a:p>
             <a:r>
-              <a:rPr lang="en-US" dirty="0" smtClean="0"/>
+              <a:rPr lang="en-US" dirty="0"/>
               <a:t>Click to edit Master subtitle style</a:t>
             </a:r>
-            <a:endParaRPr lang="en-US" dirty="0"/>
           </a:p>
         </p:txBody>
       </p:sp>
@@ -4522,7 +4517,7 @@
           <a:p>
             <a:fld id="{A9DF6EFB-3F44-496C-A842-1E0B3D3B975A}" type="datetimeFigureOut">
               <a:rPr lang="en-US" smtClean="0"/>
-              <a:t>9/13/2019</a:t>
+              <a:t>9/15/21</a:t>
             </a:fld>
             <a:endParaRPr lang="en-US" dirty="0"/>
           </a:p>
@@ -4591,7 +4586,7 @@
               <a:defRPr/>
             </a:pPr>
             <a:r>
-              <a:rPr lang="en-US" altLang="en-US" sz="1200" dirty="0" smtClean="0">
+              <a:rPr lang="en-US" altLang="en-US" sz="1200" dirty="0">
                 <a:latin typeface="Verdana" panose="020B0604030504040204" pitchFamily="34" charset="0"/>
               </a:rPr>
               <a:t>Copyright © 2020 Pearson Education, Inc. All Rights Reserved</a:t>
@@ -4639,21 +4634,6 @@
   <p:clrMapOvr>
     <a:masterClrMapping/>
   </p:clrMapOvr>
-  <mc:AlternateContent xmlns:mc="http://schemas.openxmlformats.org/markup-compatibility/2006" xmlns:p14="http://schemas.microsoft.com/office/powerpoint/2010/main">
-    <mc:Choice Requires="p14">
-      <p:transition spd="slow" p14:dur="2000"/>
-    </mc:Choice>
-    <mc:Fallback xmlns="">
-      <p:transition spd="slow"/>
-    </mc:Fallback>
-  </mc:AlternateContent>
-  <p:timing>
-    <p:tnLst>
-      <p:par>
-        <p:cTn id="1" dur="indefinite" restart="never" nodeType="tmRoot"/>
-      </p:par>
-    </p:tnLst>
-  </p:timing>
 </p:sldLayout>
 </file>
 
@@ -4690,10 +4670,9 @@
           <a:lstStyle/>
           <a:p>
             <a:r>
-              <a:rPr lang="en-US" dirty="0" smtClean="0"/>
+              <a:rPr lang="en-US" dirty="0"/>
               <a:t>Click to edit Master title style</a:t>
             </a:r>
-            <a:endParaRPr lang="en-US" dirty="0"/>
           </a:p>
         </p:txBody>
       </p:sp>
@@ -4747,38 +4726,37 @@
           <a:p>
             <a:pPr lvl="0"/>
             <a:r>
-              <a:rPr lang="en-US" dirty="0" smtClean="0"/>
+              <a:rPr lang="en-US" dirty="0"/>
               <a:t>Click to edit Master text styles</a:t>
             </a:r>
           </a:p>
           <a:p>
             <a:pPr lvl="1"/>
             <a:r>
-              <a:rPr lang="en-US" dirty="0" smtClean="0"/>
+              <a:rPr lang="en-US" dirty="0"/>
               <a:t>Second level</a:t>
             </a:r>
           </a:p>
           <a:p>
             <a:pPr lvl="2"/>
             <a:r>
-              <a:rPr lang="en-US" dirty="0" smtClean="0"/>
+              <a:rPr lang="en-US" dirty="0"/>
               <a:t>Third level</a:t>
             </a:r>
           </a:p>
           <a:p>
             <a:pPr lvl="3"/>
             <a:r>
-              <a:rPr lang="en-US" dirty="0" smtClean="0"/>
+              <a:rPr lang="en-US" dirty="0"/>
               <a:t>Fourth level</a:t>
             </a:r>
           </a:p>
           <a:p>
             <a:pPr lvl="4"/>
             <a:r>
-              <a:rPr lang="en-US" dirty="0" smtClean="0"/>
+              <a:rPr lang="en-US" dirty="0"/>
               <a:t>Fifth level</a:t>
             </a:r>
-            <a:endParaRPr lang="en-US" dirty="0"/>
           </a:p>
         </p:txBody>
       </p:sp>
@@ -4832,38 +4810,37 @@
           <a:p>
             <a:pPr lvl="0"/>
             <a:r>
-              <a:rPr lang="en-US" dirty="0" smtClean="0"/>
+              <a:rPr lang="en-US" dirty="0"/>
               <a:t>Click to edit Master text styles</a:t>
             </a:r>
           </a:p>
           <a:p>
             <a:pPr lvl="1"/>
             <a:r>
-              <a:rPr lang="en-US" dirty="0" smtClean="0"/>
+              <a:rPr lang="en-US" dirty="0"/>
               <a:t>Second level</a:t>
             </a:r>
           </a:p>
           <a:p>
             <a:pPr lvl="2"/>
             <a:r>
-              <a:rPr lang="en-US" dirty="0" smtClean="0"/>
+              <a:rPr lang="en-US" dirty="0"/>
               <a:t>Third level</a:t>
             </a:r>
           </a:p>
           <a:p>
             <a:pPr lvl="3"/>
             <a:r>
-              <a:rPr lang="en-US" dirty="0" smtClean="0"/>
+              <a:rPr lang="en-US" dirty="0"/>
               <a:t>Fourth level</a:t>
             </a:r>
           </a:p>
           <a:p>
             <a:pPr lvl="4"/>
             <a:r>
-              <a:rPr lang="en-US" dirty="0" smtClean="0"/>
+              <a:rPr lang="en-US" dirty="0"/>
               <a:t>Fifth level</a:t>
             </a:r>
-            <a:endParaRPr lang="en-US" dirty="0"/>
           </a:p>
         </p:txBody>
       </p:sp>
@@ -4908,7 +4885,7 @@
           <a:p>
             <a:fld id="{A9DF6EFB-3F44-496C-A842-1E0B3D3B975A}" type="datetimeFigureOut">
               <a:rPr lang="en-US" smtClean="0"/>
-              <a:t>9/13/2019</a:t>
+              <a:t>9/15/21</a:t>
             </a:fld>
             <a:endParaRPr lang="en-US" dirty="0"/>
           </a:p>
@@ -4959,35 +4936,35 @@
           <a:p>
             <a:pPr lvl="0"/>
             <a:r>
-              <a:rPr lang="en-US" dirty="0" smtClean="0"/>
+              <a:rPr lang="en-US" dirty="0"/>
               <a:t>Click to edit Master text styles</a:t>
             </a:r>
           </a:p>
           <a:p>
             <a:pPr lvl="1"/>
             <a:r>
-              <a:rPr lang="en-US" dirty="0" smtClean="0"/>
+              <a:rPr lang="en-US" dirty="0"/>
               <a:t>Second level</a:t>
             </a:r>
           </a:p>
           <a:p>
             <a:pPr lvl="2"/>
             <a:r>
-              <a:rPr lang="en-US" dirty="0" smtClean="0"/>
+              <a:rPr lang="en-US" dirty="0"/>
               <a:t>Third level</a:t>
             </a:r>
           </a:p>
           <a:p>
             <a:pPr lvl="3"/>
             <a:r>
-              <a:rPr lang="en-US" dirty="0" smtClean="0"/>
+              <a:rPr lang="en-US" dirty="0"/>
               <a:t>Fourth level</a:t>
             </a:r>
           </a:p>
           <a:p>
             <a:pPr lvl="4"/>
             <a:r>
-              <a:rPr lang="en-US" dirty="0" smtClean="0"/>
+              <a:rPr lang="en-US" dirty="0"/>
               <a:t>Fifth level</a:t>
             </a:r>
             <a:endParaRPr lang="en-IN" dirty="0"/>
@@ -5004,21 +4981,6 @@
   <p:clrMapOvr>
     <a:masterClrMapping/>
   </p:clrMapOvr>
-  <mc:AlternateContent xmlns:mc="http://schemas.openxmlformats.org/markup-compatibility/2006" xmlns:p14="http://schemas.microsoft.com/office/powerpoint/2010/main">
-    <mc:Choice Requires="p14">
-      <p:transition spd="slow" p14:dur="2000"/>
-    </mc:Choice>
-    <mc:Fallback xmlns="">
-      <p:transition spd="slow"/>
-    </mc:Fallback>
-  </mc:AlternateContent>
-  <p:timing>
-    <p:tnLst>
-      <p:par>
-        <p:cTn id="1" dur="indefinite" restart="never" nodeType="tmRoot"/>
-      </p:par>
-    </p:tnLst>
-  </p:timing>
 </p:sldLayout>
 </file>
 
@@ -5055,10 +5017,9 @@
           <a:lstStyle/>
           <a:p>
             <a:r>
-              <a:rPr lang="en-US" dirty="0" smtClean="0"/>
+              <a:rPr lang="en-US" dirty="0"/>
               <a:t>Click to edit Master title style</a:t>
             </a:r>
-            <a:endParaRPr lang="en-US" dirty="0"/>
           </a:p>
         </p:txBody>
       </p:sp>
@@ -5112,38 +5073,37 @@
           <a:p>
             <a:pPr lvl="0"/>
             <a:r>
-              <a:rPr lang="en-US" dirty="0" smtClean="0"/>
+              <a:rPr lang="en-US" dirty="0"/>
               <a:t>Click to edit Master text styles</a:t>
             </a:r>
           </a:p>
           <a:p>
             <a:pPr lvl="1"/>
             <a:r>
-              <a:rPr lang="en-US" dirty="0" smtClean="0"/>
+              <a:rPr lang="en-US" dirty="0"/>
               <a:t>Second level</a:t>
             </a:r>
           </a:p>
           <a:p>
             <a:pPr lvl="2"/>
             <a:r>
-              <a:rPr lang="en-US" dirty="0" smtClean="0"/>
+              <a:rPr lang="en-US" dirty="0"/>
               <a:t>Third level</a:t>
             </a:r>
           </a:p>
           <a:p>
             <a:pPr lvl="3"/>
             <a:r>
-              <a:rPr lang="en-US" dirty="0" smtClean="0"/>
+              <a:rPr lang="en-US" dirty="0"/>
               <a:t>Fourth level</a:t>
             </a:r>
           </a:p>
           <a:p>
             <a:pPr lvl="4"/>
             <a:r>
-              <a:rPr lang="en-US" dirty="0" smtClean="0"/>
+              <a:rPr lang="en-US" dirty="0"/>
               <a:t>Fifth level</a:t>
             </a:r>
-            <a:endParaRPr lang="en-US" dirty="0"/>
           </a:p>
         </p:txBody>
       </p:sp>
@@ -5197,38 +5157,37 @@
           <a:p>
             <a:pPr lvl="0"/>
             <a:r>
-              <a:rPr lang="en-US" dirty="0" smtClean="0"/>
+              <a:rPr lang="en-US" dirty="0"/>
               <a:t>Click to edit Master text styles</a:t>
             </a:r>
           </a:p>
           <a:p>
             <a:pPr lvl="1"/>
             <a:r>
-              <a:rPr lang="en-US" dirty="0" smtClean="0"/>
+              <a:rPr lang="en-US" dirty="0"/>
               <a:t>Second level</a:t>
             </a:r>
           </a:p>
           <a:p>
             <a:pPr lvl="2"/>
             <a:r>
-              <a:rPr lang="en-US" dirty="0" smtClean="0"/>
+              <a:rPr lang="en-US" dirty="0"/>
               <a:t>Third level</a:t>
             </a:r>
           </a:p>
           <a:p>
             <a:pPr lvl="3"/>
             <a:r>
-              <a:rPr lang="en-US" dirty="0" smtClean="0"/>
+              <a:rPr lang="en-US" dirty="0"/>
               <a:t>Fourth level</a:t>
             </a:r>
           </a:p>
           <a:p>
             <a:pPr lvl="4"/>
             <a:r>
-              <a:rPr lang="en-US" dirty="0" smtClean="0"/>
+              <a:rPr lang="en-US" dirty="0"/>
               <a:t>Fifth level</a:t>
             </a:r>
-            <a:endParaRPr lang="en-US" dirty="0"/>
           </a:p>
         </p:txBody>
       </p:sp>
@@ -5273,7 +5232,7 @@
           <a:p>
             <a:fld id="{A9DF6EFB-3F44-496C-A842-1E0B3D3B975A}" type="datetimeFigureOut">
               <a:rPr lang="en-US" smtClean="0"/>
-              <a:t>9/13/2019</a:t>
+              <a:t>9/15/21</a:t>
             </a:fld>
             <a:endParaRPr lang="en-US" dirty="0"/>
           </a:p>
@@ -5324,35 +5283,35 @@
           <a:p>
             <a:pPr lvl="0"/>
             <a:r>
-              <a:rPr lang="en-US" dirty="0" smtClean="0"/>
+              <a:rPr lang="en-US" dirty="0"/>
               <a:t>Click to edit Master text styles</a:t>
             </a:r>
           </a:p>
           <a:p>
             <a:pPr lvl="1"/>
             <a:r>
-              <a:rPr lang="en-US" dirty="0" smtClean="0"/>
+              <a:rPr lang="en-US" dirty="0"/>
               <a:t>Second level</a:t>
             </a:r>
           </a:p>
           <a:p>
             <a:pPr lvl="2"/>
             <a:r>
-              <a:rPr lang="en-US" dirty="0" smtClean="0"/>
+              <a:rPr lang="en-US" dirty="0"/>
               <a:t>Third level</a:t>
             </a:r>
           </a:p>
           <a:p>
             <a:pPr lvl="3"/>
             <a:r>
-              <a:rPr lang="en-US" dirty="0" smtClean="0"/>
+              <a:rPr lang="en-US" dirty="0"/>
               <a:t>Fourth level</a:t>
             </a:r>
           </a:p>
           <a:p>
             <a:pPr lvl="4"/>
             <a:r>
-              <a:rPr lang="en-US" dirty="0" smtClean="0"/>
+              <a:rPr lang="en-US" dirty="0"/>
               <a:t>Fifth level</a:t>
             </a:r>
             <a:endParaRPr lang="en-IN" dirty="0"/>
@@ -5381,35 +5340,35 @@
           <a:p>
             <a:pPr lvl="0"/>
             <a:r>
-              <a:rPr lang="en-US" smtClean="0"/>
+              <a:rPr lang="en-US"/>
               <a:t>Click to edit Master text styles</a:t>
             </a:r>
           </a:p>
           <a:p>
             <a:pPr lvl="1"/>
             <a:r>
-              <a:rPr lang="en-US" smtClean="0"/>
+              <a:rPr lang="en-US"/>
               <a:t>Second level</a:t>
             </a:r>
           </a:p>
           <a:p>
             <a:pPr lvl="2"/>
             <a:r>
-              <a:rPr lang="en-US" smtClean="0"/>
+              <a:rPr lang="en-US"/>
               <a:t>Third level</a:t>
             </a:r>
           </a:p>
           <a:p>
             <a:pPr lvl="3"/>
             <a:r>
-              <a:rPr lang="en-US" smtClean="0"/>
+              <a:rPr lang="en-US"/>
               <a:t>Fourth level</a:t>
             </a:r>
           </a:p>
           <a:p>
             <a:pPr lvl="4"/>
             <a:r>
-              <a:rPr lang="en-US" smtClean="0"/>
+              <a:rPr lang="en-US"/>
               <a:t>Fifth level</a:t>
             </a:r>
             <a:endParaRPr lang="en-IN"/>
@@ -5426,21 +5385,6 @@
   <p:clrMapOvr>
     <a:masterClrMapping/>
   </p:clrMapOvr>
-  <mc:AlternateContent xmlns:mc="http://schemas.openxmlformats.org/markup-compatibility/2006" xmlns:p14="http://schemas.microsoft.com/office/powerpoint/2010/main">
-    <mc:Choice Requires="p14">
-      <p:transition spd="slow" p14:dur="2000"/>
-    </mc:Choice>
-    <mc:Fallback xmlns="">
-      <p:transition spd="slow"/>
-    </mc:Fallback>
-  </mc:AlternateContent>
-  <p:timing>
-    <p:tnLst>
-      <p:par>
-        <p:cTn id="1" dur="indefinite" restart="never" nodeType="tmRoot"/>
-      </p:par>
-    </p:tnLst>
-  </p:timing>
 </p:sldLayout>
 </file>
 
@@ -5477,10 +5421,9 @@
           <a:lstStyle/>
           <a:p>
             <a:r>
-              <a:rPr lang="en-US" dirty="0" smtClean="0"/>
+              <a:rPr lang="en-US" dirty="0"/>
               <a:t>Click to edit Master title style</a:t>
             </a:r>
-            <a:endParaRPr lang="en-US" dirty="0"/>
           </a:p>
         </p:txBody>
       </p:sp>
@@ -5534,38 +5477,37 @@
           <a:p>
             <a:pPr lvl="0"/>
             <a:r>
-              <a:rPr lang="en-US" dirty="0" smtClean="0"/>
+              <a:rPr lang="en-US" dirty="0"/>
               <a:t>Click to edit Master text styles</a:t>
             </a:r>
           </a:p>
           <a:p>
             <a:pPr lvl="1"/>
             <a:r>
-              <a:rPr lang="en-US" dirty="0" smtClean="0"/>
+              <a:rPr lang="en-US" dirty="0"/>
               <a:t>Second level</a:t>
             </a:r>
           </a:p>
           <a:p>
             <a:pPr lvl="2"/>
             <a:r>
-              <a:rPr lang="en-US" dirty="0" smtClean="0"/>
+              <a:rPr lang="en-US" dirty="0"/>
               <a:t>Third level</a:t>
             </a:r>
           </a:p>
           <a:p>
             <a:pPr lvl="3"/>
             <a:r>
-              <a:rPr lang="en-US" dirty="0" smtClean="0"/>
+              <a:rPr lang="en-US" dirty="0"/>
               <a:t>Fourth level</a:t>
             </a:r>
           </a:p>
           <a:p>
             <a:pPr lvl="4"/>
             <a:r>
-              <a:rPr lang="en-US" dirty="0" smtClean="0"/>
+              <a:rPr lang="en-US" dirty="0"/>
               <a:t>Fifth level</a:t>
             </a:r>
-            <a:endParaRPr lang="en-US" dirty="0"/>
           </a:p>
         </p:txBody>
       </p:sp>
@@ -5619,38 +5561,37 @@
           <a:p>
             <a:pPr lvl="0"/>
             <a:r>
-              <a:rPr lang="en-US" dirty="0" smtClean="0"/>
+              <a:rPr lang="en-US" dirty="0"/>
               <a:t>Click to edit Master text styles</a:t>
             </a:r>
           </a:p>
           <a:p>
             <a:pPr lvl="1"/>
             <a:r>
-              <a:rPr lang="en-US" dirty="0" smtClean="0"/>
+              <a:rPr lang="en-US" dirty="0"/>
               <a:t>Second level</a:t>
             </a:r>
           </a:p>
           <a:p>
             <a:pPr lvl="2"/>
             <a:r>
-              <a:rPr lang="en-US" dirty="0" smtClean="0"/>
+              <a:rPr lang="en-US" dirty="0"/>
               <a:t>Third level</a:t>
             </a:r>
           </a:p>
           <a:p>
             <a:pPr lvl="3"/>
             <a:r>
-              <a:rPr lang="en-US" dirty="0" smtClean="0"/>
+              <a:rPr lang="en-US" dirty="0"/>
               <a:t>Fourth level</a:t>
             </a:r>
           </a:p>
           <a:p>
             <a:pPr lvl="4"/>
             <a:r>
-              <a:rPr lang="en-US" dirty="0" smtClean="0"/>
+              <a:rPr lang="en-US" dirty="0"/>
               <a:t>Fifth level</a:t>
             </a:r>
-            <a:endParaRPr lang="en-US" dirty="0"/>
           </a:p>
         </p:txBody>
       </p:sp>
@@ -5695,7 +5636,7 @@
           <a:p>
             <a:fld id="{A9DF6EFB-3F44-496C-A842-1E0B3D3B975A}" type="datetimeFigureOut">
               <a:rPr lang="en-US" smtClean="0"/>
-              <a:t>9/13/2019</a:t>
+              <a:t>9/15/21</a:t>
             </a:fld>
             <a:endParaRPr lang="en-US" dirty="0"/>
           </a:p>
@@ -5774,38 +5715,37 @@
           <a:p>
             <a:pPr lvl="0"/>
             <a:r>
-              <a:rPr lang="en-US" dirty="0" smtClean="0"/>
+              <a:rPr lang="en-US" dirty="0"/>
               <a:t>Click to edit Master text styles</a:t>
             </a:r>
           </a:p>
           <a:p>
             <a:pPr lvl="1"/>
             <a:r>
-              <a:rPr lang="en-US" dirty="0" smtClean="0"/>
+              <a:rPr lang="en-US" dirty="0"/>
               <a:t>Second level</a:t>
             </a:r>
           </a:p>
           <a:p>
             <a:pPr lvl="2"/>
             <a:r>
-              <a:rPr lang="en-US" dirty="0" smtClean="0"/>
+              <a:rPr lang="en-US" dirty="0"/>
               <a:t>Third level</a:t>
             </a:r>
           </a:p>
           <a:p>
             <a:pPr lvl="3"/>
             <a:r>
-              <a:rPr lang="en-US" dirty="0" smtClean="0"/>
+              <a:rPr lang="en-US" dirty="0"/>
               <a:t>Fourth level</a:t>
             </a:r>
           </a:p>
           <a:p>
             <a:pPr lvl="4"/>
             <a:r>
-              <a:rPr lang="en-US" dirty="0" smtClean="0"/>
+              <a:rPr lang="en-US" dirty="0"/>
               <a:t>Fifth level</a:t>
             </a:r>
-            <a:endParaRPr lang="en-US" dirty="0"/>
           </a:p>
         </p:txBody>
       </p:sp>
@@ -5819,21 +5759,6 @@
   <p:clrMapOvr>
     <a:masterClrMapping/>
   </p:clrMapOvr>
-  <mc:AlternateContent xmlns:mc="http://schemas.openxmlformats.org/markup-compatibility/2006" xmlns:p14="http://schemas.microsoft.com/office/powerpoint/2010/main">
-    <mc:Choice Requires="p14">
-      <p:transition spd="slow" p14:dur="2000"/>
-    </mc:Choice>
-    <mc:Fallback xmlns="">
-      <p:transition spd="slow"/>
-    </mc:Fallback>
-  </mc:AlternateContent>
-  <p:timing>
-    <p:tnLst>
-      <p:par>
-        <p:cTn id="1" dur="indefinite" restart="never" nodeType="tmRoot"/>
-      </p:par>
-    </p:tnLst>
-  </p:timing>
 </p:sldLayout>
 </file>
 
@@ -5885,10 +5810,9 @@
           </a:lstStyle>
           <a:p>
             <a:r>
-              <a:rPr lang="en-US" dirty="0" smtClean="0"/>
+              <a:rPr lang="en-US" dirty="0"/>
               <a:t>Click to edit Master title style</a:t>
             </a:r>
-            <a:endParaRPr lang="en-US" dirty="0"/>
           </a:p>
         </p:txBody>
       </p:sp>
@@ -6008,7 +5932,7 @@
           <a:p>
             <a:pPr lvl="0"/>
             <a:r>
-              <a:rPr lang="en-US" dirty="0" smtClean="0"/>
+              <a:rPr lang="en-US" dirty="0"/>
               <a:t>Click to edit Master text styles</a:t>
             </a:r>
           </a:p>
@@ -6055,7 +5979,7 @@
           <a:p>
             <a:fld id="{A9DF6EFB-3F44-496C-A842-1E0B3D3B975A}" type="datetimeFigureOut">
               <a:rPr lang="en-US" smtClean="0"/>
-              <a:t>9/13/2019</a:t>
+              <a:t>9/15/21</a:t>
             </a:fld>
             <a:endParaRPr lang="en-US" dirty="0"/>
           </a:p>
@@ -6094,21 +6018,6 @@
   <p:clrMapOvr>
     <a:masterClrMapping/>
   </p:clrMapOvr>
-  <mc:AlternateContent xmlns:mc="http://schemas.openxmlformats.org/markup-compatibility/2006" xmlns:p14="http://schemas.microsoft.com/office/powerpoint/2010/main">
-    <mc:Choice Requires="p14">
-      <p:transition spd="slow" p14:dur="2000"/>
-    </mc:Choice>
-    <mc:Fallback xmlns="">
-      <p:transition spd="slow"/>
-    </mc:Fallback>
-  </mc:AlternateContent>
-  <p:timing>
-    <p:tnLst>
-      <p:par>
-        <p:cTn id="1" dur="indefinite" restart="never" nodeType="tmRoot"/>
-      </p:par>
-    </p:tnLst>
-  </p:timing>
 </p:sldLayout>
 </file>
 
@@ -6145,10 +6054,9 @@
           <a:lstStyle/>
           <a:p>
             <a:r>
-              <a:rPr lang="en-US" dirty="0" smtClean="0"/>
+              <a:rPr lang="en-US" dirty="0"/>
               <a:t>Click to edit Master title style</a:t>
             </a:r>
-            <a:endParaRPr lang="en-US" dirty="0"/>
           </a:p>
         </p:txBody>
       </p:sp>
@@ -6193,7 +6101,7 @@
           <a:p>
             <a:fld id="{A9DF6EFB-3F44-496C-A842-1E0B3D3B975A}" type="datetimeFigureOut">
               <a:rPr lang="en-US" smtClean="0"/>
-              <a:t>9/13/2019</a:t>
+              <a:t>9/15/21</a:t>
             </a:fld>
             <a:endParaRPr lang="en-US" dirty="0"/>
           </a:p>
@@ -6232,21 +6140,6 @@
   <p:clrMapOvr>
     <a:masterClrMapping/>
   </p:clrMapOvr>
-  <mc:AlternateContent xmlns:mc="http://schemas.openxmlformats.org/markup-compatibility/2006" xmlns:p14="http://schemas.microsoft.com/office/powerpoint/2010/main">
-    <mc:Choice Requires="p14">
-      <p:transition spd="slow" p14:dur="2000"/>
-    </mc:Choice>
-    <mc:Fallback xmlns="">
-      <p:transition spd="slow"/>
-    </mc:Fallback>
-  </mc:AlternateContent>
-  <p:timing>
-    <p:tnLst>
-      <p:par>
-        <p:cTn id="1" dur="indefinite" restart="never" nodeType="tmRoot"/>
-      </p:par>
-    </p:tnLst>
-  </p:timing>
 </p:sldLayout>
 </file>
 
@@ -6317,7 +6210,7 @@
             <a:fld id="{A9DF6EFB-3F44-496C-A842-1E0B3D3B975A}" type="datetimeFigureOut">
               <a:rPr lang="en-US" smtClean="0"/>
               <a:pPr/>
-              <a:t>9/13/2019</a:t>
+              <a:t>9/15/21</a:t>
             </a:fld>
             <a:endParaRPr lang="en-US" dirty="0"/>
           </a:p>
@@ -6395,7 +6288,7 @@
               <a:defRPr/>
             </a:pPr>
             <a:r>
-              <a:rPr lang="en-US" altLang="en-US" sz="1200" dirty="0" smtClean="0">
+              <a:rPr lang="en-US" altLang="en-US" sz="1200" dirty="0">
                 <a:latin typeface="Verdana" panose="020B0604030504040204" pitchFamily="34" charset="0"/>
               </a:rPr>
               <a:t>Copyright © 2020 Pearson Education, Inc. All Rights Reserved</a:t>
@@ -6443,21 +6336,6 @@
   <p:clrMapOvr>
     <a:masterClrMapping/>
   </p:clrMapOvr>
-  <mc:AlternateContent xmlns:mc="http://schemas.openxmlformats.org/markup-compatibility/2006" xmlns:p14="http://schemas.microsoft.com/office/powerpoint/2010/main">
-    <mc:Choice Requires="p14">
-      <p:transition spd="slow" p14:dur="2000"/>
-    </mc:Choice>
-    <mc:Fallback xmlns="">
-      <p:transition spd="slow"/>
-    </mc:Fallback>
-  </mc:AlternateContent>
-  <p:timing>
-    <p:tnLst>
-      <p:par>
-        <p:cTn id="1" dur="indefinite" restart="never" nodeType="tmRoot"/>
-      </p:par>
-    </p:tnLst>
-  </p:timing>
 </p:sldLayout>
 </file>
 
@@ -6499,10 +6377,9 @@
           <a:lstStyle/>
           <a:p>
             <a:r>
-              <a:rPr lang="en-US" dirty="0" smtClean="0"/>
+              <a:rPr lang="en-US" dirty="0"/>
               <a:t>Click to edit Master title style</a:t>
             </a:r>
-            <a:endParaRPr lang="en-US" dirty="0"/>
           </a:p>
         </p:txBody>
       </p:sp>
@@ -6630,10 +6507,9 @@
           <a:p>
             <a:pPr lvl="0"/>
             <a:r>
-              <a:rPr lang="en-US" dirty="0" smtClean="0"/>
+              <a:rPr lang="en-US" dirty="0"/>
               <a:t>Add edition here</a:t>
             </a:r>
-            <a:endParaRPr lang="en-US" dirty="0"/>
           </a:p>
         </p:txBody>
       </p:sp>
@@ -6725,10 +6601,9 @@
           <a:p>
             <a:pPr lvl="0"/>
             <a:r>
-              <a:rPr lang="en-US" dirty="0" smtClean="0"/>
+              <a:rPr lang="en-US" dirty="0"/>
               <a:t>Chapter ##</a:t>
             </a:r>
-            <a:endParaRPr lang="en-US" dirty="0"/>
           </a:p>
         </p:txBody>
       </p:sp>
@@ -6820,10 +6695,9 @@
           <a:p>
             <a:pPr lvl="0"/>
             <a:r>
-              <a:rPr lang="en-US" dirty="0" smtClean="0"/>
+              <a:rPr lang="en-US" dirty="0"/>
               <a:t>Chapter title</a:t>
             </a:r>
-            <a:endParaRPr lang="en-US" dirty="0"/>
           </a:p>
         </p:txBody>
       </p:sp>
@@ -6849,35 +6723,35 @@
           <a:p>
             <a:pPr lvl="0"/>
             <a:r>
-              <a:rPr lang="en-US" dirty="0" smtClean="0"/>
+              <a:rPr lang="en-US" dirty="0"/>
               <a:t>Edit Master text styles</a:t>
             </a:r>
           </a:p>
           <a:p>
             <a:pPr lvl="1"/>
             <a:r>
-              <a:rPr lang="en-US" dirty="0" smtClean="0"/>
+              <a:rPr lang="en-US" dirty="0"/>
               <a:t>Second level</a:t>
             </a:r>
           </a:p>
           <a:p>
             <a:pPr lvl="2"/>
             <a:r>
-              <a:rPr lang="en-US" dirty="0" smtClean="0"/>
+              <a:rPr lang="en-US" dirty="0"/>
               <a:t>Third level</a:t>
             </a:r>
           </a:p>
           <a:p>
             <a:pPr lvl="3"/>
             <a:r>
-              <a:rPr lang="en-US" dirty="0" smtClean="0"/>
+              <a:rPr lang="en-US" dirty="0"/>
               <a:t>Fourth level</a:t>
             </a:r>
           </a:p>
           <a:p>
             <a:pPr lvl="4"/>
             <a:r>
-              <a:rPr lang="en-US" dirty="0" smtClean="0"/>
+              <a:rPr lang="en-US" dirty="0"/>
               <a:t>Fifth level</a:t>
             </a:r>
             <a:endParaRPr lang="en-IN" dirty="0"/>
@@ -6924,21 +6798,6 @@
   <p:clrMapOvr>
     <a:masterClrMapping/>
   </p:clrMapOvr>
-  <mc:AlternateContent xmlns:mc="http://schemas.openxmlformats.org/markup-compatibility/2006" xmlns:p14="http://schemas.microsoft.com/office/powerpoint/2010/main">
-    <mc:Choice Requires="p14">
-      <p:transition spd="slow" p14:dur="2000"/>
-    </mc:Choice>
-    <mc:Fallback xmlns="">
-      <p:transition spd="slow"/>
-    </mc:Fallback>
-  </mc:AlternateContent>
-  <p:timing>
-    <p:tnLst>
-      <p:par>
-        <p:cTn id="1" dur="indefinite" restart="never" nodeType="tmRoot"/>
-      </p:par>
-    </p:tnLst>
-  </p:timing>
   <p:hf sldNum="0" hdr="0" dt="0"/>
 </p:sldLayout>
 </file>
@@ -6981,10 +6840,9 @@
           <a:lstStyle/>
           <a:p>
             <a:r>
-              <a:rPr lang="en-US" dirty="0" smtClean="0"/>
+              <a:rPr lang="en-US" dirty="0"/>
               <a:t>Click to edit Master title style</a:t>
             </a:r>
-            <a:endParaRPr lang="en-US" dirty="0"/>
           </a:p>
         </p:txBody>
       </p:sp>
@@ -7112,10 +6970,9 @@
           <a:p>
             <a:pPr lvl="0"/>
             <a:r>
-              <a:rPr lang="en-US" dirty="0" smtClean="0"/>
+              <a:rPr lang="en-US" dirty="0"/>
               <a:t>Add edition here</a:t>
             </a:r>
-            <a:endParaRPr lang="en-US" dirty="0"/>
           </a:p>
         </p:txBody>
       </p:sp>
@@ -7207,10 +7064,9 @@
           <a:p>
             <a:pPr lvl="0"/>
             <a:r>
-              <a:rPr lang="en-US" dirty="0" smtClean="0"/>
+              <a:rPr lang="en-US" dirty="0"/>
               <a:t>Chapter ##</a:t>
             </a:r>
-            <a:endParaRPr lang="en-US" dirty="0"/>
           </a:p>
         </p:txBody>
       </p:sp>
@@ -7302,10 +7158,9 @@
           <a:p>
             <a:pPr lvl="0"/>
             <a:r>
-              <a:rPr lang="en-US" dirty="0" smtClean="0"/>
+              <a:rPr lang="en-US" dirty="0"/>
               <a:t>Chapter title</a:t>
             </a:r>
-            <a:endParaRPr lang="en-US" dirty="0"/>
           </a:p>
         </p:txBody>
       </p:sp>
@@ -7351,7 +7206,7 @@
             <a:fld id="{A9DF6EFB-3F44-496C-A842-1E0B3D3B975A}" type="datetimeFigureOut">
               <a:rPr lang="en-US" smtClean="0"/>
               <a:pPr/>
-              <a:t>9/13/2019</a:t>
+              <a:t>9/15/21</a:t>
             </a:fld>
             <a:endParaRPr lang="en-US" dirty="0"/>
           </a:p>
@@ -7421,21 +7276,6 @@
   <p:clrMapOvr>
     <a:masterClrMapping/>
   </p:clrMapOvr>
-  <mc:AlternateContent xmlns:mc="http://schemas.openxmlformats.org/markup-compatibility/2006" xmlns:p14="http://schemas.microsoft.com/office/powerpoint/2010/main">
-    <mc:Choice Requires="p14">
-      <p:transition spd="slow" p14:dur="2000"/>
-    </mc:Choice>
-    <mc:Fallback xmlns="">
-      <p:transition spd="slow"/>
-    </mc:Fallback>
-  </mc:AlternateContent>
-  <p:timing>
-    <p:tnLst>
-      <p:par>
-        <p:cTn id="1" dur="indefinite" restart="never" nodeType="tmRoot"/>
-      </p:par>
-    </p:tnLst>
-  </p:timing>
 </p:sldLayout>
 </file>
 
@@ -7477,10 +7317,9 @@
           <a:lstStyle/>
           <a:p>
             <a:r>
-              <a:rPr lang="en-US" dirty="0" smtClean="0"/>
+              <a:rPr lang="en-US" dirty="0"/>
               <a:t>Click to edit Master title style</a:t>
             </a:r>
-            <a:endParaRPr lang="en-US" dirty="0"/>
           </a:p>
         </p:txBody>
       </p:sp>
@@ -7608,10 +7447,9 @@
           <a:p>
             <a:pPr lvl="0"/>
             <a:r>
-              <a:rPr lang="en-US" dirty="0" smtClean="0"/>
+              <a:rPr lang="en-US" dirty="0"/>
               <a:t>Click to add Learning Objective(s)</a:t>
             </a:r>
-            <a:endParaRPr lang="en-US" dirty="0"/>
           </a:p>
         </p:txBody>
       </p:sp>
@@ -7653,66 +7491,65 @@
           <a:p>
             <a:pPr lvl="0"/>
             <a:r>
-              <a:rPr lang="en-US" dirty="0" smtClean="0"/>
+              <a:rPr lang="en-US" dirty="0"/>
               <a:t>Click to edit Master text styles</a:t>
             </a:r>
           </a:p>
           <a:p>
             <a:pPr lvl="1"/>
             <a:r>
-              <a:rPr lang="en-US" dirty="0" smtClean="0"/>
+              <a:rPr lang="en-US" dirty="0"/>
               <a:t>Second level</a:t>
             </a:r>
           </a:p>
           <a:p>
             <a:pPr lvl="2"/>
             <a:r>
-              <a:rPr lang="en-US" dirty="0" smtClean="0"/>
+              <a:rPr lang="en-US" dirty="0"/>
               <a:t>Third level</a:t>
             </a:r>
           </a:p>
           <a:p>
             <a:pPr lvl="3"/>
             <a:r>
-              <a:rPr lang="en-US" dirty="0" smtClean="0"/>
+              <a:rPr lang="en-US" dirty="0"/>
               <a:t>Fourth level</a:t>
             </a:r>
           </a:p>
           <a:p>
             <a:pPr lvl="4"/>
             <a:r>
-              <a:rPr lang="en-US" dirty="0" smtClean="0"/>
+              <a:rPr lang="en-US" dirty="0"/>
               <a:t>Fifth level</a:t>
             </a:r>
           </a:p>
           <a:p>
             <a:pPr lvl="5"/>
             <a:r>
-              <a:rPr lang="en-US" dirty="0" smtClean="0"/>
+              <a:rPr lang="en-US" dirty="0"/>
               <a:t>Sixth</a:t>
             </a:r>
           </a:p>
           <a:p>
             <a:pPr lvl="6"/>
             <a:r>
-              <a:rPr lang="en-US" dirty="0" smtClean="0"/>
+              <a:rPr lang="en-US" dirty="0"/>
               <a:t>Seventh</a:t>
             </a:r>
           </a:p>
           <a:p>
             <a:pPr lvl="7"/>
             <a:r>
-              <a:rPr lang="en-US" dirty="0" smtClean="0"/>
+              <a:rPr lang="en-US" dirty="0"/>
               <a:t>Eighth</a:t>
             </a:r>
           </a:p>
           <a:p>
             <a:pPr lvl="8"/>
             <a:r>
-              <a:rPr lang="en-US" dirty="0" smtClean="0"/>
+              <a:rPr lang="en-US" dirty="0"/>
               <a:t>Ninth</a:t>
             </a:r>
-            <a:endParaRPr lang="en-US" dirty="0"/>
           </a:p>
         </p:txBody>
       </p:sp>
@@ -7758,7 +7595,7 @@
             <a:fld id="{A9DF6EFB-3F44-496C-A842-1E0B3D3B975A}" type="datetimeFigureOut">
               <a:rPr lang="en-US" smtClean="0"/>
               <a:pPr/>
-              <a:t>9/13/2019</a:t>
+              <a:t>9/15/21</a:t>
             </a:fld>
             <a:endParaRPr lang="en-US" dirty="0"/>
           </a:p>
@@ -7798,21 +7635,6 @@
   <p:clrMapOvr>
     <a:masterClrMapping/>
   </p:clrMapOvr>
-  <mc:AlternateContent xmlns:mc="http://schemas.openxmlformats.org/markup-compatibility/2006" xmlns:p14="http://schemas.microsoft.com/office/powerpoint/2010/main">
-    <mc:Choice Requires="p14">
-      <p:transition spd="slow" p14:dur="2000"/>
-    </mc:Choice>
-    <mc:Fallback xmlns="">
-      <p:transition spd="slow"/>
-    </mc:Fallback>
-  </mc:AlternateContent>
-  <p:timing>
-    <p:tnLst>
-      <p:par>
-        <p:cTn id="1" dur="indefinite" restart="never" nodeType="tmRoot"/>
-      </p:par>
-    </p:tnLst>
-  </p:timing>
 </p:sldLayout>
 </file>
 
@@ -7855,10 +7677,9 @@
           </a:lstStyle>
           <a:p>
             <a:r>
-              <a:rPr lang="en-US" dirty="0" smtClean="0"/>
+              <a:rPr lang="en-US" dirty="0"/>
               <a:t>Click to edit Master title style</a:t>
             </a:r>
-            <a:endParaRPr lang="en-US" dirty="0"/>
           </a:p>
         </p:txBody>
       </p:sp>
@@ -7935,66 +7756,65 @@
           <a:p>
             <a:pPr lvl="0"/>
             <a:r>
-              <a:rPr lang="en-US" dirty="0" smtClean="0"/>
+              <a:rPr lang="en-US" dirty="0"/>
               <a:t>Click to edit Master text styles</a:t>
             </a:r>
           </a:p>
           <a:p>
             <a:pPr lvl="1"/>
             <a:r>
-              <a:rPr lang="en-US" dirty="0" smtClean="0"/>
+              <a:rPr lang="en-US" dirty="0"/>
               <a:t>Second level</a:t>
             </a:r>
           </a:p>
           <a:p>
             <a:pPr lvl="2"/>
             <a:r>
-              <a:rPr lang="en-US" dirty="0" smtClean="0"/>
+              <a:rPr lang="en-US" dirty="0"/>
               <a:t>Third level</a:t>
             </a:r>
           </a:p>
           <a:p>
             <a:pPr lvl="3"/>
             <a:r>
-              <a:rPr lang="en-US" dirty="0" smtClean="0"/>
+              <a:rPr lang="en-US" dirty="0"/>
               <a:t>Fourth level</a:t>
             </a:r>
           </a:p>
           <a:p>
             <a:pPr lvl="4"/>
             <a:r>
-              <a:rPr lang="en-US" dirty="0" smtClean="0"/>
+              <a:rPr lang="en-US" dirty="0"/>
               <a:t>Fifth level</a:t>
             </a:r>
           </a:p>
           <a:p>
             <a:pPr lvl="5"/>
             <a:r>
-              <a:rPr lang="en-US" dirty="0" smtClean="0"/>
+              <a:rPr lang="en-US" dirty="0"/>
               <a:t>Sixth</a:t>
             </a:r>
           </a:p>
           <a:p>
             <a:pPr lvl="6"/>
             <a:r>
-              <a:rPr lang="en-US" dirty="0" smtClean="0"/>
+              <a:rPr lang="en-US" dirty="0"/>
               <a:t>Seventh</a:t>
             </a:r>
           </a:p>
           <a:p>
             <a:pPr lvl="7"/>
             <a:r>
-              <a:rPr lang="en-US" dirty="0" smtClean="0"/>
+              <a:rPr lang="en-US" dirty="0"/>
               <a:t>Eighth</a:t>
             </a:r>
           </a:p>
           <a:p>
             <a:pPr lvl="8"/>
             <a:r>
-              <a:rPr lang="en-US" dirty="0" smtClean="0"/>
+              <a:rPr lang="en-US" dirty="0"/>
               <a:t>Ninth</a:t>
             </a:r>
-            <a:endParaRPr lang="en-US" dirty="0"/>
           </a:p>
         </p:txBody>
       </p:sp>
@@ -8045,7 +7865,7 @@
             <a:fld id="{A9DF6EFB-3F44-496C-A842-1E0B3D3B975A}" type="datetimeFigureOut">
               <a:rPr lang="en-US" smtClean="0"/>
               <a:pPr/>
-              <a:t>9/13/2019</a:t>
+              <a:t>9/15/21</a:t>
             </a:fld>
             <a:endParaRPr lang="en-US" dirty="0"/>
           </a:p>
@@ -8090,21 +7910,6 @@
   <p:clrMapOvr>
     <a:masterClrMapping/>
   </p:clrMapOvr>
-  <mc:AlternateContent xmlns:mc="http://schemas.openxmlformats.org/markup-compatibility/2006" xmlns:p14="http://schemas.microsoft.com/office/powerpoint/2010/main">
-    <mc:Choice Requires="p14">
-      <p:transition spd="slow" p14:dur="2000"/>
-    </mc:Choice>
-    <mc:Fallback xmlns="">
-      <p:transition spd="slow"/>
-    </mc:Fallback>
-  </mc:AlternateContent>
-  <p:timing>
-    <p:tnLst>
-      <p:par>
-        <p:cTn id="1" dur="indefinite" restart="never" nodeType="tmRoot"/>
-      </p:par>
-    </p:tnLst>
-  </p:timing>
 </p:sldLayout>
 </file>
 
@@ -8141,10 +7946,9 @@
           <a:lstStyle/>
           <a:p>
             <a:r>
-              <a:rPr lang="en-US" smtClean="0"/>
+              <a:rPr lang="en-US"/>
               <a:t>Click to edit Master title style</a:t>
             </a:r>
-            <a:endParaRPr lang="en-US"/>
           </a:p>
         </p:txBody>
       </p:sp>
@@ -8221,66 +8025,65 @@
           <a:p>
             <a:pPr lvl="0"/>
             <a:r>
-              <a:rPr lang="en-US" dirty="0" smtClean="0"/>
+              <a:rPr lang="en-US" dirty="0"/>
               <a:t>Click to edit Master text styles</a:t>
             </a:r>
           </a:p>
           <a:p>
             <a:pPr lvl="1"/>
             <a:r>
-              <a:rPr lang="en-US" dirty="0" smtClean="0"/>
+              <a:rPr lang="en-US" dirty="0"/>
               <a:t>Second level</a:t>
             </a:r>
           </a:p>
           <a:p>
             <a:pPr lvl="2"/>
             <a:r>
-              <a:rPr lang="en-US" dirty="0" smtClean="0"/>
+              <a:rPr lang="en-US" dirty="0"/>
               <a:t>Third level</a:t>
             </a:r>
           </a:p>
           <a:p>
             <a:pPr lvl="3"/>
             <a:r>
-              <a:rPr lang="en-US" dirty="0" smtClean="0"/>
+              <a:rPr lang="en-US" dirty="0"/>
               <a:t>Fourth level</a:t>
             </a:r>
           </a:p>
           <a:p>
             <a:pPr lvl="4"/>
             <a:r>
-              <a:rPr lang="en-US" dirty="0" smtClean="0"/>
+              <a:rPr lang="en-US" dirty="0"/>
               <a:t>Fifth level</a:t>
             </a:r>
           </a:p>
           <a:p>
             <a:pPr lvl="5"/>
             <a:r>
-              <a:rPr lang="en-US" dirty="0" smtClean="0"/>
+              <a:rPr lang="en-US" dirty="0"/>
               <a:t>Sixth</a:t>
             </a:r>
           </a:p>
           <a:p>
             <a:pPr lvl="6"/>
             <a:r>
-              <a:rPr lang="en-US" dirty="0" smtClean="0"/>
+              <a:rPr lang="en-US" dirty="0"/>
               <a:t>Seventh</a:t>
             </a:r>
           </a:p>
           <a:p>
             <a:pPr lvl="7"/>
             <a:r>
-              <a:rPr lang="en-US" dirty="0" smtClean="0"/>
+              <a:rPr lang="en-US" dirty="0"/>
               <a:t>Eighth</a:t>
             </a:r>
           </a:p>
           <a:p>
             <a:pPr lvl="8"/>
             <a:r>
-              <a:rPr lang="en-US" dirty="0" smtClean="0"/>
+              <a:rPr lang="en-US" dirty="0"/>
               <a:t>Ninth</a:t>
             </a:r>
-            <a:endParaRPr lang="en-US" dirty="0"/>
           </a:p>
         </p:txBody>
       </p:sp>
@@ -8325,7 +8128,7 @@
           <a:p>
             <a:fld id="{A9DF6EFB-3F44-496C-A842-1E0B3D3B975A}" type="datetimeFigureOut">
               <a:rPr lang="en-US" smtClean="0"/>
-              <a:t>9/13/2019</a:t>
+              <a:t>9/15/21</a:t>
             </a:fld>
             <a:endParaRPr lang="en-US" dirty="0"/>
           </a:p>
@@ -8364,21 +8167,6 @@
   <p:clrMapOvr>
     <a:masterClrMapping/>
   </p:clrMapOvr>
-  <mc:AlternateContent xmlns:mc="http://schemas.openxmlformats.org/markup-compatibility/2006" xmlns:p14="http://schemas.microsoft.com/office/powerpoint/2010/main">
-    <mc:Choice Requires="p14">
-      <p:transition spd="slow" p14:dur="2000"/>
-    </mc:Choice>
-    <mc:Fallback xmlns="">
-      <p:transition spd="slow"/>
-    </mc:Fallback>
-  </mc:AlternateContent>
-  <p:timing>
-    <p:tnLst>
-      <p:par>
-        <p:cTn id="1" dur="indefinite" restart="never" nodeType="tmRoot"/>
-      </p:par>
-    </p:tnLst>
-  </p:timing>
 </p:sldLayout>
 </file>
 
@@ -8428,10 +8216,9 @@
           </a:lstStyle>
           <a:p>
             <a:r>
-              <a:rPr lang="en-US" dirty="0" smtClean="0"/>
+              <a:rPr lang="en-US" dirty="0"/>
               <a:t>Click to add figure number and title</a:t>
             </a:r>
-            <a:endParaRPr lang="en-US" dirty="0"/>
           </a:p>
         </p:txBody>
       </p:sp>
@@ -8521,10 +8308,9 @@
           <a:p>
             <a:pPr lvl="0"/>
             <a:r>
-              <a:rPr lang="en-US" dirty="0" smtClean="0"/>
+              <a:rPr lang="en-US" dirty="0"/>
               <a:t>Click to add caption</a:t>
             </a:r>
-            <a:endParaRPr lang="en-US" dirty="0"/>
           </a:p>
         </p:txBody>
       </p:sp>
@@ -8578,7 +8364,7 @@
             <a:fld id="{A9DF6EFB-3F44-496C-A842-1E0B3D3B975A}" type="datetimeFigureOut">
               <a:rPr lang="en-US" smtClean="0"/>
               <a:pPr/>
-              <a:t>9/13/2019</a:t>
+              <a:t>9/15/21</a:t>
             </a:fld>
             <a:endParaRPr lang="en-US" dirty="0"/>
           </a:p>
@@ -8656,7 +8442,7 @@
               <a:defRPr/>
             </a:pPr>
             <a:r>
-              <a:rPr lang="en-US" altLang="en-US" sz="1200" dirty="0" smtClean="0">
+              <a:rPr lang="en-US" altLang="en-US" sz="1200" dirty="0">
                 <a:latin typeface="Verdana" panose="020B0604030504040204" pitchFamily="34" charset="0"/>
               </a:rPr>
               <a:t>Copyright © 2020 Pearson Education, Inc. All Rights Reserved</a:t>
@@ -8704,21 +8490,6 @@
   <p:clrMapOvr>
     <a:masterClrMapping/>
   </p:clrMapOvr>
-  <mc:AlternateContent xmlns:mc="http://schemas.openxmlformats.org/markup-compatibility/2006" xmlns:p14="http://schemas.microsoft.com/office/powerpoint/2010/main">
-    <mc:Choice Requires="p14">
-      <p:transition spd="slow" p14:dur="2000"/>
-    </mc:Choice>
-    <mc:Fallback xmlns="">
-      <p:transition spd="slow"/>
-    </mc:Fallback>
-  </mc:AlternateContent>
-  <p:timing>
-    <p:tnLst>
-      <p:par>
-        <p:cTn id="1" dur="indefinite" restart="never" nodeType="tmRoot"/>
-      </p:par>
-    </p:tnLst>
-  </p:timing>
 </p:sldLayout>
 </file>
 
@@ -8755,10 +8526,9 @@
           <a:lstStyle/>
           <a:p>
             <a:r>
-              <a:rPr lang="en-US" dirty="0" smtClean="0"/>
+              <a:rPr lang="en-US" dirty="0"/>
               <a:t>Click to edit Master title style</a:t>
             </a:r>
-            <a:endParaRPr lang="en-US" dirty="0"/>
           </a:p>
         </p:txBody>
       </p:sp>
@@ -8812,38 +8582,37 @@
           <a:p>
             <a:pPr lvl="0"/>
             <a:r>
-              <a:rPr lang="en-US" dirty="0" smtClean="0"/>
+              <a:rPr lang="en-US" dirty="0"/>
               <a:t>Click to edit Master text styles</a:t>
             </a:r>
           </a:p>
           <a:p>
             <a:pPr lvl="1"/>
             <a:r>
-              <a:rPr lang="en-US" dirty="0" smtClean="0"/>
+              <a:rPr lang="en-US" dirty="0"/>
               <a:t>Second level</a:t>
             </a:r>
           </a:p>
           <a:p>
             <a:pPr lvl="2"/>
             <a:r>
-              <a:rPr lang="en-US" dirty="0" smtClean="0"/>
+              <a:rPr lang="en-US" dirty="0"/>
               <a:t>Third level</a:t>
             </a:r>
           </a:p>
           <a:p>
             <a:pPr lvl="3"/>
             <a:r>
-              <a:rPr lang="en-US" dirty="0" smtClean="0"/>
+              <a:rPr lang="en-US" dirty="0"/>
               <a:t>Fourth level</a:t>
             </a:r>
           </a:p>
           <a:p>
             <a:pPr lvl="4"/>
             <a:r>
-              <a:rPr lang="en-US" dirty="0" smtClean="0"/>
+              <a:rPr lang="en-US" dirty="0"/>
               <a:t>Fifth level</a:t>
             </a:r>
-            <a:endParaRPr lang="en-US" dirty="0"/>
           </a:p>
         </p:txBody>
       </p:sp>
@@ -8897,38 +8666,37 @@
           <a:p>
             <a:pPr lvl="0"/>
             <a:r>
-              <a:rPr lang="en-US" dirty="0" smtClean="0"/>
+              <a:rPr lang="en-US" dirty="0"/>
               <a:t>Click to edit Master text styles</a:t>
             </a:r>
           </a:p>
           <a:p>
             <a:pPr lvl="1"/>
             <a:r>
-              <a:rPr lang="en-US" dirty="0" smtClean="0"/>
+              <a:rPr lang="en-US" dirty="0"/>
               <a:t>Second level</a:t>
             </a:r>
           </a:p>
           <a:p>
             <a:pPr lvl="2"/>
             <a:r>
-              <a:rPr lang="en-US" dirty="0" smtClean="0"/>
+              <a:rPr lang="en-US" dirty="0"/>
               <a:t>Third level</a:t>
             </a:r>
           </a:p>
           <a:p>
             <a:pPr lvl="3"/>
             <a:r>
-              <a:rPr lang="en-US" dirty="0" smtClean="0"/>
+              <a:rPr lang="en-US" dirty="0"/>
               <a:t>Fourth level</a:t>
             </a:r>
           </a:p>
           <a:p>
             <a:pPr lvl="4"/>
             <a:r>
-              <a:rPr lang="en-US" dirty="0" smtClean="0"/>
+              <a:rPr lang="en-US" dirty="0"/>
               <a:t>Fifth level</a:t>
             </a:r>
-            <a:endParaRPr lang="en-US" dirty="0"/>
           </a:p>
         </p:txBody>
       </p:sp>
@@ -8973,7 +8741,7 @@
           <a:p>
             <a:fld id="{A9DF6EFB-3F44-496C-A842-1E0B3D3B975A}" type="datetimeFigureOut">
               <a:rPr lang="en-US" smtClean="0"/>
-              <a:t>9/13/2019</a:t>
+              <a:t>9/15/21</a:t>
             </a:fld>
             <a:endParaRPr lang="en-US" dirty="0"/>
           </a:p>
@@ -9052,38 +8820,37 @@
           <a:p>
             <a:pPr lvl="0"/>
             <a:r>
-              <a:rPr lang="en-US" dirty="0" smtClean="0"/>
+              <a:rPr lang="en-US" dirty="0"/>
               <a:t>Click to edit Master text styles</a:t>
             </a:r>
           </a:p>
           <a:p>
             <a:pPr lvl="1"/>
             <a:r>
-              <a:rPr lang="en-US" dirty="0" smtClean="0"/>
+              <a:rPr lang="en-US" dirty="0"/>
               <a:t>Second level</a:t>
             </a:r>
           </a:p>
           <a:p>
             <a:pPr lvl="2"/>
             <a:r>
-              <a:rPr lang="en-US" dirty="0" smtClean="0"/>
+              <a:rPr lang="en-US" dirty="0"/>
               <a:t>Third level</a:t>
             </a:r>
           </a:p>
           <a:p>
             <a:pPr lvl="3"/>
             <a:r>
-              <a:rPr lang="en-US" dirty="0" smtClean="0"/>
+              <a:rPr lang="en-US" dirty="0"/>
               <a:t>Fourth level</a:t>
             </a:r>
           </a:p>
           <a:p>
             <a:pPr lvl="4"/>
             <a:r>
-              <a:rPr lang="en-US" dirty="0" smtClean="0"/>
+              <a:rPr lang="en-US" dirty="0"/>
               <a:t>Fifth level</a:t>
             </a:r>
-            <a:endParaRPr lang="en-US" dirty="0"/>
           </a:p>
         </p:txBody>
       </p:sp>
@@ -9137,38 +8904,37 @@
           <a:p>
             <a:pPr lvl="0"/>
             <a:r>
-              <a:rPr lang="en-US" dirty="0" smtClean="0"/>
+              <a:rPr lang="en-US" dirty="0"/>
               <a:t>Click to edit Master text styles</a:t>
             </a:r>
           </a:p>
           <a:p>
             <a:pPr lvl="1"/>
             <a:r>
-              <a:rPr lang="en-US" dirty="0" smtClean="0"/>
+              <a:rPr lang="en-US" dirty="0"/>
               <a:t>Second level</a:t>
             </a:r>
           </a:p>
           <a:p>
             <a:pPr lvl="2"/>
             <a:r>
-              <a:rPr lang="en-US" dirty="0" smtClean="0"/>
+              <a:rPr lang="en-US" dirty="0"/>
               <a:t>Third level</a:t>
             </a:r>
           </a:p>
           <a:p>
             <a:pPr lvl="3"/>
             <a:r>
-              <a:rPr lang="en-US" dirty="0" smtClean="0"/>
+              <a:rPr lang="en-US" dirty="0"/>
               <a:t>Fourth level</a:t>
             </a:r>
           </a:p>
           <a:p>
             <a:pPr lvl="4"/>
             <a:r>
-              <a:rPr lang="en-US" dirty="0" smtClean="0"/>
+              <a:rPr lang="en-US" dirty="0"/>
               <a:t>Fifth level</a:t>
             </a:r>
-            <a:endParaRPr lang="en-US" dirty="0"/>
           </a:p>
         </p:txBody>
       </p:sp>
@@ -9222,38 +8988,37 @@
           <a:p>
             <a:pPr lvl="0"/>
             <a:r>
-              <a:rPr lang="en-US" dirty="0" smtClean="0"/>
+              <a:rPr lang="en-US" dirty="0"/>
               <a:t>Click to edit Master text styles</a:t>
             </a:r>
           </a:p>
           <a:p>
             <a:pPr lvl="1"/>
             <a:r>
-              <a:rPr lang="en-US" dirty="0" smtClean="0"/>
+              <a:rPr lang="en-US" dirty="0"/>
               <a:t>Second level</a:t>
             </a:r>
           </a:p>
           <a:p>
             <a:pPr lvl="2"/>
             <a:r>
-              <a:rPr lang="en-US" dirty="0" smtClean="0"/>
+              <a:rPr lang="en-US" dirty="0"/>
               <a:t>Third level</a:t>
             </a:r>
           </a:p>
           <a:p>
             <a:pPr lvl="3"/>
             <a:r>
-              <a:rPr lang="en-US" dirty="0" smtClean="0"/>
+              <a:rPr lang="en-US" dirty="0"/>
               <a:t>Fourth level</a:t>
             </a:r>
           </a:p>
           <a:p>
             <a:pPr lvl="4"/>
             <a:r>
-              <a:rPr lang="en-US" dirty="0" smtClean="0"/>
+              <a:rPr lang="en-US" dirty="0"/>
               <a:t>Fifth level</a:t>
             </a:r>
-            <a:endParaRPr lang="en-US" dirty="0"/>
           </a:p>
         </p:txBody>
       </p:sp>
@@ -9307,38 +9072,37 @@
           <a:p>
             <a:pPr lvl="0"/>
             <a:r>
-              <a:rPr lang="en-US" dirty="0" smtClean="0"/>
+              <a:rPr lang="en-US" dirty="0"/>
               <a:t>Click to edit Master text styles</a:t>
             </a:r>
           </a:p>
           <a:p>
             <a:pPr lvl="1"/>
             <a:r>
-              <a:rPr lang="en-US" dirty="0" smtClean="0"/>
+              <a:rPr lang="en-US" dirty="0"/>
               <a:t>Second level</a:t>
             </a:r>
           </a:p>
           <a:p>
             <a:pPr lvl="2"/>
             <a:r>
-              <a:rPr lang="en-US" dirty="0" smtClean="0"/>
+              <a:rPr lang="en-US" dirty="0"/>
               <a:t>Third level</a:t>
             </a:r>
           </a:p>
           <a:p>
             <a:pPr lvl="3"/>
             <a:r>
-              <a:rPr lang="en-US" dirty="0" smtClean="0"/>
+              <a:rPr lang="en-US" dirty="0"/>
               <a:t>Fourth level</a:t>
             </a:r>
           </a:p>
           <a:p>
             <a:pPr lvl="4"/>
             <a:r>
-              <a:rPr lang="en-US" dirty="0" smtClean="0"/>
+              <a:rPr lang="en-US" dirty="0"/>
               <a:t>Fifth level</a:t>
             </a:r>
-            <a:endParaRPr lang="en-US" dirty="0"/>
           </a:p>
         </p:txBody>
       </p:sp>
@@ -9352,21 +9116,6 @@
   <p:clrMapOvr>
     <a:masterClrMapping/>
   </p:clrMapOvr>
-  <mc:AlternateContent xmlns:mc="http://schemas.openxmlformats.org/markup-compatibility/2006" xmlns:p14="http://schemas.microsoft.com/office/powerpoint/2010/main">
-    <mc:Choice Requires="p14">
-      <p:transition spd="slow" p14:dur="2000"/>
-    </mc:Choice>
-    <mc:Fallback xmlns="">
-      <p:transition spd="slow"/>
-    </mc:Fallback>
-  </mc:AlternateContent>
-  <p:timing>
-    <p:tnLst>
-      <p:par>
-        <p:cTn id="1" dur="indefinite" restart="never" nodeType="tmRoot"/>
-      </p:par>
-    </p:tnLst>
-  </p:timing>
 </p:sldLayout>
 </file>
 
@@ -9403,10 +9152,9 @@
           <a:lstStyle/>
           <a:p>
             <a:r>
-              <a:rPr lang="en-US" dirty="0" smtClean="0"/>
+              <a:rPr lang="en-US" dirty="0"/>
               <a:t>Click to edit Master title style</a:t>
             </a:r>
-            <a:endParaRPr lang="en-US" dirty="0"/>
           </a:p>
         </p:txBody>
       </p:sp>
@@ -9460,38 +9208,37 @@
           <a:p>
             <a:pPr lvl="0"/>
             <a:r>
-              <a:rPr lang="en-US" dirty="0" smtClean="0"/>
+              <a:rPr lang="en-US" dirty="0"/>
               <a:t>Click to edit Master text styles</a:t>
             </a:r>
           </a:p>
           <a:p>
             <a:pPr lvl="1"/>
             <a:r>
-              <a:rPr lang="en-US" dirty="0" smtClean="0"/>
+              <a:rPr lang="en-US" dirty="0"/>
               <a:t>Second level</a:t>
             </a:r>
           </a:p>
           <a:p>
             <a:pPr lvl="2"/>
             <a:r>
-              <a:rPr lang="en-US" dirty="0" smtClean="0"/>
+              <a:rPr lang="en-US" dirty="0"/>
               <a:t>Third level</a:t>
             </a:r>
           </a:p>
           <a:p>
             <a:pPr lvl="3"/>
             <a:r>
-              <a:rPr lang="en-US" dirty="0" smtClean="0"/>
+              <a:rPr lang="en-US" dirty="0"/>
               <a:t>Fourth level</a:t>
             </a:r>
           </a:p>
           <a:p>
             <a:pPr lvl="4"/>
             <a:r>
-              <a:rPr lang="en-US" dirty="0" smtClean="0"/>
+              <a:rPr lang="en-US" dirty="0"/>
               <a:t>Fifth level</a:t>
             </a:r>
-            <a:endParaRPr lang="en-US" dirty="0"/>
           </a:p>
         </p:txBody>
       </p:sp>
@@ -9545,38 +9292,37 @@
           <a:p>
             <a:pPr lvl="0"/>
             <a:r>
-              <a:rPr lang="en-US" dirty="0" smtClean="0"/>
+              <a:rPr lang="en-US" dirty="0"/>
               <a:t>Click to edit Master text styles</a:t>
             </a:r>
           </a:p>
           <a:p>
             <a:pPr lvl="1"/>
             <a:r>
-              <a:rPr lang="en-US" dirty="0" smtClean="0"/>
+              <a:rPr lang="en-US" dirty="0"/>
               <a:t>Second level</a:t>
             </a:r>
           </a:p>
           <a:p>
             <a:pPr lvl="2"/>
             <a:r>
-              <a:rPr lang="en-US" dirty="0" smtClean="0"/>
+              <a:rPr lang="en-US" dirty="0"/>
               <a:t>Third level</a:t>
             </a:r>
           </a:p>
           <a:p>
             <a:pPr lvl="3"/>
             <a:r>
-              <a:rPr lang="en-US" dirty="0" smtClean="0"/>
+              <a:rPr lang="en-US" dirty="0"/>
               <a:t>Fourth level</a:t>
             </a:r>
           </a:p>
           <a:p>
             <a:pPr lvl="4"/>
             <a:r>
-              <a:rPr lang="en-US" dirty="0" smtClean="0"/>
+              <a:rPr lang="en-US" dirty="0"/>
               <a:t>Fifth level</a:t>
             </a:r>
-            <a:endParaRPr lang="en-US" dirty="0"/>
           </a:p>
         </p:txBody>
       </p:sp>
@@ -9621,7 +9367,7 @@
           <a:p>
             <a:fld id="{A9DF6EFB-3F44-496C-A842-1E0B3D3B975A}" type="datetimeFigureOut">
               <a:rPr lang="en-US" smtClean="0"/>
-              <a:t>9/13/2019</a:t>
+              <a:t>9/15/21</a:t>
             </a:fld>
             <a:endParaRPr lang="en-US" dirty="0"/>
           </a:p>
@@ -9700,38 +9446,37 @@
           <a:p>
             <a:pPr lvl="0"/>
             <a:r>
-              <a:rPr lang="en-US" dirty="0" smtClean="0"/>
+              <a:rPr lang="en-US" dirty="0"/>
               <a:t>Click to edit Master text styles</a:t>
             </a:r>
           </a:p>
           <a:p>
             <a:pPr lvl="1"/>
             <a:r>
-              <a:rPr lang="en-US" dirty="0" smtClean="0"/>
+              <a:rPr lang="en-US" dirty="0"/>
               <a:t>Second level</a:t>
             </a:r>
           </a:p>
           <a:p>
             <a:pPr lvl="2"/>
             <a:r>
-              <a:rPr lang="en-US" dirty="0" smtClean="0"/>
+              <a:rPr lang="en-US" dirty="0"/>
               <a:t>Third level</a:t>
             </a:r>
           </a:p>
           <a:p>
             <a:pPr lvl="3"/>
             <a:r>
-              <a:rPr lang="en-US" dirty="0" smtClean="0"/>
+              <a:rPr lang="en-US" dirty="0"/>
               <a:t>Fourth level</a:t>
             </a:r>
           </a:p>
           <a:p>
             <a:pPr lvl="4"/>
             <a:r>
-              <a:rPr lang="en-US" dirty="0" smtClean="0"/>
+              <a:rPr lang="en-US" dirty="0"/>
               <a:t>Fifth level</a:t>
             </a:r>
-            <a:endParaRPr lang="en-US" dirty="0"/>
           </a:p>
         </p:txBody>
       </p:sp>
@@ -9785,38 +9530,37 @@
           <a:p>
             <a:pPr lvl="0"/>
             <a:r>
-              <a:rPr lang="en-US" dirty="0" smtClean="0"/>
+              <a:rPr lang="en-US" dirty="0"/>
               <a:t>Click to edit Master text styles</a:t>
             </a:r>
           </a:p>
           <a:p>
             <a:pPr lvl="1"/>
             <a:r>
-              <a:rPr lang="en-US" dirty="0" smtClean="0"/>
+              <a:rPr lang="en-US" dirty="0"/>
               <a:t>Second level</a:t>
             </a:r>
           </a:p>
           <a:p>
             <a:pPr lvl="2"/>
             <a:r>
-              <a:rPr lang="en-US" dirty="0" smtClean="0"/>
+              <a:rPr lang="en-US" dirty="0"/>
               <a:t>Third level</a:t>
             </a:r>
           </a:p>
           <a:p>
             <a:pPr lvl="3"/>
             <a:r>
-              <a:rPr lang="en-US" dirty="0" smtClean="0"/>
+              <a:rPr lang="en-US" dirty="0"/>
               <a:t>Fourth level</a:t>
             </a:r>
           </a:p>
           <a:p>
             <a:pPr lvl="4"/>
             <a:r>
-              <a:rPr lang="en-US" dirty="0" smtClean="0"/>
+              <a:rPr lang="en-US" dirty="0"/>
               <a:t>Fifth level</a:t>
             </a:r>
-            <a:endParaRPr lang="en-US" dirty="0"/>
           </a:p>
         </p:txBody>
       </p:sp>
@@ -9870,38 +9614,37 @@
           <a:p>
             <a:pPr lvl="0"/>
             <a:r>
-              <a:rPr lang="en-US" dirty="0" smtClean="0"/>
+              <a:rPr lang="en-US" dirty="0"/>
               <a:t>Click to edit Master text styles</a:t>
             </a:r>
           </a:p>
           <a:p>
             <a:pPr lvl="1"/>
             <a:r>
-              <a:rPr lang="en-US" dirty="0" smtClean="0"/>
+              <a:rPr lang="en-US" dirty="0"/>
               <a:t>Second level</a:t>
             </a:r>
           </a:p>
           <a:p>
             <a:pPr lvl="2"/>
             <a:r>
-              <a:rPr lang="en-US" dirty="0" smtClean="0"/>
+              <a:rPr lang="en-US" dirty="0"/>
               <a:t>Third level</a:t>
             </a:r>
           </a:p>
           <a:p>
             <a:pPr lvl="3"/>
             <a:r>
-              <a:rPr lang="en-US" dirty="0" smtClean="0"/>
+              <a:rPr lang="en-US" dirty="0"/>
               <a:t>Fourth level</a:t>
             </a:r>
           </a:p>
           <a:p>
             <a:pPr lvl="4"/>
             <a:r>
-              <a:rPr lang="en-US" dirty="0" smtClean="0"/>
+              <a:rPr lang="en-US" dirty="0"/>
               <a:t>Fifth level</a:t>
             </a:r>
-            <a:endParaRPr lang="en-US" dirty="0"/>
           </a:p>
         </p:txBody>
       </p:sp>
@@ -9955,38 +9698,37 @@
           <a:p>
             <a:pPr lvl="0"/>
             <a:r>
-              <a:rPr lang="en-US" dirty="0" smtClean="0"/>
+              <a:rPr lang="en-US" dirty="0"/>
               <a:t>Click to edit Master text styles</a:t>
             </a:r>
           </a:p>
           <a:p>
             <a:pPr lvl="1"/>
             <a:r>
-              <a:rPr lang="en-US" dirty="0" smtClean="0"/>
+              <a:rPr lang="en-US" dirty="0"/>
               <a:t>Second level</a:t>
             </a:r>
           </a:p>
           <a:p>
             <a:pPr lvl="2"/>
             <a:r>
-              <a:rPr lang="en-US" dirty="0" smtClean="0"/>
+              <a:rPr lang="en-US" dirty="0"/>
               <a:t>Third level</a:t>
             </a:r>
           </a:p>
           <a:p>
             <a:pPr lvl="3"/>
             <a:r>
-              <a:rPr lang="en-US" dirty="0" smtClean="0"/>
+              <a:rPr lang="en-US" dirty="0"/>
               <a:t>Fourth level</a:t>
             </a:r>
           </a:p>
           <a:p>
             <a:pPr lvl="4"/>
             <a:r>
-              <a:rPr lang="en-US" dirty="0" smtClean="0"/>
+              <a:rPr lang="en-US" dirty="0"/>
               <a:t>Fifth level</a:t>
             </a:r>
-            <a:endParaRPr lang="en-US" dirty="0"/>
           </a:p>
         </p:txBody>
       </p:sp>
@@ -10040,38 +9782,37 @@
           <a:p>
             <a:pPr lvl="0"/>
             <a:r>
-              <a:rPr lang="en-US" dirty="0" smtClean="0"/>
+              <a:rPr lang="en-US" dirty="0"/>
               <a:t>Click to edit Master text styles</a:t>
             </a:r>
           </a:p>
           <a:p>
             <a:pPr lvl="1"/>
             <a:r>
-              <a:rPr lang="en-US" dirty="0" smtClean="0"/>
+              <a:rPr lang="en-US" dirty="0"/>
               <a:t>Second level</a:t>
             </a:r>
           </a:p>
           <a:p>
             <a:pPr lvl="2"/>
             <a:r>
-              <a:rPr lang="en-US" dirty="0" smtClean="0"/>
+              <a:rPr lang="en-US" dirty="0"/>
               <a:t>Third level</a:t>
             </a:r>
           </a:p>
           <a:p>
             <a:pPr lvl="3"/>
             <a:r>
-              <a:rPr lang="en-US" dirty="0" smtClean="0"/>
+              <a:rPr lang="en-US" dirty="0"/>
               <a:t>Fourth level</a:t>
             </a:r>
           </a:p>
           <a:p>
             <a:pPr lvl="4"/>
             <a:r>
-              <a:rPr lang="en-US" dirty="0" smtClean="0"/>
+              <a:rPr lang="en-US" dirty="0"/>
               <a:t>Fifth level</a:t>
             </a:r>
-            <a:endParaRPr lang="en-US" dirty="0"/>
           </a:p>
         </p:txBody>
       </p:sp>
@@ -10125,38 +9866,37 @@
           <a:p>
             <a:pPr lvl="0"/>
             <a:r>
-              <a:rPr lang="en-US" dirty="0" smtClean="0"/>
+              <a:rPr lang="en-US" dirty="0"/>
               <a:t>Click to edit Master text styles</a:t>
             </a:r>
           </a:p>
           <a:p>
             <a:pPr lvl="1"/>
             <a:r>
-              <a:rPr lang="en-US" dirty="0" smtClean="0"/>
+              <a:rPr lang="en-US" dirty="0"/>
               <a:t>Second level</a:t>
             </a:r>
           </a:p>
           <a:p>
             <a:pPr lvl="2"/>
             <a:r>
-              <a:rPr lang="en-US" dirty="0" smtClean="0"/>
+              <a:rPr lang="en-US" dirty="0"/>
               <a:t>Third level</a:t>
             </a:r>
           </a:p>
           <a:p>
             <a:pPr lvl="3"/>
             <a:r>
-              <a:rPr lang="en-US" dirty="0" smtClean="0"/>
+              <a:rPr lang="en-US" dirty="0"/>
               <a:t>Fourth level</a:t>
             </a:r>
           </a:p>
           <a:p>
             <a:pPr lvl="4"/>
             <a:r>
-              <a:rPr lang="en-US" dirty="0" smtClean="0"/>
+              <a:rPr lang="en-US" dirty="0"/>
               <a:t>Fifth level</a:t>
             </a:r>
-            <a:endParaRPr lang="en-US" dirty="0"/>
           </a:p>
         </p:txBody>
       </p:sp>
@@ -10210,38 +9950,37 @@
           <a:p>
             <a:pPr lvl="0"/>
             <a:r>
-              <a:rPr lang="en-US" dirty="0" smtClean="0"/>
+              <a:rPr lang="en-US" dirty="0"/>
               <a:t>Click to edit Master text styles</a:t>
             </a:r>
           </a:p>
           <a:p>
             <a:pPr lvl="1"/>
             <a:r>
-              <a:rPr lang="en-US" dirty="0" smtClean="0"/>
+              <a:rPr lang="en-US" dirty="0"/>
               <a:t>Second level</a:t>
             </a:r>
           </a:p>
           <a:p>
             <a:pPr lvl="2"/>
             <a:r>
-              <a:rPr lang="en-US" dirty="0" smtClean="0"/>
+              <a:rPr lang="en-US" dirty="0"/>
               <a:t>Third level</a:t>
             </a:r>
           </a:p>
           <a:p>
             <a:pPr lvl="3"/>
             <a:r>
-              <a:rPr lang="en-US" dirty="0" smtClean="0"/>
+              <a:rPr lang="en-US" dirty="0"/>
               <a:t>Fourth level</a:t>
             </a:r>
           </a:p>
           <a:p>
             <a:pPr lvl="4"/>
             <a:r>
-              <a:rPr lang="en-US" dirty="0" smtClean="0"/>
+              <a:rPr lang="en-US" dirty="0"/>
               <a:t>Fifth level</a:t>
             </a:r>
-            <a:endParaRPr lang="en-US" dirty="0"/>
           </a:p>
         </p:txBody>
       </p:sp>
@@ -10295,38 +10034,37 @@
           <a:p>
             <a:pPr lvl="0"/>
             <a:r>
-              <a:rPr lang="en-US" dirty="0" smtClean="0"/>
+              <a:rPr lang="en-US" dirty="0"/>
               <a:t>Click to edit Master text styles</a:t>
             </a:r>
           </a:p>
           <a:p>
             <a:pPr lvl="1"/>
             <a:r>
-              <a:rPr lang="en-US" dirty="0" smtClean="0"/>
+              <a:rPr lang="en-US" dirty="0"/>
               <a:t>Second level</a:t>
             </a:r>
           </a:p>
           <a:p>
             <a:pPr lvl="2"/>
             <a:r>
-              <a:rPr lang="en-US" dirty="0" smtClean="0"/>
+              <a:rPr lang="en-US" dirty="0"/>
               <a:t>Third level</a:t>
             </a:r>
           </a:p>
           <a:p>
             <a:pPr lvl="3"/>
             <a:r>
-              <a:rPr lang="en-US" dirty="0" smtClean="0"/>
+              <a:rPr lang="en-US" dirty="0"/>
               <a:t>Fourth level</a:t>
             </a:r>
           </a:p>
           <a:p>
             <a:pPr lvl="4"/>
             <a:r>
-              <a:rPr lang="en-US" dirty="0" smtClean="0"/>
+              <a:rPr lang="en-US" dirty="0"/>
               <a:t>Fifth level</a:t>
             </a:r>
-            <a:endParaRPr lang="en-US" dirty="0"/>
           </a:p>
         </p:txBody>
       </p:sp>
@@ -10380,38 +10118,37 @@
           <a:p>
             <a:pPr lvl="0"/>
             <a:r>
-              <a:rPr lang="en-US" dirty="0" smtClean="0"/>
+              <a:rPr lang="en-US" dirty="0"/>
               <a:t>Click to edit Master text styles</a:t>
             </a:r>
           </a:p>
           <a:p>
             <a:pPr lvl="1"/>
             <a:r>
-              <a:rPr lang="en-US" dirty="0" smtClean="0"/>
+              <a:rPr lang="en-US" dirty="0"/>
               <a:t>Second level</a:t>
             </a:r>
           </a:p>
           <a:p>
             <a:pPr lvl="2"/>
             <a:r>
-              <a:rPr lang="en-US" dirty="0" smtClean="0"/>
+              <a:rPr lang="en-US" dirty="0"/>
               <a:t>Third level</a:t>
             </a:r>
           </a:p>
           <a:p>
             <a:pPr lvl="3"/>
             <a:r>
-              <a:rPr lang="en-US" dirty="0" smtClean="0"/>
+              <a:rPr lang="en-US" dirty="0"/>
               <a:t>Fourth level</a:t>
             </a:r>
           </a:p>
           <a:p>
             <a:pPr lvl="4"/>
             <a:r>
-              <a:rPr lang="en-US" dirty="0" smtClean="0"/>
+              <a:rPr lang="en-US" dirty="0"/>
               <a:t>Fifth level</a:t>
             </a:r>
-            <a:endParaRPr lang="en-US" dirty="0"/>
           </a:p>
         </p:txBody>
       </p:sp>
@@ -10465,38 +10202,37 @@
           <a:p>
             <a:pPr lvl="0"/>
             <a:r>
-              <a:rPr lang="en-US" dirty="0" smtClean="0"/>
+              <a:rPr lang="en-US" dirty="0"/>
               <a:t>Click to edit Master text styles</a:t>
             </a:r>
           </a:p>
           <a:p>
             <a:pPr lvl="1"/>
             <a:r>
-              <a:rPr lang="en-US" dirty="0" smtClean="0"/>
+              <a:rPr lang="en-US" dirty="0"/>
               <a:t>Second level</a:t>
             </a:r>
           </a:p>
           <a:p>
             <a:pPr lvl="2"/>
             <a:r>
-              <a:rPr lang="en-US" dirty="0" smtClean="0"/>
+              <a:rPr lang="en-US" dirty="0"/>
               <a:t>Third level</a:t>
             </a:r>
           </a:p>
           <a:p>
             <a:pPr lvl="3"/>
             <a:r>
-              <a:rPr lang="en-US" dirty="0" smtClean="0"/>
+              <a:rPr lang="en-US" dirty="0"/>
               <a:t>Fourth level</a:t>
             </a:r>
           </a:p>
           <a:p>
             <a:pPr lvl="4"/>
             <a:r>
-              <a:rPr lang="en-US" dirty="0" smtClean="0"/>
+              <a:rPr lang="en-US" dirty="0"/>
               <a:t>Fifth level</a:t>
             </a:r>
-            <a:endParaRPr lang="en-US" dirty="0"/>
           </a:p>
         </p:txBody>
       </p:sp>
@@ -10510,21 +10246,6 @@
   <p:clrMapOvr>
     <a:masterClrMapping/>
   </p:clrMapOvr>
-  <mc:AlternateContent xmlns:mc="http://schemas.openxmlformats.org/markup-compatibility/2006" xmlns:p14="http://schemas.microsoft.com/office/powerpoint/2010/main">
-    <mc:Choice Requires="p14">
-      <p:transition spd="slow" p14:dur="2000"/>
-    </mc:Choice>
-    <mc:Fallback xmlns="">
-      <p:transition spd="slow"/>
-    </mc:Fallback>
-  </mc:AlternateContent>
-  <p:timing>
-    <p:tnLst>
-      <p:par>
-        <p:cTn id="1" dur="indefinite" restart="never" nodeType="tmRoot"/>
-      </p:par>
-    </p:tnLst>
-  </p:timing>
 </p:sldLayout>
 </file>
 
@@ -10561,10 +10282,9 @@
           <a:lstStyle/>
           <a:p>
             <a:r>
-              <a:rPr lang="en-US" dirty="0" smtClean="0"/>
+              <a:rPr lang="en-US" dirty="0"/>
               <a:t>Click to edit Master title style</a:t>
             </a:r>
-            <a:endParaRPr lang="en-US" dirty="0"/>
           </a:p>
         </p:txBody>
       </p:sp>
@@ -10618,38 +10338,37 @@
           <a:p>
             <a:pPr lvl="0"/>
             <a:r>
-              <a:rPr lang="en-US" dirty="0" smtClean="0"/>
+              <a:rPr lang="en-US" dirty="0"/>
               <a:t>Click to edit Master text styles</a:t>
             </a:r>
           </a:p>
           <a:p>
             <a:pPr lvl="1"/>
             <a:r>
-              <a:rPr lang="en-US" dirty="0" smtClean="0"/>
+              <a:rPr lang="en-US" dirty="0"/>
               <a:t>Second level</a:t>
             </a:r>
           </a:p>
           <a:p>
             <a:pPr lvl="2"/>
             <a:r>
-              <a:rPr lang="en-US" dirty="0" smtClean="0"/>
+              <a:rPr lang="en-US" dirty="0"/>
               <a:t>Third level</a:t>
             </a:r>
           </a:p>
           <a:p>
             <a:pPr lvl="3"/>
             <a:r>
-              <a:rPr lang="en-US" dirty="0" smtClean="0"/>
+              <a:rPr lang="en-US" dirty="0"/>
               <a:t>Fourth level</a:t>
             </a:r>
           </a:p>
           <a:p>
             <a:pPr lvl="4"/>
             <a:r>
-              <a:rPr lang="en-US" dirty="0" smtClean="0"/>
+              <a:rPr lang="en-US" dirty="0"/>
               <a:t>Fifth level</a:t>
             </a:r>
-            <a:endParaRPr lang="en-US" dirty="0"/>
           </a:p>
         </p:txBody>
       </p:sp>
@@ -10703,38 +10422,37 @@
           <a:p>
             <a:pPr lvl="0"/>
             <a:r>
-              <a:rPr lang="en-US" dirty="0" smtClean="0"/>
+              <a:rPr lang="en-US" dirty="0"/>
               <a:t>Click to edit Master text styles</a:t>
             </a:r>
           </a:p>
           <a:p>
             <a:pPr lvl="1"/>
             <a:r>
-              <a:rPr lang="en-US" dirty="0" smtClean="0"/>
+              <a:rPr lang="en-US" dirty="0"/>
               <a:t>Second level</a:t>
             </a:r>
           </a:p>
           <a:p>
             <a:pPr lvl="2"/>
             <a:r>
-              <a:rPr lang="en-US" dirty="0" smtClean="0"/>
+              <a:rPr lang="en-US" dirty="0"/>
               <a:t>Third level</a:t>
             </a:r>
           </a:p>
           <a:p>
             <a:pPr lvl="3"/>
             <a:r>
-              <a:rPr lang="en-US" dirty="0" smtClean="0"/>
+              <a:rPr lang="en-US" dirty="0"/>
               <a:t>Fourth level</a:t>
             </a:r>
           </a:p>
           <a:p>
             <a:pPr lvl="4"/>
             <a:r>
-              <a:rPr lang="en-US" dirty="0" smtClean="0"/>
+              <a:rPr lang="en-US" dirty="0"/>
               <a:t>Fifth level</a:t>
             </a:r>
-            <a:endParaRPr lang="en-US" dirty="0"/>
           </a:p>
         </p:txBody>
       </p:sp>
@@ -10779,7 +10497,7 @@
           <a:p>
             <a:fld id="{A9DF6EFB-3F44-496C-A842-1E0B3D3B975A}" type="datetimeFigureOut">
               <a:rPr lang="en-US" smtClean="0"/>
-              <a:t>9/13/2019</a:t>
+              <a:t>9/15/21</a:t>
             </a:fld>
             <a:endParaRPr lang="en-US" dirty="0"/>
           </a:p>
@@ -10818,21 +10536,6 @@
   <p:clrMapOvr>
     <a:masterClrMapping/>
   </p:clrMapOvr>
-  <mc:AlternateContent xmlns:mc="http://schemas.openxmlformats.org/markup-compatibility/2006" xmlns:p14="http://schemas.microsoft.com/office/powerpoint/2010/main">
-    <mc:Choice Requires="p14">
-      <p:transition spd="slow" p14:dur="2000"/>
-    </mc:Choice>
-    <mc:Fallback xmlns="">
-      <p:transition spd="slow"/>
-    </mc:Fallback>
-  </mc:AlternateContent>
-  <p:timing>
-    <p:tnLst>
-      <p:par>
-        <p:cTn id="1" dur="indefinite" restart="never" nodeType="tmRoot"/>
-      </p:par>
-    </p:tnLst>
-  </p:timing>
 </p:sldLayout>
 </file>
 
@@ -10884,17 +10587,16 @@
           <a:lstStyle/>
           <a:p>
             <a:r>
-              <a:rPr lang="en-US" dirty="0" smtClean="0"/>
+              <a:rPr lang="en-US" dirty="0"/>
               <a:t>Click to edit </a:t>
             </a:r>
             <a:br>
-              <a:rPr lang="en-US" dirty="0" smtClean="0"/>
+              <a:rPr lang="en-US" dirty="0"/>
             </a:br>
             <a:r>
-              <a:rPr lang="en-US" dirty="0" smtClean="0"/>
+              <a:rPr lang="en-US" dirty="0"/>
               <a:t>Master title style</a:t>
             </a:r>
-            <a:endParaRPr lang="en-US" dirty="0"/>
           </a:p>
         </p:txBody>
       </p:sp>
@@ -10925,66 +10627,65 @@
           <a:p>
             <a:pPr lvl="0"/>
             <a:r>
-              <a:rPr lang="en-US" dirty="0" smtClean="0"/>
+              <a:rPr lang="en-US" dirty="0"/>
               <a:t>Click to edit Master text styles</a:t>
             </a:r>
           </a:p>
           <a:p>
             <a:pPr lvl="1"/>
             <a:r>
-              <a:rPr lang="en-US" dirty="0" smtClean="0"/>
+              <a:rPr lang="en-US" dirty="0"/>
               <a:t>Second level</a:t>
             </a:r>
           </a:p>
           <a:p>
             <a:pPr lvl="2"/>
             <a:r>
-              <a:rPr lang="en-US" dirty="0" smtClean="0"/>
+              <a:rPr lang="en-US" dirty="0"/>
               <a:t>Third level</a:t>
             </a:r>
           </a:p>
           <a:p>
             <a:pPr lvl="3"/>
             <a:r>
-              <a:rPr lang="en-US" dirty="0" smtClean="0"/>
+              <a:rPr lang="en-US" dirty="0"/>
               <a:t>Fourth level</a:t>
             </a:r>
           </a:p>
           <a:p>
             <a:pPr lvl="4"/>
             <a:r>
-              <a:rPr lang="en-US" dirty="0" smtClean="0"/>
+              <a:rPr lang="en-US" dirty="0"/>
               <a:t>Fifth level</a:t>
             </a:r>
           </a:p>
           <a:p>
             <a:pPr lvl="5"/>
             <a:r>
-              <a:rPr lang="en-US" dirty="0" smtClean="0"/>
+              <a:rPr lang="en-US" dirty="0"/>
               <a:t>Sixth</a:t>
             </a:r>
           </a:p>
           <a:p>
             <a:pPr lvl="6"/>
             <a:r>
-              <a:rPr lang="en-US" dirty="0" smtClean="0"/>
+              <a:rPr lang="en-US" dirty="0"/>
               <a:t>Seventh</a:t>
             </a:r>
           </a:p>
           <a:p>
             <a:pPr lvl="7"/>
             <a:r>
-              <a:rPr lang="en-US" dirty="0" smtClean="0"/>
+              <a:rPr lang="en-US" dirty="0"/>
               <a:t>Eighth</a:t>
             </a:r>
           </a:p>
           <a:p>
             <a:pPr lvl="8"/>
             <a:r>
-              <a:rPr lang="en-US" dirty="0" smtClean="0"/>
+              <a:rPr lang="en-US" dirty="0"/>
               <a:t>Ninth</a:t>
             </a:r>
-            <a:endParaRPr lang="en-US" dirty="0"/>
           </a:p>
         </p:txBody>
       </p:sp>
@@ -11057,7 +10758,7 @@
             <a:fld id="{A9DF6EFB-3F44-496C-A842-1E0B3D3B975A}" type="datetimeFigureOut">
               <a:rPr lang="en-US" smtClean="0"/>
               <a:pPr/>
-              <a:t>9/13/2019</a:t>
+              <a:t>9/15/21</a:t>
             </a:fld>
             <a:endParaRPr lang="en-US" dirty="0"/>
           </a:p>
@@ -11143,18 +10844,13 @@
               <a:defRPr/>
             </a:pPr>
             <a:r>
-              <a:rPr lang="en-US" altLang="en-US" sz="1200" b="0" dirty="0" smtClean="0">
+              <a:rPr lang="en-US" altLang="en-US" sz="1200" b="0" dirty="0">
                 <a:latin typeface="Verdana"/>
                 <a:ea typeface="Verdana" panose="020B0604030504040204" pitchFamily="34" charset="0"/>
                 <a:cs typeface="Verdana" panose="020B0604030504040204" pitchFamily="34" charset="0"/>
               </a:rPr>
               <a:t>Copyright © 2020, 2017, 2015 Pearson Education, Inc. All Rights Reserved</a:t>
             </a:r>
-            <a:endParaRPr lang="en-US" altLang="en-US" sz="1200" b="0" dirty="0">
-              <a:latin typeface="Verdana"/>
-              <a:ea typeface="Verdana" panose="020B0604030504040204" pitchFamily="34" charset="0"/>
-              <a:cs typeface="Verdana" panose="020B0604030504040204" pitchFamily="34" charset="0"/>
-            </a:endParaRPr>
           </a:p>
         </p:txBody>
       </p:sp>
@@ -11214,21 +10910,6 @@
     <p:sldLayoutId id="2147483655" r:id="rId15"/>
     <p:sldLayoutId id="2147483664" r:id="rId16"/>
   </p:sldLayoutIdLst>
-  <mc:AlternateContent xmlns:mc="http://schemas.openxmlformats.org/markup-compatibility/2006" xmlns:p14="http://schemas.microsoft.com/office/powerpoint/2010/main">
-    <mc:Choice Requires="p14">
-      <p:transition spd="slow" p14:dur="2000"/>
-    </mc:Choice>
-    <mc:Fallback xmlns="">
-      <p:transition spd="slow"/>
-    </mc:Fallback>
-  </mc:AlternateContent>
-  <p:timing>
-    <p:tnLst>
-      <p:par>
-        <p:cTn id="1" dur="indefinite" restart="never" nodeType="tmRoot"/>
-      </p:par>
-    </p:tnLst>
-  </p:timing>
   <p:txStyles>
     <p:titleStyle>
       <a:lvl1pPr algn="l" defTabSz="914400" rtl="0" eaLnBrk="1" latinLnBrk="0" hangingPunct="1">
@@ -11592,11 +11273,11 @@
           <a:lstStyle/>
           <a:p>
             <a:r>
-              <a:rPr lang="en-US" altLang="en-US" dirty="0" smtClean="0"/>
+              <a:rPr lang="en-US" altLang="en-US" dirty="0"/>
               <a:t>Ninth</a:t>
             </a:r>
             <a:r>
-              <a:rPr lang="en-US" altLang="en-US" dirty="0" smtClean="0">
+              <a:rPr lang="en-US" altLang="en-US" dirty="0">
                 <a:solidFill>
                   <a:srgbClr val="FFFFFF"/>
                 </a:solidFill>
@@ -11604,7 +11285,7 @@
               <a:t> </a:t>
             </a:r>
             <a:r>
-              <a:rPr lang="en-US" dirty="0" smtClean="0"/>
+              <a:rPr lang="en-US" dirty="0"/>
               <a:t>Edition</a:t>
             </a:r>
             <a:endParaRPr lang="en-IN" dirty="0"/>
@@ -11635,13 +11316,8 @@
           <a:p>
             <a:r>
               <a:rPr lang="en-US" sz="3200" dirty="0"/>
-              <a:t>Chapter </a:t>
-            </a:r>
-            <a:r>
-              <a:rPr lang="en-US" sz="3200" dirty="0" smtClean="0"/>
-              <a:t>2</a:t>
-            </a:r>
-            <a:endParaRPr lang="en-US" sz="3200" dirty="0"/>
+              <a:t>Chapter 2</a:t>
+            </a:r>
           </a:p>
         </p:txBody>
       </p:sp>
@@ -11773,21 +11449,6 @@
   <p:clrMapOvr>
     <a:masterClrMapping/>
   </p:clrMapOvr>
-  <mc:AlternateContent xmlns:mc="http://schemas.openxmlformats.org/markup-compatibility/2006" xmlns:p14="http://schemas.microsoft.com/office/powerpoint/2010/main">
-    <mc:Choice Requires="p14">
-      <p:transition spd="slow" p14:dur="2000"/>
-    </mc:Choice>
-    <mc:Fallback xmlns="">
-      <p:transition spd="slow"/>
-    </mc:Fallback>
-  </mc:AlternateContent>
-  <p:timing>
-    <p:tnLst>
-      <p:par>
-        <p:cTn id="1" dur="indefinite" restart="never" nodeType="tmRoot"/>
-      </p:par>
-    </p:tnLst>
-  </p:timing>
 </p:sld>
 </file>
 
@@ -11831,16 +11492,10 @@
           <a:lstStyle/>
           <a:p>
             <a:r>
-              <a:rPr lang="en-IN" sz="3600" dirty="0" smtClean="0">
-                <a:latin typeface="+mj-lt"/>
-              </a:rPr>
-              <a:t>Figure 2.6 </a:t>
-            </a:r>
-            <a:r>
               <a:rPr lang="en-IN" sz="3600" dirty="0">
                 <a:latin typeface="+mj-lt"/>
               </a:rPr>
-              <a:t>Equivalent Sets of Terms</a:t>
+              <a:t>Figure 2.6 Equivalent Sets of Terms</a:t>
             </a:r>
             <a:endParaRPr lang="en-US" sz="3600" dirty="0">
               <a:latin typeface="+mj-lt"/>
@@ -11897,21 +11552,6 @@
   <p:clrMapOvr>
     <a:masterClrMapping/>
   </p:clrMapOvr>
-  <mc:AlternateContent xmlns:mc="http://schemas.openxmlformats.org/markup-compatibility/2006" xmlns:p14="http://schemas.microsoft.com/office/powerpoint/2010/main">
-    <mc:Choice Requires="p14">
-      <p:transition spd="slow" p14:dur="2000"/>
-    </mc:Choice>
-    <mc:Fallback xmlns="">
-      <p:transition spd="slow"/>
-    </mc:Fallback>
-  </mc:AlternateContent>
-  <p:timing>
-    <p:tnLst>
-      <p:par>
-        <p:cTn id="1" dur="indefinite" restart="never" nodeType="tmRoot"/>
-      </p:par>
-    </p:tnLst>
-  </p:timing>
 </p:sld>
 </file>
 
@@ -12133,27 +11773,19 @@
               <a:t>is a candidate key that is chosen as the key that the </a:t>
             </a:r>
             <a:r>
-              <a:rPr lang="en-IN" sz="2200" spc="-350" dirty="0" smtClean="0"/>
+              <a:rPr lang="en-IN" sz="2200" spc="-350" dirty="0"/>
               <a:t>D M B </a:t>
             </a:r>
             <a:r>
-              <a:rPr lang="en-IN" sz="2200" dirty="0" smtClean="0"/>
-              <a:t>S </a:t>
-            </a:r>
-            <a:r>
               <a:rPr lang="en-IN" sz="2200" dirty="0"/>
-              <a:t>will use to uniquely identify each row in a relation.</a:t>
+              <a:t>S will use to uniquely identify each row in a relation.</a:t>
             </a:r>
           </a:p>
           <a:p>
             <a:pPr marL="772668" lvl="1"/>
             <a:r>
               <a:rPr lang="en-IN" sz="2200" dirty="0"/>
-              <a:t>The primary key in a relation will be </a:t>
-            </a:r>
-            <a:r>
-              <a:rPr lang="en-IN" sz="2200" dirty="0" smtClean="0"/>
-              <a:t>underlined.</a:t>
+              <a:t>The primary key in a relation will be underlined.</a:t>
             </a:r>
           </a:p>
         </p:txBody>
@@ -12168,21 +11800,6 @@
   <p:clrMapOvr>
     <a:masterClrMapping/>
   </p:clrMapOvr>
-  <mc:AlternateContent xmlns:mc="http://schemas.openxmlformats.org/markup-compatibility/2006" xmlns:p14="http://schemas.microsoft.com/office/powerpoint/2010/main">
-    <mc:Choice Requires="p14">
-      <p:transition spd="slow" p14:dur="2000"/>
-    </mc:Choice>
-    <mc:Fallback xmlns="">
-      <p:transition spd="slow"/>
-    </mc:Fallback>
-  </mc:AlternateContent>
-  <p:timing>
-    <p:tnLst>
-      <p:par>
-        <p:cTn id="1" dur="indefinite" restart="never" nodeType="tmRoot"/>
-      </p:par>
-    </p:tnLst>
-  </p:timing>
 </p:sld>
 </file>
 
@@ -12275,21 +11892,8 @@
                   <a:srgbClr val="007FA3"/>
                 </a:solidFill>
               </a:rPr>
-              <a:t>Learn the meaning and importance of keys, foreign keys, and related </a:t>
-            </a:r>
-            <a:r>
-              <a:rPr lang="en-IN" sz="2800" b="1" dirty="0" smtClean="0">
-                <a:solidFill>
-                  <a:srgbClr val="007FA3"/>
-                </a:solidFill>
-              </a:rPr>
-              <a:t>terminology</a:t>
-            </a:r>
-            <a:endParaRPr lang="en-IN" sz="2800" b="1" dirty="0">
-              <a:solidFill>
-                <a:srgbClr val="007FA3"/>
-              </a:solidFill>
-            </a:endParaRPr>
+              <a:t>Learn the meaning and importance of keys, foreign keys, and related terminology</a:t>
+            </a:r>
           </a:p>
         </p:txBody>
       </p:sp>
@@ -12372,16 +11976,8 @@
           <a:p>
             <a:pPr marL="772668" lvl="1"/>
             <a:r>
-              <a:rPr lang="en-IN" sz="2200" dirty="0" smtClean="0"/>
-              <a:t>The </a:t>
-            </a:r>
-            <a:r>
               <a:rPr lang="en-IN" sz="2200" dirty="0"/>
-              <a:t>primary key consists of two words run together with the first letter of each word capitalized.  It is also underlined</a:t>
-            </a:r>
-            <a:r>
-              <a:rPr lang="en-IN" sz="2200" dirty="0" smtClean="0"/>
-              <a:t>.</a:t>
+              <a:t>The primary key consists of two words run together with the first letter of each word capitalized.  It is also underlined.</a:t>
             </a:r>
           </a:p>
         </p:txBody>
@@ -12396,21 +11992,6 @@
   <p:clrMapOvr>
     <a:masterClrMapping/>
   </p:clrMapOvr>
-  <mc:AlternateContent xmlns:mc="http://schemas.openxmlformats.org/markup-compatibility/2006" xmlns:p14="http://schemas.microsoft.com/office/powerpoint/2010/main">
-    <mc:Choice Requires="p14">
-      <p:transition spd="slow" p14:dur="2000"/>
-    </mc:Choice>
-    <mc:Fallback xmlns="">
-      <p:transition spd="slow"/>
-    </mc:Fallback>
-  </mc:AlternateContent>
-  <p:timing>
-    <p:tnLst>
-      <p:par>
-        <p:cTn id="1" dur="indefinite" restart="never" nodeType="tmRoot"/>
-      </p:par>
-    </p:tnLst>
-  </p:timing>
 </p:sld>
 </file>
 
@@ -12454,16 +12035,10 @@
           <a:lstStyle/>
           <a:p>
             <a:r>
-              <a:rPr lang="en-IN" sz="3600" dirty="0" smtClean="0">
-                <a:latin typeface="+mj-lt"/>
-              </a:rPr>
-              <a:t>Figure 2.7 </a:t>
-            </a:r>
-            <a:r>
               <a:rPr lang="en-IN" sz="3600" dirty="0">
                 <a:latin typeface="+mj-lt"/>
               </a:rPr>
-              <a:t>Defining a Primary Key in Microsoft Access 2019</a:t>
+              <a:t>Figure 2.7 Defining a Primary Key in Microsoft Access 2019</a:t>
             </a:r>
             <a:endParaRPr lang="en-US" sz="3600" dirty="0">
               <a:latin typeface="+mj-lt"/>
@@ -12552,21 +12127,6 @@
   <p:clrMapOvr>
     <a:masterClrMapping/>
   </p:clrMapOvr>
-  <mc:AlternateContent xmlns:mc="http://schemas.openxmlformats.org/markup-compatibility/2006" xmlns:p14="http://schemas.microsoft.com/office/powerpoint/2010/main">
-    <mc:Choice Requires="p14">
-      <p:transition spd="slow" p14:dur="2000"/>
-    </mc:Choice>
-    <mc:Fallback xmlns="">
-      <p:transition spd="slow"/>
-    </mc:Fallback>
-  </mc:AlternateContent>
-  <p:timing>
-    <p:tnLst>
-      <p:par>
-        <p:cTn id="1" dur="indefinite" restart="never" nodeType="tmRoot"/>
-      </p:par>
-    </p:tnLst>
-  </p:timing>
 </p:sld>
 </file>
 
@@ -12610,40 +12170,22 @@
           <a:lstStyle/>
           <a:p>
             <a:r>
-              <a:rPr lang="en-IN" sz="3600" dirty="0" smtClean="0">
-                <a:latin typeface="+mj-lt"/>
-              </a:rPr>
-              <a:t>Figure 2.8 </a:t>
-            </a:r>
-            <a:r>
               <a:rPr lang="en-IN" sz="3600" dirty="0">
                 <a:latin typeface="+mj-lt"/>
               </a:rPr>
-              <a:t>Defining a Primary Key in </a:t>
-            </a:r>
-            <a:r>
-              <a:rPr lang="en-IN" sz="3600" dirty="0" smtClean="0">
-                <a:latin typeface="+mj-lt"/>
-              </a:rPr>
-              <a:t>My</a:t>
-            </a:r>
-            <a:r>
-              <a:rPr lang="en-IN" sz="3600" spc="-500" dirty="0" smtClean="0">
+              <a:t>Figure 2.8 Defining a Primary Key in My</a:t>
+            </a:r>
+            <a:r>
+              <a:rPr lang="en-IN" sz="3600" spc="-500" dirty="0">
                 <a:latin typeface="+mj-lt"/>
               </a:rPr>
               <a:t>S Q </a:t>
             </a:r>
             <a:r>
-              <a:rPr lang="en-IN" sz="3600" dirty="0" smtClean="0">
-                <a:latin typeface="+mj-lt"/>
-              </a:rPr>
-              <a:t>L </a:t>
-            </a:r>
-            <a:r>
               <a:rPr lang="en-IN" sz="3600" dirty="0">
                 <a:latin typeface="+mj-lt"/>
               </a:rPr>
-              <a:t>8.0</a:t>
+              <a:t>L 8.0</a:t>
             </a:r>
             <a:endParaRPr lang="en-US" sz="3600" dirty="0">
               <a:latin typeface="+mj-lt"/>
@@ -12716,23 +12258,7 @@
               <a:buNone/>
             </a:pPr>
             <a:r>
-              <a:rPr lang="en-IN" sz="1800" dirty="0" smtClean="0"/>
-              <a:t>My</a:t>
-            </a:r>
-            <a:r>
-              <a:rPr lang="en-IN" sz="1800" spc="-300" dirty="0" smtClean="0"/>
-              <a:t>S Q </a:t>
-            </a:r>
-            <a:r>
-              <a:rPr lang="en-IN" sz="1800" dirty="0" smtClean="0"/>
-              <a:t>L </a:t>
-            </a:r>
-            <a:r>
               <a:rPr lang="en-IN" sz="1800" dirty="0"/>
-              <a:t>Community Server 8.0, </a:t>
-            </a:r>
-            <a:r>
-              <a:rPr lang="en-IN" sz="1800" dirty="0" smtClean="0"/>
               <a:t>My</a:t>
             </a:r>
             <a:r>
@@ -12740,12 +12266,16 @@
               <a:t>S Q </a:t>
             </a:r>
             <a:r>
-              <a:rPr lang="en-IN" sz="1800" dirty="0" smtClean="0"/>
-              <a:t>L </a:t>
-            </a:r>
-            <a:r>
               <a:rPr lang="en-IN" sz="1800" dirty="0"/>
-              <a:t>Workbench, Oracle Corporation</a:t>
+              <a:t>L Community Server 8.0, My</a:t>
+            </a:r>
+            <a:r>
+              <a:rPr lang="en-IN" sz="1800" spc="-300" dirty="0"/>
+              <a:t>S Q </a:t>
+            </a:r>
+            <a:r>
+              <a:rPr lang="en-IN" sz="1800" dirty="0"/>
+              <a:t>L Workbench, Oracle Corporation</a:t>
             </a:r>
           </a:p>
         </p:txBody>
@@ -12760,21 +12290,6 @@
   <p:clrMapOvr>
     <a:masterClrMapping/>
   </p:clrMapOvr>
-  <mc:AlternateContent xmlns:mc="http://schemas.openxmlformats.org/markup-compatibility/2006" xmlns:p14="http://schemas.microsoft.com/office/powerpoint/2010/main">
-    <mc:Choice Requires="p14">
-      <p:transition spd="slow" p14:dur="2000"/>
-    </mc:Choice>
-    <mc:Fallback xmlns="">
-      <p:transition spd="slow"/>
-    </mc:Fallback>
-  </mc:AlternateContent>
-  <p:timing>
-    <p:tnLst>
-      <p:par>
-        <p:cTn id="1" dur="indefinite" restart="never" nodeType="tmRoot"/>
-      </p:par>
-    </p:tnLst>
-  </p:timing>
 </p:sld>
 </file>
 
@@ -12818,34 +12333,22 @@
           <a:lstStyle/>
           <a:p>
             <a:r>
-              <a:rPr lang="en-IN" sz="3600" dirty="0" smtClean="0">
-                <a:latin typeface="+mj-lt"/>
-              </a:rPr>
-              <a:t>Figure 2.9 </a:t>
-            </a:r>
-            <a:r>
               <a:rPr lang="en-IN" sz="3600" dirty="0">
                 <a:latin typeface="+mj-lt"/>
               </a:rPr>
-              <a:t>Defining a Key in Microsoft </a:t>
-            </a:r>
-            <a:r>
-              <a:rPr lang="en-IN" sz="3600" spc="-500" dirty="0" smtClean="0">
+              <a:t>Figure 2.9 Defining a Key in Microsoft </a:t>
+            </a:r>
+            <a:r>
+              <a:rPr lang="en-IN" sz="3600" spc="-500" dirty="0">
                 <a:latin typeface="+mj-lt"/>
               </a:rPr>
               <a:t>S Q </a:t>
             </a:r>
             <a:r>
-              <a:rPr lang="en-IN" sz="3600" dirty="0" smtClean="0">
-                <a:latin typeface="+mj-lt"/>
-              </a:rPr>
-              <a:t>L </a:t>
-            </a:r>
-            <a:r>
               <a:rPr lang="en-IN" sz="3600" dirty="0">
                 <a:latin typeface="+mj-lt"/>
               </a:rPr>
-              <a:t>Server 2017</a:t>
+              <a:t>L Server 2017</a:t>
             </a:r>
             <a:endParaRPr lang="en-US" sz="3600" dirty="0">
               <a:latin typeface="+mj-lt"/>
@@ -12918,28 +12421,20 @@
               <a:buNone/>
             </a:pPr>
             <a:r>
-              <a:rPr lang="en-IN" sz="1800" spc="-300" dirty="0" smtClean="0"/>
+              <a:rPr lang="en-IN" sz="1800" spc="-300" dirty="0"/>
               <a:t>S Q </a:t>
             </a:r>
             <a:r>
-              <a:rPr lang="en-IN" sz="1800" dirty="0" smtClean="0"/>
-              <a:t>L </a:t>
-            </a:r>
-            <a:r>
               <a:rPr lang="en-IN" sz="1800" dirty="0"/>
-              <a:t>Server 2017, </a:t>
-            </a:r>
-            <a:r>
-              <a:rPr lang="en-IN" sz="1800" spc="-300" dirty="0" smtClean="0"/>
+              <a:t>L Server 2017, </a:t>
+            </a:r>
+            <a:r>
+              <a:rPr lang="en-IN" sz="1800" spc="-300" dirty="0"/>
               <a:t>S Q </a:t>
             </a:r>
             <a:r>
-              <a:rPr lang="en-IN" sz="1800" dirty="0" smtClean="0"/>
-              <a:t>L </a:t>
-            </a:r>
-            <a:r>
               <a:rPr lang="en-IN" sz="1800" dirty="0"/>
-              <a:t>Server Management Studio, Microsoft Corporation</a:t>
+              <a:t>L Server Management Studio, Microsoft Corporation</a:t>
             </a:r>
           </a:p>
         </p:txBody>
@@ -12954,21 +12449,6 @@
   <p:clrMapOvr>
     <a:masterClrMapping/>
   </p:clrMapOvr>
-  <mc:AlternateContent xmlns:mc="http://schemas.openxmlformats.org/markup-compatibility/2006" xmlns:p14="http://schemas.microsoft.com/office/powerpoint/2010/main">
-    <mc:Choice Requires="p14">
-      <p:transition spd="slow" p14:dur="2000"/>
-    </mc:Choice>
-    <mc:Fallback xmlns="">
-      <p:transition spd="slow"/>
-    </mc:Fallback>
-  </mc:AlternateContent>
-  <p:timing>
-    <p:tnLst>
-      <p:par>
-        <p:cTn id="1" dur="indefinite" restart="never" nodeType="tmRoot"/>
-      </p:par>
-    </p:tnLst>
-  </p:timing>
 </p:sld>
 </file>
 
@@ -13012,25 +12492,19 @@
           <a:lstStyle/>
           <a:p>
             <a:r>
-              <a:rPr lang="en-IN" sz="3600" dirty="0" smtClean="0">
-                <a:latin typeface="+mj-lt"/>
-              </a:rPr>
-              <a:t>Figure 2.10 </a:t>
-            </a:r>
-            <a:r>
               <a:rPr lang="en-IN" sz="3600" dirty="0">
                 <a:latin typeface="+mj-lt"/>
               </a:rPr>
-              <a:t>Defining a Primary Key in Oracle Database </a:t>
-            </a:r>
-            <a:r>
-              <a:rPr lang="en-IN" sz="3600" spc="-500" dirty="0" smtClean="0">
+              <a:t>Figure 2.10 Defining a Primary Key in Oracle Database </a:t>
+            </a:r>
+            <a:r>
+              <a:rPr lang="en-IN" sz="3600" spc="-500" dirty="0">
                 <a:latin typeface="+mj-lt"/>
               </a:rPr>
               <a:t>X </a:t>
             </a:r>
             <a:r>
-              <a:rPr lang="en-IN" sz="3600" dirty="0" smtClean="0">
+              <a:rPr lang="en-IN" sz="3600" dirty="0">
                 <a:latin typeface="+mj-lt"/>
               </a:rPr>
               <a:t>E</a:t>
@@ -13114,24 +12588,16 @@
               <a:t>X </a:t>
             </a:r>
             <a:r>
-              <a:rPr lang="en-IN" sz="1800" dirty="0" smtClean="0"/>
-              <a:t>E</a:t>
-            </a:r>
-            <a:r>
               <a:rPr lang="en-IN" sz="1800" dirty="0"/>
-              <a:t>, </a:t>
+              <a:t>E, </a:t>
             </a:r>
             <a:r>
               <a:rPr lang="en-IN" sz="1800" spc="-300" dirty="0"/>
               <a:t>S Q </a:t>
             </a:r>
             <a:r>
-              <a:rPr lang="en-IN" sz="1800" dirty="0" smtClean="0"/>
-              <a:t>L </a:t>
-            </a:r>
-            <a:r>
               <a:rPr lang="en-IN" sz="1800" dirty="0"/>
-              <a:t>Developer 18.4, Oracle Corporation</a:t>
+              <a:t>L Developer 18.4, Oracle Corporation</a:t>
             </a:r>
           </a:p>
         </p:txBody>
@@ -13146,21 +12612,6 @@
   <p:clrMapOvr>
     <a:masterClrMapping/>
   </p:clrMapOvr>
-  <mc:AlternateContent xmlns:mc="http://schemas.openxmlformats.org/markup-compatibility/2006" xmlns:p14="http://schemas.microsoft.com/office/powerpoint/2010/main">
-    <mc:Choice Requires="p14">
-      <p:transition spd="slow" p14:dur="2000"/>
-    </mc:Choice>
-    <mc:Fallback xmlns="">
-      <p:transition spd="slow"/>
-    </mc:Fallback>
-  </mc:AlternateContent>
-  <p:timing>
-    <p:tnLst>
-      <p:par>
-        <p:cTn id="1" dur="indefinite" restart="never" nodeType="tmRoot"/>
-      </p:par>
-    </p:tnLst>
-  </p:timing>
 </p:sld>
 </file>
 
@@ -13310,12 +12761,8 @@
               <a:t>D B M </a:t>
             </a:r>
             <a:r>
-              <a:rPr lang="en-IN" sz="2200" dirty="0" smtClean="0"/>
-              <a:t>S-assigned </a:t>
-            </a:r>
-            <a:r>
               <a:rPr lang="en-IN" sz="2200" dirty="0"/>
-              <a:t>identifier that has been added to a table to be the primary key.</a:t>
+              <a:t>S-assigned identifier that has been added to a table to be the primary key.</a:t>
             </a:r>
           </a:p>
           <a:p>
@@ -13329,13 +12776,8 @@
             <a:pPr marL="285750" indent="-285750"/>
             <a:r>
               <a:rPr lang="en-IN" sz="2200" dirty="0"/>
-              <a:t>Suppose we have the following table</a:t>
-            </a:r>
-            <a:r>
-              <a:rPr lang="en-IN" sz="2200" dirty="0" smtClean="0"/>
-              <a:t>:</a:t>
-            </a:r>
-            <a:endParaRPr lang="en-IN" sz="2200" dirty="0"/>
+              <a:t>Suppose we have the following table:</a:t>
+            </a:r>
           </a:p>
         </p:txBody>
       </p:sp>
@@ -13434,15 +12876,7 @@
                   <a:schemeClr val="bg2"/>
                 </a:solidFill>
               </a:rPr>
-              <a:t>, </a:t>
-            </a:r>
-            <a:r>
-              <a:rPr lang="en-IN" sz="2200" dirty="0" smtClean="0">
-                <a:solidFill>
-                  <a:schemeClr val="bg2"/>
-                </a:solidFill>
-              </a:rPr>
-              <a:t>Owner</a:t>
+              <a:t>, Owner</a:t>
             </a:r>
             <a:r>
               <a:rPr lang="en-IN" sz="2200" spc="-350" dirty="0">
@@ -13453,7 +12887,7 @@
               <a:t>I </a:t>
             </a:r>
             <a:r>
-              <a:rPr lang="en-IN" sz="2200" dirty="0" smtClean="0">
+              <a:rPr lang="en-IN" sz="2200" dirty="0">
                 <a:solidFill>
                   <a:schemeClr val="bg2"/>
                 </a:solidFill>
@@ -13465,11 +12899,7 @@
             <a:pPr lvl="1"/>
             <a:r>
               <a:rPr lang="en-IN" sz="2200" dirty="0"/>
-              <a:t>Notice that it takes the street, city, state, and zip to uniquely identify a row in a table</a:t>
-            </a:r>
-            <a:r>
-              <a:rPr lang="en-IN" sz="2200" dirty="0" smtClean="0"/>
-              <a:t>.</a:t>
+              <a:t>Notice that it takes the street, city, state, and zip to uniquely identify a row in a table.</a:t>
             </a:r>
           </a:p>
           <a:p>
@@ -13514,7 +12944,7 @@
               <a:t>PROPERTY (</a:t>
             </a:r>
             <a:r>
-              <a:rPr lang="en-IN" sz="2200" u="sng" dirty="0" smtClean="0">
+              <a:rPr lang="en-IN" sz="2200" u="sng" dirty="0">
                 <a:solidFill>
                   <a:schemeClr val="bg2"/>
                 </a:solidFill>
@@ -13527,18 +12957,10 @@
                   <a:schemeClr val="bg2"/>
                 </a:solidFill>
               </a:rPr>
-              <a:t>, Street, City, State, ZIP, </a:t>
-            </a:r>
-            <a:r>
-              <a:rPr lang="en-IN" sz="2200" dirty="0" smtClean="0">
-                <a:solidFill>
-                  <a:schemeClr val="bg2"/>
-                </a:solidFill>
-              </a:rPr>
-              <a:t>Owner</a:t>
-            </a:r>
-            <a:r>
-              <a:rPr lang="en-IN" sz="2200" spc="-350" dirty="0" smtClean="0">
+              <a:t>, Street, City, State, ZIP, Owner</a:t>
+            </a:r>
+            <a:r>
+              <a:rPr lang="en-IN" sz="2200" spc="-350" dirty="0">
                 <a:solidFill>
                   <a:schemeClr val="bg2"/>
                 </a:solidFill>
@@ -13546,20 +12968,12 @@
               <a:t>I </a:t>
             </a:r>
             <a:r>
-              <a:rPr lang="en-IN" sz="2200" dirty="0" smtClean="0">
-                <a:solidFill>
-                  <a:schemeClr val="bg2"/>
-                </a:solidFill>
-              </a:rPr>
-              <a:t>D</a:t>
-            </a:r>
-            <a:r>
               <a:rPr lang="en-IN" sz="2200" dirty="0">
                 <a:solidFill>
                   <a:schemeClr val="bg2"/>
                 </a:solidFill>
               </a:rPr>
-              <a:t>)</a:t>
+              <a:t>D)</a:t>
             </a:r>
           </a:p>
         </p:txBody>
@@ -13574,21 +12988,6 @@
   <p:clrMapOvr>
     <a:masterClrMapping/>
   </p:clrMapOvr>
-  <mc:AlternateContent xmlns:mc="http://schemas.openxmlformats.org/markup-compatibility/2006" xmlns:p14="http://schemas.microsoft.com/office/powerpoint/2010/main">
-    <mc:Choice Requires="p14">
-      <p:transition spd="slow" p14:dur="2000"/>
-    </mc:Choice>
-    <mc:Fallback xmlns="">
-      <p:transition spd="slow"/>
-    </mc:Fallback>
-  </mc:AlternateContent>
-  <p:timing>
-    <p:tnLst>
-      <p:par>
-        <p:cTn id="1" dur="indefinite" restart="never" nodeType="tmRoot"/>
-      </p:par>
-    </p:tnLst>
-  </p:timing>
 </p:sld>
 </file>
 
@@ -13807,21 +13206,6 @@
   <p:clrMapOvr>
     <a:masterClrMapping/>
   </p:clrMapOvr>
-  <mc:AlternateContent xmlns:mc="http://schemas.openxmlformats.org/markup-compatibility/2006" xmlns:p14="http://schemas.microsoft.com/office/powerpoint/2010/main">
-    <mc:Choice Requires="p14">
-      <p:transition spd="slow" p14:dur="2000"/>
-    </mc:Choice>
-    <mc:Fallback xmlns="">
-      <p:transition spd="slow"/>
-    </mc:Fallback>
-  </mc:AlternateContent>
-  <p:timing>
-    <p:tnLst>
-      <p:par>
-        <p:cTn id="1" dur="indefinite" restart="never" nodeType="tmRoot"/>
-      </p:par>
-    </p:tnLst>
-  </p:timing>
 </p:sld>
 </file>
 
@@ -13971,11 +13355,7 @@
             <a:pPr marL="285750" indent="-285750"/>
             <a:r>
               <a:rPr lang="en-IN" sz="2200" dirty="0"/>
-              <a:t>In the relationship between EMPLOYEE and DEPARTMENT seen on the previous slide, the department attribute located in the EMPLOYEE table is the foreign key and whatever value is placed in that column, the same value MUST exist in the Department attribute in the DEPARTMENT table</a:t>
-            </a:r>
-            <a:r>
-              <a:rPr lang="en-IN" sz="2200" dirty="0" smtClean="0"/>
-              <a:t>.</a:t>
+              <a:t>In the relationship between EMPLOYEE and DEPARTMENT seen on the previous slide, the department attribute located in the EMPLOYEE table is the foreign key and whatever value is placed in that column, the same value MUST exist in the Department attribute in the DEPARTMENT table.</a:t>
             </a:r>
           </a:p>
         </p:txBody>
@@ -13990,21 +13370,6 @@
   <p:clrMapOvr>
     <a:masterClrMapping/>
   </p:clrMapOvr>
-  <mc:AlternateContent xmlns:mc="http://schemas.openxmlformats.org/markup-compatibility/2006" xmlns:p14="http://schemas.microsoft.com/office/powerpoint/2010/main">
-    <mc:Choice Requires="p14">
-      <p:transition spd="slow" p14:dur="2000"/>
-    </mc:Choice>
-    <mc:Fallback xmlns="">
-      <p:transition spd="slow"/>
-    </mc:Fallback>
-  </mc:AlternateContent>
-  <p:timing>
-    <p:tnLst>
-      <p:par>
-        <p:cTn id="1" dur="indefinite" restart="never" nodeType="tmRoot"/>
-      </p:par>
-    </p:tnLst>
-  </p:timing>
 </p:sld>
 </file>
 
@@ -14049,11 +13414,7 @@
           <a:p>
             <a:r>
               <a:rPr lang="en-IN" altLang="en-US" dirty="0"/>
-              <a:t>Learning </a:t>
-            </a:r>
-            <a:r>
-              <a:rPr lang="en-IN" altLang="en-US" dirty="0" smtClean="0"/>
-              <a:t>Objectives</a:t>
+              <a:t>Learning Objectives</a:t>
             </a:r>
             <a:endParaRPr lang="en-US" dirty="0"/>
           </a:p>
@@ -14083,95 +13444,58 @@
           <a:p>
             <a:pPr marL="285750" indent="-285750"/>
             <a:r>
-              <a:rPr lang="en-IN" sz="2200" dirty="0" smtClean="0"/>
-              <a:t>Learn </a:t>
-            </a:r>
-            <a:r>
               <a:rPr lang="en-IN" sz="2200" dirty="0"/>
-              <a:t>the conceptual foundation of the relational model</a:t>
+              <a:t>Learn the conceptual foundation of the relational model</a:t>
             </a:r>
           </a:p>
           <a:p>
             <a:pPr marL="285750" indent="-285750"/>
             <a:r>
-              <a:rPr lang="en-IN" sz="2200" dirty="0" smtClean="0"/>
-              <a:t>Understand </a:t>
-            </a:r>
-            <a:r>
               <a:rPr lang="en-IN" sz="2200" dirty="0"/>
-              <a:t>how relations differ from nonrelational tables</a:t>
+              <a:t>Understand how relations differ from nonrelational tables</a:t>
             </a:r>
           </a:p>
           <a:p>
             <a:pPr marL="285750" indent="-285750"/>
             <a:r>
-              <a:rPr lang="en-IN" sz="2200" dirty="0" smtClean="0"/>
-              <a:t>Learn </a:t>
-            </a:r>
-            <a:r>
               <a:rPr lang="en-IN" sz="2200" dirty="0"/>
-              <a:t>basic relational terminology</a:t>
+              <a:t>Learn basic relational terminology</a:t>
             </a:r>
           </a:p>
           <a:p>
             <a:pPr marL="285750" indent="-285750"/>
             <a:r>
-              <a:rPr lang="en-IN" sz="2200" dirty="0" smtClean="0"/>
-              <a:t>Learn </a:t>
-            </a:r>
-            <a:r>
               <a:rPr lang="en-IN" sz="2200" dirty="0"/>
-              <a:t>the meaning and importance of keys, foreign keys, and related terminology</a:t>
+              <a:t>Learn the meaning and importance of keys, foreign keys, and related terminology</a:t>
             </a:r>
           </a:p>
           <a:p>
             <a:pPr marL="285750" indent="-285750"/>
             <a:r>
-              <a:rPr lang="en-IN" sz="2200" dirty="0" smtClean="0"/>
-              <a:t>Understand </a:t>
-            </a:r>
-            <a:r>
               <a:rPr lang="en-IN" sz="2200" dirty="0"/>
-              <a:t>how foreign keys represent relationships</a:t>
+              <a:t>Understand how foreign keys represent relationships</a:t>
             </a:r>
           </a:p>
           <a:p>
             <a:pPr marL="285750" indent="-285750"/>
             <a:r>
-              <a:rPr lang="en-IN" sz="2200" dirty="0" smtClean="0"/>
-              <a:t>Learn </a:t>
-            </a:r>
-            <a:r>
               <a:rPr lang="en-IN" sz="2200" dirty="0"/>
-              <a:t>the purpose and use of surrogate keys</a:t>
+              <a:t>Learn the purpose and use of surrogate keys</a:t>
             </a:r>
           </a:p>
           <a:p>
             <a:pPr marL="285750" indent="-285750"/>
             <a:r>
-              <a:rPr lang="en-IN" sz="2200" dirty="0" smtClean="0"/>
-              <a:t>Learn </a:t>
-            </a:r>
-            <a:r>
               <a:rPr lang="en-IN" sz="2200" dirty="0"/>
-              <a:t>the meaning of functional dependencies </a:t>
+              <a:t>Learn the meaning of functional dependencies </a:t>
             </a:r>
           </a:p>
           <a:p>
             <a:pPr marL="285750" indent="-285750"/>
             <a:r>
-              <a:rPr lang="en-IN" sz="2200" dirty="0" smtClean="0"/>
-              <a:t>Learn </a:t>
-            </a:r>
-            <a:r>
               <a:rPr lang="en-IN" sz="2200" dirty="0"/>
-              <a:t>to apply a process for normalizing </a:t>
-            </a:r>
-            <a:r>
-              <a:rPr lang="en-IN" sz="2200" dirty="0" smtClean="0"/>
-              <a:t>relations</a:t>
-            </a:r>
-            <a:endParaRPr lang="en-IN" sz="2200" dirty="0"/>
+              <a:t>Learn to apply a process for normalizing relations</a:t>
+            </a:r>
           </a:p>
         </p:txBody>
       </p:sp>
@@ -14185,21 +13509,6 @@
   <p:clrMapOvr>
     <a:masterClrMapping/>
   </p:clrMapOvr>
-  <mc:AlternateContent xmlns:mc="http://schemas.openxmlformats.org/markup-compatibility/2006" xmlns:p14="http://schemas.microsoft.com/office/powerpoint/2010/main">
-    <mc:Choice Requires="p14">
-      <p:transition spd="slow" p14:dur="2000"/>
-    </mc:Choice>
-    <mc:Fallback xmlns="">
-      <p:transition spd="slow"/>
-    </mc:Fallback>
-  </mc:AlternateContent>
-  <p:timing>
-    <p:tnLst>
-      <p:par>
-        <p:cTn id="1" dur="indefinite" restart="never" nodeType="tmRoot"/>
-      </p:par>
-    </p:tnLst>
-  </p:timing>
 </p:sld>
 </file>
 
@@ -14243,16 +13552,10 @@
           <a:lstStyle/>
           <a:p>
             <a:r>
-              <a:rPr lang="en-IN" sz="3600" dirty="0" smtClean="0">
-                <a:latin typeface="+mj-lt"/>
-              </a:rPr>
-              <a:t>Figure 2.11 </a:t>
-            </a:r>
-            <a:r>
               <a:rPr lang="en-IN" sz="3600" dirty="0">
                 <a:latin typeface="+mj-lt"/>
               </a:rPr>
-              <a:t>Enforcing Referential Integrity in Microsoft Access 2019</a:t>
+              <a:t>Figure 2.11 Enforcing Referential Integrity in Microsoft Access 2019</a:t>
             </a:r>
             <a:endParaRPr lang="en-US" sz="3600" dirty="0">
               <a:latin typeface="+mj-lt"/>
@@ -14341,21 +13644,6 @@
   <p:clrMapOvr>
     <a:masterClrMapping/>
   </p:clrMapOvr>
-  <mc:AlternateContent xmlns:mc="http://schemas.openxmlformats.org/markup-compatibility/2006" xmlns:p14="http://schemas.microsoft.com/office/powerpoint/2010/main">
-    <mc:Choice Requires="p14">
-      <p:transition spd="slow" p14:dur="2000"/>
-    </mc:Choice>
-    <mc:Fallback xmlns="">
-      <p:transition spd="slow"/>
-    </mc:Fallback>
-  </mc:AlternateContent>
-  <p:timing>
-    <p:tnLst>
-      <p:par>
-        <p:cTn id="1" dur="indefinite" restart="never" nodeType="tmRoot"/>
-      </p:par>
-    </p:tnLst>
-  </p:timing>
 </p:sld>
 </file>
 
@@ -14399,40 +13687,22 @@
           <a:lstStyle/>
           <a:p>
             <a:r>
-              <a:rPr lang="en-IN" sz="3600" dirty="0" smtClean="0">
-                <a:latin typeface="+mj-lt"/>
-              </a:rPr>
-              <a:t>Figure 2.12 </a:t>
-            </a:r>
-            <a:r>
               <a:rPr lang="en-IN" sz="3600" dirty="0">
                 <a:latin typeface="+mj-lt"/>
               </a:rPr>
-              <a:t>Enforcing Referential Integrity in </a:t>
-            </a:r>
-            <a:r>
-              <a:rPr lang="en-IN" sz="3600" dirty="0" smtClean="0">
-                <a:latin typeface="+mj-lt"/>
-              </a:rPr>
-              <a:t>My</a:t>
-            </a:r>
-            <a:r>
-              <a:rPr lang="en-IN" sz="3600" spc="-500" dirty="0" smtClean="0">
+              <a:t>Figure 2.12 Enforcing Referential Integrity in My</a:t>
+            </a:r>
+            <a:r>
+              <a:rPr lang="en-IN" sz="3600" spc="-500" dirty="0">
                 <a:latin typeface="+mj-lt"/>
               </a:rPr>
               <a:t>S Q </a:t>
             </a:r>
             <a:r>
-              <a:rPr lang="en-IN" sz="3600" dirty="0" smtClean="0">
-                <a:latin typeface="+mj-lt"/>
-              </a:rPr>
-              <a:t>L </a:t>
-            </a:r>
-            <a:r>
               <a:rPr lang="en-IN" sz="3600" dirty="0">
                 <a:latin typeface="+mj-lt"/>
               </a:rPr>
-              <a:t>8.0</a:t>
+              <a:t>L 8.0</a:t>
             </a:r>
             <a:endParaRPr lang="en-US" sz="3600" dirty="0">
               <a:latin typeface="+mj-lt"/>
@@ -14505,23 +13775,7 @@
               <a:buNone/>
             </a:pPr>
             <a:r>
-              <a:rPr lang="en-IN" sz="1800" dirty="0" smtClean="0"/>
-              <a:t>My</a:t>
-            </a:r>
-            <a:r>
-              <a:rPr lang="en-IN" sz="1800" spc="-300" dirty="0" smtClean="0"/>
-              <a:t>S Q </a:t>
-            </a:r>
-            <a:r>
-              <a:rPr lang="en-IN" sz="1800" dirty="0" smtClean="0"/>
-              <a:t>L </a:t>
-            </a:r>
-            <a:r>
               <a:rPr lang="en-IN" sz="1800" dirty="0"/>
-              <a:t>Community Server 8.0, </a:t>
-            </a:r>
-            <a:r>
-              <a:rPr lang="en-IN" sz="1800" dirty="0" smtClean="0"/>
               <a:t>My</a:t>
             </a:r>
             <a:r>
@@ -14529,12 +13783,16 @@
               <a:t>S Q </a:t>
             </a:r>
             <a:r>
-              <a:rPr lang="en-IN" sz="1800" dirty="0" smtClean="0"/>
-              <a:t>L </a:t>
-            </a:r>
-            <a:r>
               <a:rPr lang="en-IN" sz="1800" dirty="0"/>
-              <a:t>Workbench, Oracle Corporation</a:t>
+              <a:t>L Community Server 8.0, My</a:t>
+            </a:r>
+            <a:r>
+              <a:rPr lang="en-IN" sz="1800" spc="-300" dirty="0"/>
+              <a:t>S Q </a:t>
+            </a:r>
+            <a:r>
+              <a:rPr lang="en-IN" sz="1800" dirty="0"/>
+              <a:t>L Workbench, Oracle Corporation</a:t>
             </a:r>
           </a:p>
         </p:txBody>
@@ -14549,21 +13807,6 @@
   <p:clrMapOvr>
     <a:masterClrMapping/>
   </p:clrMapOvr>
-  <mc:AlternateContent xmlns:mc="http://schemas.openxmlformats.org/markup-compatibility/2006" xmlns:p14="http://schemas.microsoft.com/office/powerpoint/2010/main">
-    <mc:Choice Requires="p14">
-      <p:transition spd="slow" p14:dur="2000"/>
-    </mc:Choice>
-    <mc:Fallback xmlns="">
-      <p:transition spd="slow"/>
-    </mc:Fallback>
-  </mc:AlternateContent>
-  <p:timing>
-    <p:tnLst>
-      <p:par>
-        <p:cTn id="1" dur="indefinite" restart="never" nodeType="tmRoot"/>
-      </p:par>
-    </p:tnLst>
-  </p:timing>
 </p:sld>
 </file>
 
@@ -14607,34 +13850,22 @@
           <a:lstStyle/>
           <a:p>
             <a:r>
-              <a:rPr lang="en-IN" dirty="0" smtClean="0">
-                <a:latin typeface="+mj-lt"/>
-              </a:rPr>
-              <a:t>Figure 2.13 </a:t>
-            </a:r>
-            <a:r>
               <a:rPr lang="en-IN" dirty="0">
                 <a:latin typeface="+mj-lt"/>
               </a:rPr>
-              <a:t>Enforcing Referential Integrity in Microsoft </a:t>
-            </a:r>
-            <a:r>
-              <a:rPr lang="en-IN" spc="-500" dirty="0" smtClean="0">
+              <a:t>Figure 2.13 Enforcing Referential Integrity in Microsoft </a:t>
+            </a:r>
+            <a:r>
+              <a:rPr lang="en-IN" spc="-500" dirty="0">
                 <a:latin typeface="+mj-lt"/>
               </a:rPr>
               <a:t>S Q </a:t>
             </a:r>
             <a:r>
-              <a:rPr lang="en-IN" dirty="0" smtClean="0">
-                <a:latin typeface="+mj-lt"/>
-              </a:rPr>
-              <a:t>L </a:t>
-            </a:r>
-            <a:r>
               <a:rPr lang="en-IN" dirty="0">
                 <a:latin typeface="+mj-lt"/>
               </a:rPr>
-              <a:t>Server 2017</a:t>
+              <a:t>L Server 2017</a:t>
             </a:r>
             <a:endParaRPr lang="en-US" dirty="0">
               <a:latin typeface="+mj-lt"/>
@@ -14711,24 +13942,16 @@
               <a:t>S Q </a:t>
             </a:r>
             <a:r>
-              <a:rPr lang="en-IN" sz="1800" dirty="0" smtClean="0"/>
-              <a:t>L </a:t>
-            </a:r>
-            <a:r>
               <a:rPr lang="en-IN" sz="1800" dirty="0"/>
-              <a:t>Server 2017, </a:t>
+              <a:t>L Server 2017, </a:t>
             </a:r>
             <a:r>
               <a:rPr lang="en-IN" sz="1800" spc="-300" dirty="0"/>
               <a:t>S Q </a:t>
             </a:r>
             <a:r>
-              <a:rPr lang="en-IN" sz="1800" dirty="0" smtClean="0"/>
-              <a:t>L </a:t>
-            </a:r>
-            <a:r>
               <a:rPr lang="en-IN" sz="1800" dirty="0"/>
-              <a:t>Server Management Studio, Microsoft Corporation</a:t>
+              <a:t>L Server Management Studio, Microsoft Corporation</a:t>
             </a:r>
           </a:p>
         </p:txBody>
@@ -14743,21 +13966,6 @@
   <p:clrMapOvr>
     <a:masterClrMapping/>
   </p:clrMapOvr>
-  <mc:AlternateContent xmlns:mc="http://schemas.openxmlformats.org/markup-compatibility/2006" xmlns:p14="http://schemas.microsoft.com/office/powerpoint/2010/main">
-    <mc:Choice Requires="p14">
-      <p:transition spd="slow" p14:dur="2000"/>
-    </mc:Choice>
-    <mc:Fallback xmlns="">
-      <p:transition spd="slow"/>
-    </mc:Fallback>
-  </mc:AlternateContent>
-  <p:timing>
-    <p:tnLst>
-      <p:par>
-        <p:cTn id="1" dur="indefinite" restart="never" nodeType="tmRoot"/>
-      </p:par>
-    </p:tnLst>
-  </p:timing>
 </p:sld>
 </file>
 
@@ -14801,25 +14009,19 @@
           <a:lstStyle/>
           <a:p>
             <a:r>
-              <a:rPr lang="en-IN" dirty="0" smtClean="0">
-                <a:latin typeface="+mj-lt"/>
-              </a:rPr>
-              <a:t>Figure 2.14 </a:t>
-            </a:r>
-            <a:r>
               <a:rPr lang="en-IN" dirty="0">
                 <a:latin typeface="+mj-lt"/>
               </a:rPr>
-              <a:t>Enforcing Referential Integrity in Oracle Database </a:t>
-            </a:r>
-            <a:r>
-              <a:rPr lang="en-IN" spc="-500" dirty="0" smtClean="0">
+              <a:t>Figure 2.14 Enforcing Referential Integrity in Oracle Database </a:t>
+            </a:r>
+            <a:r>
+              <a:rPr lang="en-IN" spc="-500" dirty="0">
                 <a:latin typeface="+mj-lt"/>
               </a:rPr>
               <a:t>X </a:t>
             </a:r>
             <a:r>
-              <a:rPr lang="en-IN" dirty="0" smtClean="0">
+              <a:rPr lang="en-IN" dirty="0">
                 <a:latin typeface="+mj-lt"/>
               </a:rPr>
               <a:t>E</a:t>
@@ -14903,24 +14105,16 @@
               <a:t>X </a:t>
             </a:r>
             <a:r>
-              <a:rPr lang="en-IN" sz="1800" dirty="0" smtClean="0"/>
-              <a:t>E</a:t>
-            </a:r>
-            <a:r>
               <a:rPr lang="en-IN" sz="1800" dirty="0"/>
-              <a:t>, </a:t>
+              <a:t>E, </a:t>
             </a:r>
             <a:r>
               <a:rPr lang="en-IN" sz="1800" spc="-300" dirty="0"/>
               <a:t>S Q </a:t>
             </a:r>
             <a:r>
-              <a:rPr lang="en-IN" sz="1800" dirty="0" smtClean="0"/>
-              <a:t>L </a:t>
-            </a:r>
-            <a:r>
               <a:rPr lang="en-IN" sz="1800" dirty="0"/>
-              <a:t>Developer 18.4, Oracle Corporation</a:t>
+              <a:t>L Developer 18.4, Oracle Corporation</a:t>
             </a:r>
           </a:p>
         </p:txBody>
@@ -14935,21 +14129,6 @@
   <p:clrMapOvr>
     <a:masterClrMapping/>
   </p:clrMapOvr>
-  <mc:AlternateContent xmlns:mc="http://schemas.openxmlformats.org/markup-compatibility/2006" xmlns:p14="http://schemas.microsoft.com/office/powerpoint/2010/main">
-    <mc:Choice Requires="p14">
-      <p:transition spd="slow" p14:dur="2000"/>
-    </mc:Choice>
-    <mc:Fallback xmlns="">
-      <p:transition spd="slow"/>
-    </mc:Fallback>
-  </mc:AlternateContent>
-  <p:timing>
-    <p:tnLst>
-      <p:par>
-        <p:cTn id="1" dur="indefinite" restart="never" nodeType="tmRoot"/>
-      </p:par>
-    </p:tnLst>
-  </p:timing>
 </p:sld>
 </file>
 
@@ -15129,7 +14308,6 @@
               <a:rPr lang="en-IN" sz="2200" dirty="0"/>
               <a:t>You can eliminate null values by requiring an attribute value.</a:t>
             </a:r>
-            <a:endParaRPr lang="en-IN" sz="2200" dirty="0" smtClean="0"/>
           </a:p>
         </p:txBody>
       </p:sp>
@@ -15143,21 +14321,6 @@
   <p:clrMapOvr>
     <a:masterClrMapping/>
   </p:clrMapOvr>
-  <mc:AlternateContent xmlns:mc="http://schemas.openxmlformats.org/markup-compatibility/2006" xmlns:p14="http://schemas.microsoft.com/office/powerpoint/2010/main">
-    <mc:Choice Requires="p14">
-      <p:transition spd="slow" p14:dur="2000"/>
-    </mc:Choice>
-    <mc:Fallback xmlns="">
-      <p:transition spd="slow"/>
-    </mc:Fallback>
-  </mc:AlternateContent>
-  <p:timing>
-    <p:tnLst>
-      <p:par>
-        <p:cTn id="1" dur="indefinite" restart="never" nodeType="tmRoot"/>
-      </p:par>
-    </p:tnLst>
-  </p:timing>
 </p:sld>
 </file>
 
@@ -15201,16 +14364,10 @@
           <a:lstStyle/>
           <a:p>
             <a:r>
-              <a:rPr lang="en-IN" sz="3600" dirty="0" smtClean="0">
-                <a:latin typeface="+mj-lt"/>
-              </a:rPr>
-              <a:t>Figure 2.15 </a:t>
-            </a:r>
-            <a:r>
               <a:rPr lang="en-IN" sz="3600" dirty="0">
                 <a:latin typeface="+mj-lt"/>
               </a:rPr>
-              <a:t>Sample ITEM Relation and Data</a:t>
+              <a:t>Figure 2.15 Sample ITEM Relation and Data</a:t>
             </a:r>
             <a:endParaRPr lang="en-US" sz="3600" dirty="0">
               <a:latin typeface="+mj-lt"/>
@@ -15267,21 +14424,6 @@
   <p:clrMapOvr>
     <a:masterClrMapping/>
   </p:clrMapOvr>
-  <mc:AlternateContent xmlns:mc="http://schemas.openxmlformats.org/markup-compatibility/2006" xmlns:p14="http://schemas.microsoft.com/office/powerpoint/2010/main">
-    <mc:Choice Requires="p14">
-      <p:transition spd="slow" p14:dur="2000"/>
-    </mc:Choice>
-    <mc:Fallback xmlns="">
-      <p:transition spd="slow"/>
-    </mc:Fallback>
-  </mc:AlternateContent>
-  <p:timing>
-    <p:tnLst>
-      <p:par>
-        <p:cTn id="1" dur="indefinite" restart="never" nodeType="tmRoot"/>
-      </p:par>
-    </p:tnLst>
-  </p:timing>
 </p:sld>
 </file>
 
@@ -15438,11 +14580,7 @@
             <a:pPr marL="772668" lvl="1"/>
             <a:r>
               <a:rPr lang="en-IN" sz="2200" dirty="0"/>
-              <a:t>A dependency is shown with the determinant on the left and then an arrow showing the attribute(s) that depend on it, as shown below</a:t>
-            </a:r>
-            <a:r>
-              <a:rPr lang="en-IN" sz="2200" dirty="0" smtClean="0"/>
-              <a:t>.</a:t>
+              <a:t>A dependency is shown with the determinant on the left and then an arrow showing the attribute(s) that depend on it, as shown below.</a:t>
             </a:r>
           </a:p>
         </p:txBody>
@@ -15511,21 +14649,6 @@
   <p:clrMapOvr>
     <a:masterClrMapping/>
   </p:clrMapOvr>
-  <mc:AlternateContent xmlns:mc="http://schemas.openxmlformats.org/markup-compatibility/2006" xmlns:p14="http://schemas.microsoft.com/office/powerpoint/2010/main">
-    <mc:Choice Requires="p14">
-      <p:transition spd="slow" p14:dur="2000"/>
-    </mc:Choice>
-    <mc:Fallback xmlns="">
-      <p:transition spd="slow"/>
-    </mc:Fallback>
-  </mc:AlternateContent>
-  <p:timing>
-    <p:tnLst>
-      <p:par>
-        <p:cTn id="1" dur="indefinite" restart="never" nodeType="tmRoot"/>
-      </p:par>
-    </p:tnLst>
-  </p:timing>
 </p:sld>
 </file>
 
@@ -15687,29 +14810,20 @@
               <a:t>A relation is in first normal form (</a:t>
             </a:r>
             <a:r>
-              <a:rPr lang="en-IN" sz="2200" spc="-350" dirty="0" smtClean="0"/>
+              <a:rPr lang="en-IN" sz="2200" spc="-350" dirty="0"/>
               <a:t>1 N </a:t>
             </a:r>
             <a:r>
-              <a:rPr lang="en-IN" sz="2200" dirty="0" smtClean="0"/>
-              <a:t>F</a:t>
-            </a:r>
-            <a:r>
               <a:rPr lang="en-IN" sz="2200" dirty="0"/>
-              <a:t>) if it:</a:t>
+              <a:t>F) if it:</a:t>
             </a:r>
           </a:p>
           <a:p>
             <a:pPr marL="772668" lvl="1"/>
             <a:r>
               <a:rPr lang="en-IN" sz="2200" dirty="0"/>
-              <a:t>Has characteristics listed in </a:t>
-            </a:r>
-            <a:r>
-              <a:rPr lang="en-IN" sz="2200" dirty="0" smtClean="0"/>
-              <a:t>Figure 2.1</a:t>
-            </a:r>
-            <a:endParaRPr lang="en-IN" sz="2200" dirty="0"/>
+              <a:t>Has characteristics listed in Figure 2.1</a:t>
+            </a:r>
           </a:p>
           <a:p>
             <a:pPr marL="772668" lvl="1"/>
@@ -15722,11 +14836,7 @@
             <a:pPr marL="772668" lvl="1"/>
             <a:r>
               <a:rPr lang="en-IN" sz="2200" dirty="0"/>
-              <a:t>No repeating </a:t>
-            </a:r>
-            <a:r>
-              <a:rPr lang="en-IN" sz="2200" dirty="0" smtClean="0"/>
-              <a:t>groups</a:t>
+              <a:t>No repeating groups</a:t>
             </a:r>
           </a:p>
         </p:txBody>
@@ -15741,21 +14851,6 @@
   <p:clrMapOvr>
     <a:masterClrMapping/>
   </p:clrMapOvr>
-  <mc:AlternateContent xmlns:mc="http://schemas.openxmlformats.org/markup-compatibility/2006" xmlns:p14="http://schemas.microsoft.com/office/powerpoint/2010/main">
-    <mc:Choice Requires="p14">
-      <p:transition spd="slow" p14:dur="2000"/>
-    </mc:Choice>
-    <mc:Fallback xmlns="">
-      <p:transition spd="slow"/>
-    </mc:Fallback>
-  </mc:AlternateContent>
-  <p:timing>
-    <p:tnLst>
-      <p:par>
-        <p:cTn id="1" dur="indefinite" restart="never" nodeType="tmRoot"/>
-      </p:par>
-    </p:tnLst>
-  </p:timing>
 </p:sld>
 </file>
 
@@ -15880,7 +14975,6 @@
               <a:rPr lang="en-IN" sz="1800" dirty="0"/>
               <a:t>Steps in the normalization process are as follows:</a:t>
             </a:r>
-            <a:endParaRPr lang="en-IN" sz="1800" dirty="0" smtClean="0"/>
           </a:p>
         </p:txBody>
       </p:sp>
@@ -16043,21 +15137,6 @@
   <p:clrMapOvr>
     <a:masterClrMapping/>
   </p:clrMapOvr>
-  <mc:AlternateContent xmlns:mc="http://schemas.openxmlformats.org/markup-compatibility/2006" xmlns:p14="http://schemas.microsoft.com/office/powerpoint/2010/main">
-    <mc:Choice Requires="p14">
-      <p:transition spd="slow" p14:dur="2000"/>
-    </mc:Choice>
-    <mc:Fallback xmlns="">
-      <p:transition spd="slow"/>
-    </mc:Fallback>
-  </mc:AlternateContent>
-  <p:timing>
-    <p:tnLst>
-      <p:par>
-        <p:cTn id="1" dur="indefinite" restart="never" nodeType="tmRoot"/>
-      </p:par>
-    </p:tnLst>
-  </p:timing>
 </p:sld>
 </file>
 
@@ -16101,16 +15180,10 @@
           <a:lstStyle/>
           <a:p>
             <a:r>
-              <a:rPr lang="en-IN" sz="3600" dirty="0" smtClean="0">
-                <a:latin typeface="+mj-lt"/>
-              </a:rPr>
-              <a:t>Figure 2.17 </a:t>
-            </a:r>
-            <a:r>
               <a:rPr lang="en-IN" sz="3600" dirty="0">
                 <a:latin typeface="+mj-lt"/>
               </a:rPr>
-              <a:t>Sample PRESCRIPTION Relation and Data</a:t>
+              <a:t>Figure 2.17 Sample PRESCRIPTION Relation and Data</a:t>
             </a:r>
             <a:endParaRPr lang="en-US" sz="3600" dirty="0">
               <a:latin typeface="+mj-lt"/>
@@ -16167,21 +15240,6 @@
   <p:clrMapOvr>
     <a:masterClrMapping/>
   </p:clrMapOvr>
-  <mc:AlternateContent xmlns:mc="http://schemas.openxmlformats.org/markup-compatibility/2006" xmlns:p14="http://schemas.microsoft.com/office/powerpoint/2010/main">
-    <mc:Choice Requires="p14">
-      <p:transition spd="slow" p14:dur="2000"/>
-    </mc:Choice>
-    <mc:Fallback xmlns="">
-      <p:transition spd="slow"/>
-    </mc:Fallback>
-  </mc:AlternateContent>
-  <p:timing>
-    <p:tnLst>
-      <p:par>
-        <p:cTn id="1" dur="indefinite" restart="never" nodeType="tmRoot"/>
-      </p:par>
-    </p:tnLst>
-  </p:timing>
 </p:sld>
 </file>
 
@@ -16342,19 +15400,7 @@
             </a:r>
             <a:r>
               <a:rPr lang="en-IN" sz="2200" dirty="0"/>
-              <a:t> is a two-dimensional table consisting of rows and columns that has the characteristics shown in </a:t>
-            </a:r>
-            <a:r>
-              <a:rPr lang="en-IN" sz="2200" dirty="0" smtClean="0"/>
-              <a:t>Figure 2.1 </a:t>
-            </a:r>
-            <a:r>
-              <a:rPr lang="en-IN" sz="2200" dirty="0"/>
-              <a:t>on the next slide</a:t>
-            </a:r>
-            <a:r>
-              <a:rPr lang="en-IN" sz="2200" dirty="0" smtClean="0"/>
-              <a:t>.</a:t>
+              <a:t> is a two-dimensional table consisting of rows and columns that has the characteristics shown in Figure 2.1 on the next slide.</a:t>
             </a:r>
           </a:p>
         </p:txBody>
@@ -16369,21 +15415,6 @@
   <p:clrMapOvr>
     <a:masterClrMapping/>
   </p:clrMapOvr>
-  <mc:AlternateContent xmlns:mc="http://schemas.openxmlformats.org/markup-compatibility/2006" xmlns:p14="http://schemas.microsoft.com/office/powerpoint/2010/main">
-    <mc:Choice Requires="p14">
-      <p:transition spd="slow" p14:dur="2000"/>
-    </mc:Choice>
-    <mc:Fallback xmlns="">
-      <p:transition spd="slow"/>
-    </mc:Fallback>
-  </mc:AlternateContent>
-  <p:timing>
-    <p:tnLst>
-      <p:par>
-        <p:cTn id="1" dur="indefinite" restart="never" nodeType="tmRoot"/>
-      </p:par>
-    </p:tnLst>
-  </p:timing>
 </p:sld>
 </file>
 
@@ -16427,16 +15458,10 @@
           <a:lstStyle/>
           <a:p>
             <a:r>
-              <a:rPr lang="en-IN" sz="3600" dirty="0" smtClean="0">
-                <a:latin typeface="+mj-lt"/>
-              </a:rPr>
-              <a:t>Figure 2.18  </a:t>
-            </a:r>
-            <a:r>
               <a:rPr lang="en-IN" sz="3600" dirty="0">
                 <a:latin typeface="+mj-lt"/>
               </a:rPr>
-              <a:t>Normalized CUSTOMER and PRESCRIPTION Relations and Data</a:t>
+              <a:t>Figure 2.18  Normalized CUSTOMER and PRESCRIPTION Relations and Data</a:t>
             </a:r>
             <a:endParaRPr lang="en-US" sz="3600" dirty="0">
               <a:latin typeface="+mj-lt"/>
@@ -16493,21 +15518,6 @@
   <p:clrMapOvr>
     <a:masterClrMapping/>
   </p:clrMapOvr>
-  <mc:AlternateContent xmlns:mc="http://schemas.openxmlformats.org/markup-compatibility/2006" xmlns:p14="http://schemas.microsoft.com/office/powerpoint/2010/main">
-    <mc:Choice Requires="p14">
-      <p:transition spd="slow" p14:dur="2000"/>
-    </mc:Choice>
-    <mc:Fallback xmlns="">
-      <p:transition spd="slow"/>
-    </mc:Fallback>
-  </mc:AlternateContent>
-  <p:timing>
-    <p:tnLst>
-      <p:par>
-        <p:cTn id="1" dur="indefinite" restart="never" nodeType="tmRoot"/>
-      </p:par>
-    </p:tnLst>
-  </p:timing>
 </p:sld>
 </file>
 
@@ -16551,25 +15561,19 @@
           <a:lstStyle/>
           <a:p>
             <a:r>
-              <a:rPr lang="en-IN" sz="3600" dirty="0" smtClean="0">
-                <a:latin typeface="+mj-lt"/>
-              </a:rPr>
-              <a:t>Figure 2.19 </a:t>
-            </a:r>
-            <a:r>
               <a:rPr lang="en-IN" sz="3600" dirty="0">
                 <a:latin typeface="+mj-lt"/>
               </a:rPr>
-              <a:t>Sample </a:t>
-            </a:r>
-            <a:r>
-              <a:rPr lang="en-IN" sz="3600" spc="-450" dirty="0" smtClean="0">
+              <a:t>Figure 2.19 Sample </a:t>
+            </a:r>
+            <a:r>
+              <a:rPr lang="en-IN" sz="3600" spc="-450" dirty="0">
                 <a:latin typeface="+mj-lt"/>
               </a:rPr>
               <a:t>S T </a:t>
             </a:r>
             <a:r>
-              <a:rPr lang="en-IN" sz="3600" dirty="0" smtClean="0">
+              <a:rPr lang="en-IN" sz="3600" dirty="0">
                 <a:latin typeface="+mj-lt"/>
               </a:rPr>
               <a:t>U_</a:t>
@@ -16581,16 +15585,10 @@
               <a:t>D O R </a:t>
             </a:r>
             <a:r>
-              <a:rPr lang="en-IN" sz="3600" dirty="0" smtClean="0">
-                <a:latin typeface="+mj-lt"/>
-              </a:rPr>
-              <a:t>M </a:t>
-            </a:r>
-            <a:r>
               <a:rPr lang="en-IN" sz="3600" dirty="0">
                 <a:latin typeface="+mj-lt"/>
               </a:rPr>
-              <a:t>Relation and Data</a:t>
+              <a:t>M Relation and Data</a:t>
             </a:r>
             <a:endParaRPr lang="en-US" sz="3600" dirty="0">
               <a:latin typeface="+mj-lt"/>
@@ -16647,21 +15645,6 @@
   <p:clrMapOvr>
     <a:masterClrMapping/>
   </p:clrMapOvr>
-  <mc:AlternateContent xmlns:mc="http://schemas.openxmlformats.org/markup-compatibility/2006" xmlns:p14="http://schemas.microsoft.com/office/powerpoint/2010/main">
-    <mc:Choice Requires="p14">
-      <p:transition spd="slow" p14:dur="2000"/>
-    </mc:Choice>
-    <mc:Fallback xmlns="">
-      <p:transition spd="slow"/>
-    </mc:Fallback>
-  </mc:AlternateContent>
-  <p:timing>
-    <p:tnLst>
-      <p:par>
-        <p:cTn id="1" dur="indefinite" restart="never" nodeType="tmRoot"/>
-      </p:par>
-    </p:tnLst>
-  </p:timing>
 </p:sld>
 </file>
 
@@ -16705,16 +15688,10 @@
           <a:lstStyle/>
           <a:p>
             <a:r>
-              <a:rPr lang="en-IN" sz="3600" dirty="0" smtClean="0">
-                <a:latin typeface="+mj-lt"/>
-              </a:rPr>
-              <a:t>Figure 2.20 </a:t>
-            </a:r>
-            <a:r>
               <a:rPr lang="en-IN" sz="3600" dirty="0">
                 <a:latin typeface="+mj-lt"/>
               </a:rPr>
-              <a:t>Normalized </a:t>
+              <a:t>Figure 2.20 Normalized </a:t>
             </a:r>
             <a:r>
               <a:rPr lang="en-IN" sz="3600" spc="-450" dirty="0">
@@ -16723,7 +15700,7 @@
               <a:t>S T </a:t>
             </a:r>
             <a:r>
-              <a:rPr lang="en-IN" sz="3600" dirty="0" smtClean="0">
+              <a:rPr lang="en-IN" sz="3600" dirty="0">
                 <a:latin typeface="+mj-lt"/>
               </a:rPr>
               <a:t>U_</a:t>
@@ -16735,16 +15712,10 @@
               <a:t>D O R </a:t>
             </a:r>
             <a:r>
-              <a:rPr lang="en-IN" sz="3600" dirty="0" smtClean="0">
-                <a:latin typeface="+mj-lt"/>
-              </a:rPr>
-              <a:t>M </a:t>
-            </a:r>
-            <a:r>
               <a:rPr lang="en-IN" sz="3600" dirty="0">
                 <a:latin typeface="+mj-lt"/>
               </a:rPr>
-              <a:t>and </a:t>
+              <a:t>M and </a:t>
             </a:r>
             <a:r>
               <a:rPr lang="en-IN" sz="3600" spc="-450" dirty="0">
@@ -16753,16 +15724,10 @@
               <a:t>D O R </a:t>
             </a:r>
             <a:r>
-              <a:rPr lang="en-IN" sz="3600" dirty="0" smtClean="0">
-                <a:latin typeface="+mj-lt"/>
-              </a:rPr>
-              <a:t>M </a:t>
-            </a:r>
-            <a:r>
               <a:rPr lang="en-IN" sz="3600" dirty="0">
                 <a:latin typeface="+mj-lt"/>
               </a:rPr>
-              <a:t>Relations and Data</a:t>
+              <a:t>M Relations and Data</a:t>
             </a:r>
             <a:endParaRPr lang="en-US" sz="3600" dirty="0">
               <a:latin typeface="+mj-lt"/>
@@ -16819,21 +15784,6 @@
   <p:clrMapOvr>
     <a:masterClrMapping/>
   </p:clrMapOvr>
-  <mc:AlternateContent xmlns:mc="http://schemas.openxmlformats.org/markup-compatibility/2006" xmlns:p14="http://schemas.microsoft.com/office/powerpoint/2010/main">
-    <mc:Choice Requires="p14">
-      <p:transition spd="slow" p14:dur="2000"/>
-    </mc:Choice>
-    <mc:Fallback xmlns="">
-      <p:transition spd="slow"/>
-    </mc:Fallback>
-  </mc:AlternateContent>
-  <p:timing>
-    <p:tnLst>
-      <p:par>
-        <p:cTn id="1" dur="indefinite" restart="never" nodeType="tmRoot"/>
-      </p:par>
-    </p:tnLst>
-  </p:timing>
 </p:sld>
 </file>
 
@@ -16877,16 +15827,10 @@
           <a:lstStyle/>
           <a:p>
             <a:r>
-              <a:rPr lang="en-IN" sz="3600" dirty="0" smtClean="0">
-                <a:latin typeface="+mj-lt"/>
-              </a:rPr>
-              <a:t>Figure 2.21 </a:t>
-            </a:r>
-            <a:r>
               <a:rPr lang="en-IN" sz="3600" dirty="0">
                 <a:latin typeface="+mj-lt"/>
               </a:rPr>
-              <a:t>Sample EMPLOYEE Relation and Data</a:t>
+              <a:t>Figure 2.21 Sample EMPLOYEE Relation and Data</a:t>
             </a:r>
             <a:endParaRPr lang="en-US" sz="3600" dirty="0">
               <a:latin typeface="+mj-lt"/>
@@ -16943,21 +15887,6 @@
   <p:clrMapOvr>
     <a:masterClrMapping/>
   </p:clrMapOvr>
-  <mc:AlternateContent xmlns:mc="http://schemas.openxmlformats.org/markup-compatibility/2006" xmlns:p14="http://schemas.microsoft.com/office/powerpoint/2010/main">
-    <mc:Choice Requires="p14">
-      <p:transition spd="slow" p14:dur="2000"/>
-    </mc:Choice>
-    <mc:Fallback xmlns="">
-      <p:transition spd="slow"/>
-    </mc:Fallback>
-  </mc:AlternateContent>
-  <p:timing>
-    <p:tnLst>
-      <p:par>
-        <p:cTn id="1" dur="indefinite" restart="never" nodeType="tmRoot"/>
-      </p:par>
-    </p:tnLst>
-  </p:timing>
 </p:sld>
 </file>
 
@@ -17001,16 +15930,10 @@
           <a:lstStyle/>
           <a:p>
             <a:r>
-              <a:rPr lang="en-IN" sz="3600" dirty="0" smtClean="0">
-                <a:latin typeface="+mj-lt"/>
-              </a:rPr>
-              <a:t>Figure 2.22 </a:t>
-            </a:r>
-            <a:r>
               <a:rPr lang="en-IN" sz="3600" dirty="0">
                 <a:latin typeface="+mj-lt"/>
               </a:rPr>
-              <a:t>Normalized EMPLYEE and DEPARTMENT Relations and Data</a:t>
+              <a:t>Figure 2.22 Normalized EMPLYEE and DEPARTMENT Relations and Data</a:t>
             </a:r>
             <a:endParaRPr lang="en-US" sz="3600" dirty="0">
               <a:latin typeface="+mj-lt"/>
@@ -17067,21 +15990,6 @@
   <p:clrMapOvr>
     <a:masterClrMapping/>
   </p:clrMapOvr>
-  <mc:AlternateContent xmlns:mc="http://schemas.openxmlformats.org/markup-compatibility/2006" xmlns:p14="http://schemas.microsoft.com/office/powerpoint/2010/main">
-    <mc:Choice Requires="p14">
-      <p:transition spd="slow" p14:dur="2000"/>
-    </mc:Choice>
-    <mc:Fallback xmlns="">
-      <p:transition spd="slow"/>
-    </mc:Fallback>
-  </mc:AlternateContent>
-  <p:timing>
-    <p:tnLst>
-      <p:par>
-        <p:cTn id="1" dur="indefinite" restart="never" nodeType="tmRoot"/>
-      </p:par>
-    </p:tnLst>
-  </p:timing>
 </p:sld>
 </file>
 
@@ -17125,16 +16033,10 @@
           <a:lstStyle/>
           <a:p>
             <a:r>
-              <a:rPr lang="en-IN" sz="3600" dirty="0" smtClean="0">
-                <a:latin typeface="+mj-lt"/>
-              </a:rPr>
-              <a:t>Figure 2.23 </a:t>
-            </a:r>
-            <a:r>
               <a:rPr lang="en-IN" sz="3600" dirty="0">
                 <a:latin typeface="+mj-lt"/>
               </a:rPr>
-              <a:t>Sample MEETING Relation and Data</a:t>
+              <a:t>Figure 2.23 Sample MEETING Relation and Data</a:t>
             </a:r>
             <a:endParaRPr lang="en-US" sz="3600" dirty="0">
               <a:latin typeface="+mj-lt"/>
@@ -17191,21 +16093,6 @@
   <p:clrMapOvr>
     <a:masterClrMapping/>
   </p:clrMapOvr>
-  <mc:AlternateContent xmlns:mc="http://schemas.openxmlformats.org/markup-compatibility/2006" xmlns:p14="http://schemas.microsoft.com/office/powerpoint/2010/main">
-    <mc:Choice Requires="p14">
-      <p:transition spd="slow" p14:dur="2000"/>
-    </mc:Choice>
-    <mc:Fallback xmlns="">
-      <p:transition spd="slow"/>
-    </mc:Fallback>
-  </mc:AlternateContent>
-  <p:timing>
-    <p:tnLst>
-      <p:par>
-        <p:cTn id="1" dur="indefinite" restart="never" nodeType="tmRoot"/>
-      </p:par>
-    </p:tnLst>
-  </p:timing>
 </p:sld>
 </file>
 
@@ -17249,16 +16136,10 @@
           <a:lstStyle/>
           <a:p>
             <a:r>
-              <a:rPr lang="en-IN" sz="3600" dirty="0" smtClean="0">
-                <a:latin typeface="+mj-lt"/>
-              </a:rPr>
-              <a:t>Figure 2.24 </a:t>
-            </a:r>
-            <a:r>
               <a:rPr lang="en-IN" sz="3600" dirty="0">
                 <a:latin typeface="+mj-lt"/>
               </a:rPr>
-              <a:t>Normalized MEETING and CLIENT Relations and Data</a:t>
+              <a:t>Figure 2.24 Normalized MEETING and CLIENT Relations and Data</a:t>
             </a:r>
             <a:endParaRPr lang="en-US" sz="3600" dirty="0">
               <a:latin typeface="+mj-lt"/>
@@ -17315,21 +16196,6 @@
   <p:clrMapOvr>
     <a:masterClrMapping/>
   </p:clrMapOvr>
-  <mc:AlternateContent xmlns:mc="http://schemas.openxmlformats.org/markup-compatibility/2006" xmlns:p14="http://schemas.microsoft.com/office/powerpoint/2010/main">
-    <mc:Choice Requires="p14">
-      <p:transition spd="slow" p14:dur="2000"/>
-    </mc:Choice>
-    <mc:Fallback xmlns="">
-      <p:transition spd="slow"/>
-    </mc:Fallback>
-  </mc:AlternateContent>
-  <p:timing>
-    <p:tnLst>
-      <p:par>
-        <p:cTn id="1" dur="indefinite" restart="never" nodeType="tmRoot"/>
-      </p:par>
-    </p:tnLst>
-  </p:timing>
 </p:sld>
 </file>
 
@@ -17420,20 +16286,12 @@
               </a:tabLst>
             </a:pPr>
             <a:r>
-              <a:rPr lang="en-IN" sz="2800" b="1" dirty="0" smtClean="0">
-                <a:solidFill>
-                  <a:srgbClr val="007FA3"/>
-                </a:solidFill>
-              </a:rPr>
-              <a:t>Learn to apply a process for </a:t>
-            </a:r>
-            <a:r>
               <a:rPr lang="en-IN" sz="2800" b="1" dirty="0">
                 <a:solidFill>
                   <a:srgbClr val="007FA3"/>
                 </a:solidFill>
               </a:rPr>
-              <a:t>normalizing relations</a:t>
+              <a:t>Learn to apply a process for normalizing relations</a:t>
             </a:r>
           </a:p>
         </p:txBody>
@@ -17465,16 +16323,12 @@
               <a:t>When modification problems are due to functional dependencies and we then normalize relations to </a:t>
             </a:r>
             <a:r>
-              <a:rPr lang="en-IN" sz="2200" spc="-350" dirty="0" smtClean="0"/>
+              <a:rPr lang="en-IN" sz="2200" spc="-350" dirty="0"/>
               <a:t>B C N </a:t>
             </a:r>
             <a:r>
-              <a:rPr lang="en-IN" sz="2200" dirty="0" smtClean="0"/>
-              <a:t>F</a:t>
-            </a:r>
-            <a:r>
               <a:rPr lang="en-IN" sz="2200" dirty="0"/>
-              <a:t>, we eliminate these anomalies.</a:t>
+              <a:t>F, we eliminate these anomalies.</a:t>
             </a:r>
           </a:p>
           <a:p>
@@ -17507,11 +16361,7 @@
             </a:r>
             <a:r>
               <a:rPr lang="en-IN" sz="2200" dirty="0"/>
-              <a:t>occurs when a determinant is matched with a particular set of values as seen below</a:t>
-            </a:r>
-            <a:r>
-              <a:rPr lang="en-IN" sz="2200" dirty="0" smtClean="0"/>
-              <a:t>.</a:t>
+              <a:t>occurs when a determinant is matched with a particular set of values as seen below.</a:t>
             </a:r>
           </a:p>
         </p:txBody>
@@ -17580,21 +16430,6 @@
   <p:clrMapOvr>
     <a:masterClrMapping/>
   </p:clrMapOvr>
-  <mc:AlternateContent xmlns:mc="http://schemas.openxmlformats.org/markup-compatibility/2006" xmlns:p14="http://schemas.microsoft.com/office/powerpoint/2010/main">
-    <mc:Choice Requires="p14">
-      <p:transition spd="slow" p14:dur="2000"/>
-    </mc:Choice>
-    <mc:Fallback xmlns="">
-      <p:transition spd="slow"/>
-    </mc:Fallback>
-  </mc:AlternateContent>
-  <p:timing>
-    <p:tnLst>
-      <p:par>
-        <p:cTn id="1" dur="indefinite" restart="never" nodeType="tmRoot"/>
-      </p:par>
-    </p:tnLst>
-  </p:timing>
 </p:sld>
 </file>
 
@@ -17638,16 +16473,10 @@
           <a:lstStyle/>
           <a:p>
             <a:r>
-              <a:rPr lang="en-IN" sz="2600" dirty="0" smtClean="0">
-                <a:latin typeface="+mj-lt"/>
-              </a:rPr>
-              <a:t>Figure 2.25 </a:t>
-            </a:r>
-            <a:r>
               <a:rPr lang="en-IN" sz="2600" dirty="0">
                 <a:latin typeface="+mj-lt"/>
               </a:rPr>
-              <a:t>Examples of Multivalued Dependencies</a:t>
+              <a:t>Figure 2.25 Examples of Multivalued Dependencies</a:t>
             </a:r>
             <a:endParaRPr lang="en-US" sz="2600" dirty="0">
               <a:latin typeface="+mj-lt"/>
@@ -17704,21 +16533,6 @@
   <p:clrMapOvr>
     <a:masterClrMapping/>
   </p:clrMapOvr>
-  <mc:AlternateContent xmlns:mc="http://schemas.openxmlformats.org/markup-compatibility/2006" xmlns:p14="http://schemas.microsoft.com/office/powerpoint/2010/main">
-    <mc:Choice Requires="p14">
-      <p:transition spd="slow" p14:dur="2000"/>
-    </mc:Choice>
-    <mc:Fallback xmlns="">
-      <p:transition spd="slow"/>
-    </mc:Fallback>
-  </mc:AlternateContent>
-  <p:timing>
-    <p:tnLst>
-      <p:par>
-        <p:cTn id="1" dur="indefinite" restart="never" nodeType="tmRoot"/>
-      </p:par>
-    </p:tnLst>
-  </p:timing>
 </p:sld>
 </file>
 
@@ -17755,10 +16569,9 @@
           <a:lstStyle/>
           <a:p>
             <a:r>
-              <a:rPr lang="en-US" dirty="0" smtClean="0"/>
+              <a:rPr lang="en-US" dirty="0"/>
               <a:t>A relation that is not normalized</a:t>
             </a:r>
-            <a:endParaRPr lang="en-US" dirty="0"/>
           </a:p>
         </p:txBody>
       </p:sp>
@@ -17798,14 +16611,6 @@
   <p:clrMapOvr>
     <a:masterClrMapping/>
   </p:clrMapOvr>
-  <mc:AlternateContent xmlns:mc="http://schemas.openxmlformats.org/markup-compatibility/2006" xmlns:p14="http://schemas.microsoft.com/office/powerpoint/2010/main">
-    <mc:Choice Requires="p14">
-      <p:transition spd="slow" p14:dur="2000"/>
-    </mc:Choice>
-    <mc:Fallback xmlns="">
-      <p:transition spd="slow"/>
-    </mc:Fallback>
-  </mc:AlternateContent>
 </p:sld>
 </file>
 
@@ -17849,16 +16654,10 @@
           <a:lstStyle/>
           <a:p>
             <a:r>
-              <a:rPr lang="en-IN" sz="3600" dirty="0" smtClean="0">
-                <a:latin typeface="+mj-lt"/>
-              </a:rPr>
-              <a:t>Figure 2.1 </a:t>
-            </a:r>
-            <a:r>
               <a:rPr lang="en-IN" sz="3600" dirty="0">
                 <a:latin typeface="+mj-lt"/>
               </a:rPr>
-              <a:t>Characteristics of a Relation</a:t>
+              <a:t>Figure 2.1 Characteristics of a Relation</a:t>
             </a:r>
             <a:endParaRPr lang="en-US" sz="3600" dirty="0">
               <a:latin typeface="+mj-lt"/>
@@ -17915,21 +16714,6 @@
   <p:clrMapOvr>
     <a:masterClrMapping/>
   </p:clrMapOvr>
-  <mc:AlternateContent xmlns:mc="http://schemas.openxmlformats.org/markup-compatibility/2006" xmlns:p14="http://schemas.microsoft.com/office/powerpoint/2010/main">
-    <mc:Choice Requires="p14">
-      <p:transition spd="slow" p14:dur="2000"/>
-    </mc:Choice>
-    <mc:Fallback xmlns="">
-      <p:transition spd="slow"/>
-    </mc:Fallback>
-  </mc:AlternateContent>
-  <p:timing>
-    <p:tnLst>
-      <p:par>
-        <p:cTn id="1" dur="indefinite" restart="never" nodeType="tmRoot"/>
-      </p:par>
-    </p:tnLst>
-  </p:timing>
 </p:sld>
 </file>
 
@@ -17966,10 +16750,9 @@
           <a:lstStyle/>
           <a:p>
             <a:r>
-              <a:rPr lang="en-US" dirty="0" smtClean="0"/>
+              <a:rPr lang="en-US" dirty="0"/>
               <a:t>First Normal Form</a:t>
             </a:r>
-            <a:endParaRPr lang="en-US" dirty="0"/>
           </a:p>
         </p:txBody>
       </p:sp>
@@ -18047,14 +16830,6 @@
   <p:clrMapOvr>
     <a:masterClrMapping/>
   </p:clrMapOvr>
-  <mc:AlternateContent xmlns:mc="http://schemas.openxmlformats.org/markup-compatibility/2006" xmlns:p14="http://schemas.microsoft.com/office/powerpoint/2010/main">
-    <mc:Choice Requires="p14">
-      <p:transition spd="slow" p14:dur="2000"/>
-    </mc:Choice>
-    <mc:Fallback xmlns="">
-      <p:transition spd="slow"/>
-    </mc:Fallback>
-  </mc:AlternateContent>
 </p:sld>
 </file>
 
@@ -18091,10 +16866,9 @@
           <a:lstStyle/>
           <a:p>
             <a:r>
-              <a:rPr lang="en-US" dirty="0" smtClean="0"/>
+              <a:rPr lang="en-US" dirty="0"/>
               <a:t>Second Normal Form</a:t>
             </a:r>
-            <a:endParaRPr lang="en-US" dirty="0"/>
           </a:p>
         </p:txBody>
       </p:sp>
@@ -18114,12 +16888,8 @@
           <a:lstStyle/>
           <a:p>
             <a:r>
-              <a:rPr lang="en-IN" sz="2400" dirty="0" smtClean="0"/>
-              <a:t>Each </a:t>
-            </a:r>
-            <a:r>
               <a:rPr lang="en-IN" sz="2400" dirty="0"/>
-              <a:t>table is in </a:t>
+              <a:t>Each table is in </a:t>
             </a:r>
             <a:r>
               <a:rPr lang="en-IN" sz="2400" spc="-350" dirty="0"/>
@@ -18235,14 +17005,6 @@
   <p:clrMapOvr>
     <a:masterClrMapping/>
   </p:clrMapOvr>
-  <mc:AlternateContent xmlns:mc="http://schemas.openxmlformats.org/markup-compatibility/2006" xmlns:p14="http://schemas.microsoft.com/office/powerpoint/2010/main">
-    <mc:Choice Requires="p14">
-      <p:transition spd="slow" p14:dur="2000"/>
-    </mc:Choice>
-    <mc:Fallback xmlns="">
-      <p:transition spd="slow"/>
-    </mc:Fallback>
-  </mc:AlternateContent>
 </p:sld>
 </file>
 
@@ -18279,10 +17041,9 @@
           <a:lstStyle/>
           <a:p>
             <a:r>
-              <a:rPr lang="en-US" dirty="0" smtClean="0"/>
+              <a:rPr lang="en-US" dirty="0"/>
               <a:t>Example:</a:t>
             </a:r>
-            <a:endParaRPr lang="en-US" dirty="0"/>
           </a:p>
         </p:txBody>
       </p:sp>
@@ -18348,14 +17109,6 @@
   <p:clrMapOvr>
     <a:masterClrMapping/>
   </p:clrMapOvr>
-  <mc:AlternateContent xmlns:mc="http://schemas.openxmlformats.org/markup-compatibility/2006" xmlns:p14="http://schemas.microsoft.com/office/powerpoint/2010/main">
-    <mc:Choice Requires="p14">
-      <p:transition spd="slow" p14:dur="2000"/>
-    </mc:Choice>
-    <mc:Fallback xmlns="">
-      <p:transition spd="slow"/>
-    </mc:Fallback>
-  </mc:AlternateContent>
 </p:sld>
 </file>
 
@@ -18392,18 +17145,17 @@
           <a:lstStyle/>
           <a:p>
             <a:r>
-              <a:rPr lang="en-US" dirty="0" smtClean="0"/>
+              <a:rPr lang="en-US" dirty="0"/>
               <a:t>3</a:t>
             </a:r>
             <a:r>
-              <a:rPr lang="en-US" baseline="30000" dirty="0" smtClean="0"/>
+              <a:rPr lang="en-US" baseline="30000" dirty="0"/>
               <a:t>rd</a:t>
             </a:r>
             <a:r>
-              <a:rPr lang="en-US" dirty="0" smtClean="0"/>
+              <a:rPr lang="en-US" dirty="0"/>
               <a:t> Normal Form</a:t>
             </a:r>
-            <a:endParaRPr lang="en-US" dirty="0"/>
           </a:p>
         </p:txBody>
       </p:sp>
@@ -18465,14 +17217,6 @@
   <p:clrMapOvr>
     <a:masterClrMapping/>
   </p:clrMapOvr>
-  <mc:AlternateContent xmlns:mc="http://schemas.openxmlformats.org/markup-compatibility/2006" xmlns:p14="http://schemas.microsoft.com/office/powerpoint/2010/main">
-    <mc:Choice Requires="p14">
-      <p:transition spd="slow" p14:dur="2000"/>
-    </mc:Choice>
-    <mc:Fallback xmlns="">
-      <p:transition spd="slow"/>
-    </mc:Fallback>
-  </mc:AlternateContent>
 </p:sld>
 </file>
 
@@ -18509,10 +17253,9 @@
           <a:lstStyle/>
           <a:p>
             <a:r>
-              <a:rPr lang="en-US" dirty="0" smtClean="0"/>
+              <a:rPr lang="en-US" dirty="0"/>
               <a:t>Example:</a:t>
             </a:r>
-            <a:endParaRPr lang="en-US" dirty="0"/>
           </a:p>
         </p:txBody>
       </p:sp>
@@ -18578,14 +17321,6 @@
   <p:clrMapOvr>
     <a:masterClrMapping/>
   </p:clrMapOvr>
-  <mc:AlternateContent xmlns:mc="http://schemas.openxmlformats.org/markup-compatibility/2006" xmlns:p14="http://schemas.microsoft.com/office/powerpoint/2010/main">
-    <mc:Choice Requires="p14">
-      <p:transition spd="slow" p14:dur="2000"/>
-    </mc:Choice>
-    <mc:Fallback xmlns="">
-      <p:transition spd="slow"/>
-    </mc:Fallback>
-  </mc:AlternateContent>
 </p:sld>
 </file>
 
@@ -18622,18 +17357,17 @@
           <a:lstStyle/>
           <a:p>
             <a:r>
-              <a:rPr lang="en-US" dirty="0" smtClean="0"/>
+              <a:rPr lang="en-US" dirty="0"/>
               <a:t>Boyce-</a:t>
             </a:r>
             <a:r>
-              <a:rPr lang="en-US" dirty="0" err="1" smtClean="0"/>
+              <a:rPr lang="en-US" dirty="0" err="1"/>
               <a:t>Codd</a:t>
             </a:r>
             <a:r>
-              <a:rPr lang="en-US" dirty="0" smtClean="0"/>
+              <a:rPr lang="en-US" dirty="0"/>
               <a:t> Normal Form</a:t>
             </a:r>
-            <a:endParaRPr lang="en-US" dirty="0"/>
           </a:p>
         </p:txBody>
       </p:sp>
@@ -18663,11 +17397,7 @@
             </a:r>
             <a:r>
               <a:rPr lang="en-IN" sz="1800" dirty="0"/>
-              <a:t>F and all determinants are candidate </a:t>
-            </a:r>
-            <a:r>
-              <a:rPr lang="en-IN" sz="1800" dirty="0" smtClean="0"/>
-              <a:t>keys.</a:t>
+              <a:t>F and all determinants are candidate keys.</a:t>
             </a:r>
           </a:p>
           <a:p>
@@ -18754,14 +17484,6 @@
   <p:clrMapOvr>
     <a:masterClrMapping/>
   </p:clrMapOvr>
-  <mc:AlternateContent xmlns:mc="http://schemas.openxmlformats.org/markup-compatibility/2006" xmlns:p14="http://schemas.microsoft.com/office/powerpoint/2010/main">
-    <mc:Choice Requires="p14">
-      <p:transition spd="slow" p14:dur="2000"/>
-    </mc:Choice>
-    <mc:Fallback xmlns="">
-      <p:transition spd="slow"/>
-    </mc:Fallback>
-  </mc:AlternateContent>
 </p:sld>
 </file>
 
@@ -18798,18 +17520,17 @@
           <a:lstStyle/>
           <a:p>
             <a:r>
-              <a:rPr lang="en-US" dirty="0" smtClean="0"/>
+              <a:rPr lang="en-US" dirty="0"/>
               <a:t>Exercises: Normalize the following table up to 3</a:t>
             </a:r>
             <a:r>
-              <a:rPr lang="en-US" baseline="30000" dirty="0" smtClean="0"/>
+              <a:rPr lang="en-US" baseline="30000" dirty="0"/>
               <a:t>rd</a:t>
             </a:r>
             <a:r>
-              <a:rPr lang="en-US" dirty="0" smtClean="0"/>
+              <a:rPr lang="en-US" dirty="0"/>
               <a:t> Normal form</a:t>
             </a:r>
-            <a:endParaRPr lang="en-US" dirty="0"/>
           </a:p>
         </p:txBody>
       </p:sp>
@@ -18829,50 +17550,49 @@
           <a:lstStyle/>
           <a:p>
             <a:r>
-              <a:rPr lang="en-US" sz="4000" dirty="0" smtClean="0"/>
+              <a:rPr lang="en-US" sz="4000" dirty="0"/>
               <a:t>Grade (</a:t>
             </a:r>
             <a:r>
-              <a:rPr lang="en-US" sz="4000" dirty="0" err="1" smtClean="0"/>
+              <a:rPr lang="en-US" sz="4000" dirty="0" err="1"/>
               <a:t>ClassName</a:t>
             </a:r>
             <a:r>
-              <a:rPr lang="en-US" sz="4000" dirty="0" smtClean="0"/>
+              <a:rPr lang="en-US" sz="4000" dirty="0"/>
               <a:t>, Section, Term, Grade, </a:t>
             </a:r>
             <a:r>
-              <a:rPr lang="en-US" sz="4000" dirty="0" err="1" smtClean="0"/>
+              <a:rPr lang="en-US" sz="4000" dirty="0" err="1"/>
               <a:t>StudentNumber</a:t>
             </a:r>
             <a:r>
-              <a:rPr lang="en-US" sz="4000" dirty="0" smtClean="0"/>
+              <a:rPr lang="en-US" sz="4000" dirty="0"/>
               <a:t>, </a:t>
             </a:r>
             <a:r>
-              <a:rPr lang="en-US" sz="4000" dirty="0" err="1" smtClean="0"/>
+              <a:rPr lang="en-US" sz="4000" dirty="0" err="1"/>
               <a:t>StudentName</a:t>
             </a:r>
             <a:r>
-              <a:rPr lang="en-US" sz="4000" dirty="0" smtClean="0"/>
+              <a:rPr lang="en-US" sz="4000" dirty="0"/>
               <a:t>, </a:t>
             </a:r>
             <a:r>
-              <a:rPr lang="en-US" sz="4000" dirty="0" err="1" smtClean="0"/>
+              <a:rPr lang="en-US" sz="4000" dirty="0" err="1"/>
               <a:t>ProfessorName</a:t>
             </a:r>
             <a:r>
-              <a:rPr lang="en-US" sz="4000" dirty="0" smtClean="0"/>
+              <a:rPr lang="en-US" sz="4000" dirty="0"/>
               <a:t>, Department, </a:t>
             </a:r>
             <a:r>
-              <a:rPr lang="en-US" sz="4000" dirty="0" err="1" smtClean="0"/>
+              <a:rPr lang="en-US" sz="4000" dirty="0" err="1"/>
               <a:t>ProfessorEmailAddress</a:t>
             </a:r>
             <a:r>
-              <a:rPr lang="en-US" sz="4000" dirty="0" smtClean="0"/>
+              <a:rPr lang="en-US" sz="4000" dirty="0"/>
               <a:t>)</a:t>
             </a:r>
-            <a:endParaRPr lang="en-US" sz="4000" dirty="0"/>
           </a:p>
         </p:txBody>
       </p:sp>
@@ -18886,14 +17606,6 @@
   <p:clrMapOvr>
     <a:masterClrMapping/>
   </p:clrMapOvr>
-  <mc:AlternateContent xmlns:mc="http://schemas.openxmlformats.org/markup-compatibility/2006" xmlns:p14="http://schemas.microsoft.com/office/powerpoint/2010/main">
-    <mc:Choice Requires="p14">
-      <p:transition spd="slow" p14:dur="2000"/>
-    </mc:Choice>
-    <mc:Fallback xmlns="">
-      <p:transition spd="slow"/>
-    </mc:Fallback>
-  </mc:AlternateContent>
 </p:sld>
 </file>
 
@@ -18930,10 +17642,9 @@
           <a:lstStyle/>
           <a:p>
             <a:r>
-              <a:rPr lang="en-US" dirty="0" smtClean="0"/>
+              <a:rPr lang="en-US" dirty="0"/>
               <a:t>Exercises: Normalize the following tables up to the Third normal form</a:t>
             </a:r>
-            <a:endParaRPr lang="en-US" dirty="0"/>
           </a:p>
         </p:txBody>
       </p:sp>
@@ -18973,14 +17684,6 @@
   <p:clrMapOvr>
     <a:masterClrMapping/>
   </p:clrMapOvr>
-  <mc:AlternateContent xmlns:mc="http://schemas.openxmlformats.org/markup-compatibility/2006" xmlns:p14="http://schemas.microsoft.com/office/powerpoint/2010/main">
-    <mc:Choice Requires="p14">
-      <p:transition spd="slow" p14:dur="2000"/>
-    </mc:Choice>
-    <mc:Fallback xmlns="">
-      <p:transition spd="slow"/>
-    </mc:Fallback>
-  </mc:AlternateContent>
 </p:sld>
 </file>
 
@@ -19059,14 +17762,6 @@
   <p:clrMapOvr>
     <a:masterClrMapping/>
   </p:clrMapOvr>
-  <mc:AlternateContent xmlns:mc="http://schemas.openxmlformats.org/markup-compatibility/2006" xmlns:p14="http://schemas.microsoft.com/office/powerpoint/2010/main">
-    <mc:Choice Requires="p14">
-      <p:transition spd="slow" p14:dur="2000"/>
-    </mc:Choice>
-    <mc:Fallback xmlns="">
-      <p:transition spd="slow"/>
-    </mc:Fallback>
-  </mc:AlternateContent>
 </p:sld>
 </file>
 
@@ -19139,7 +17834,7 @@
           <a:blip r:embed="rId3">
             <a:extLst>
               <a:ext uri="{96DAC541-7B7A-43D3-8B79-37D633B846F1}">
-                <asvg:svgBlip xmlns:asvg="http://schemas.microsoft.com/office/drawing/2016/SVG/main" xmlns="" r:embed="rId4"/>
+                <asvg:svgBlip xmlns:asvg="http://schemas.microsoft.com/office/drawing/2016/SVG/main" r:embed="rId4"/>
               </a:ext>
             </a:extLst>
           </a:blip>
@@ -19368,10 +18063,9 @@
               <a:buNone/>
             </a:pPr>
             <a:r>
-              <a:rPr lang="en-US" b="1" dirty="0" smtClean="0"/>
+              <a:rPr lang="en-US" b="1" dirty="0"/>
               <a:t>This work is protected by United States copyright laws and is provided solely for the use of instructors in teaching their courses and assessing student learning. Dissemination or sale of any part of this work (including on the World Wide Web) will destroy the integrity of the work and is not permitted. The work and materials from it should never be made available to students except by instructors using the accompanying text in their classes. All recipients of this work are expected to abide by these restrictions and to honor the intended pedagogical purposes and the needs of other instructors who rely on these materials.</a:t>
             </a:r>
-            <a:endParaRPr lang="en-US" b="1" dirty="0"/>
           </a:p>
         </p:txBody>
       </p:sp>
@@ -19385,21 +18079,6 @@
   <p:clrMapOvr>
     <a:masterClrMapping/>
   </p:clrMapOvr>
-  <mc:AlternateContent xmlns:mc="http://schemas.openxmlformats.org/markup-compatibility/2006" xmlns:p14="http://schemas.microsoft.com/office/powerpoint/2010/main">
-    <mc:Choice Requires="p14">
-      <p:transition spd="slow" p14:dur="2000"/>
-    </mc:Choice>
-    <mc:Fallback xmlns="">
-      <p:transition spd="slow"/>
-    </mc:Fallback>
-  </mc:AlternateContent>
-  <p:timing>
-    <p:tnLst>
-      <p:par>
-        <p:cTn id="1" dur="indefinite" restart="never" nodeType="tmRoot"/>
-      </p:par>
-    </p:tnLst>
-  </p:timing>
 </p:sld>
 </file>
 
@@ -19443,16 +18122,10 @@
           <a:lstStyle/>
           <a:p>
             <a:r>
-              <a:rPr lang="en-IN" sz="3600" dirty="0" smtClean="0">
-                <a:latin typeface="+mj-lt"/>
-              </a:rPr>
-              <a:t>Figure 2.2 </a:t>
-            </a:r>
-            <a:r>
               <a:rPr lang="en-IN" sz="3600" dirty="0">
                 <a:latin typeface="+mj-lt"/>
               </a:rPr>
-              <a:t>Sample EMPLOYEE Relation</a:t>
+              <a:t>Figure 2.2 Sample EMPLOYEE Relation</a:t>
             </a:r>
             <a:endParaRPr lang="en-US" sz="3600" dirty="0">
               <a:latin typeface="+mj-lt"/>
@@ -19509,21 +18182,6 @@
   <p:clrMapOvr>
     <a:masterClrMapping/>
   </p:clrMapOvr>
-  <mc:AlternateContent xmlns:mc="http://schemas.openxmlformats.org/markup-compatibility/2006" xmlns:p14="http://schemas.microsoft.com/office/powerpoint/2010/main">
-    <mc:Choice Requires="p14">
-      <p:transition spd="slow" p14:dur="2000"/>
-    </mc:Choice>
-    <mc:Fallback xmlns="">
-      <p:transition spd="slow"/>
-    </mc:Fallback>
-  </mc:AlternateContent>
-  <p:timing>
-    <p:tnLst>
-      <p:par>
-        <p:cTn id="1" dur="indefinite" restart="never" nodeType="tmRoot"/>
-      </p:par>
-    </p:tnLst>
-  </p:timing>
 </p:sld>
 </file>
 
@@ -19567,16 +18225,10 @@
           <a:lstStyle/>
           <a:p>
             <a:r>
-              <a:rPr lang="fr-FR" sz="3600" dirty="0" smtClean="0">
-                <a:latin typeface="+mj-lt"/>
-              </a:rPr>
-              <a:t>Figure 2.3 </a:t>
-            </a:r>
-            <a:r>
               <a:rPr lang="fr-FR" sz="3600" dirty="0">
                 <a:latin typeface="+mj-lt"/>
               </a:rPr>
-              <a:t>Nonrelational Table-Multiple Entries per Cell</a:t>
+              <a:t>Figure 2.3 Nonrelational Table-Multiple Entries per Cell</a:t>
             </a:r>
             <a:endParaRPr lang="en-US" sz="3600" dirty="0">
               <a:latin typeface="+mj-lt"/>
@@ -19633,21 +18285,6 @@
   <p:clrMapOvr>
     <a:masterClrMapping/>
   </p:clrMapOvr>
-  <mc:AlternateContent xmlns:mc="http://schemas.openxmlformats.org/markup-compatibility/2006" xmlns:p14="http://schemas.microsoft.com/office/powerpoint/2010/main">
-    <mc:Choice Requires="p14">
-      <p:transition spd="slow" p14:dur="2000"/>
-    </mc:Choice>
-    <mc:Fallback xmlns="">
-      <p:transition spd="slow"/>
-    </mc:Fallback>
-  </mc:AlternateContent>
-  <p:timing>
-    <p:tnLst>
-      <p:par>
-        <p:cTn id="1" dur="indefinite" restart="never" nodeType="tmRoot"/>
-      </p:par>
-    </p:tnLst>
-  </p:timing>
 </p:sld>
 </file>
 
@@ -19691,16 +18328,10 @@
           <a:lstStyle/>
           <a:p>
             <a:r>
-              <a:rPr lang="en-IN" sz="3600" dirty="0" smtClean="0">
-                <a:latin typeface="+mj-lt"/>
-              </a:rPr>
-              <a:t>Figure 2.4 </a:t>
-            </a:r>
-            <a:r>
               <a:rPr lang="en-IN" sz="3600" dirty="0">
                 <a:latin typeface="+mj-lt"/>
               </a:rPr>
-              <a:t>Nonrelational Table-Order of Rows Matters and Kind of Column Entries Differs in Email </a:t>
+              <a:t>Figure 2.4 Nonrelational Table-Order of Rows Matters and Kind of Column Entries Differs in Email </a:t>
             </a:r>
             <a:endParaRPr lang="en-US" sz="3600" dirty="0">
               <a:latin typeface="+mj-lt"/>
@@ -19757,21 +18388,6 @@
   <p:clrMapOvr>
     <a:masterClrMapping/>
   </p:clrMapOvr>
-  <mc:AlternateContent xmlns:mc="http://schemas.openxmlformats.org/markup-compatibility/2006" xmlns:p14="http://schemas.microsoft.com/office/powerpoint/2010/main">
-    <mc:Choice Requires="p14">
-      <p:transition spd="slow" p14:dur="2000"/>
-    </mc:Choice>
-    <mc:Fallback xmlns="">
-      <p:transition spd="slow"/>
-    </mc:Fallback>
-  </mc:AlternateContent>
-  <p:timing>
-    <p:tnLst>
-      <p:par>
-        <p:cTn id="1" dur="indefinite" restart="never" nodeType="tmRoot"/>
-      </p:par>
-    </p:tnLst>
-  </p:timing>
 </p:sld>
 </file>
 
@@ -19815,16 +18431,10 @@
           <a:lstStyle/>
           <a:p>
             <a:r>
-              <a:rPr lang="en-IN" sz="3600" dirty="0" smtClean="0">
-                <a:latin typeface="+mj-lt"/>
-              </a:rPr>
-              <a:t>Figure 2.5 </a:t>
-            </a:r>
-            <a:r>
               <a:rPr lang="en-IN" sz="3600" dirty="0">
                 <a:latin typeface="+mj-lt"/>
               </a:rPr>
-              <a:t>Relation with Variable-Length Column Values</a:t>
+              <a:t>Figure 2.5 Relation with Variable-Length Column Values</a:t>
             </a:r>
             <a:endParaRPr lang="en-US" sz="3600" dirty="0">
               <a:latin typeface="+mj-lt"/>
@@ -19881,21 +18491,6 @@
   <p:clrMapOvr>
     <a:masterClrMapping/>
   </p:clrMapOvr>
-  <mc:AlternateContent xmlns:mc="http://schemas.openxmlformats.org/markup-compatibility/2006" xmlns:p14="http://schemas.microsoft.com/office/powerpoint/2010/main">
-    <mc:Choice Requires="p14">
-      <p:transition spd="slow" p14:dur="2000"/>
-    </mc:Choice>
-    <mc:Fallback xmlns="">
-      <p:transition spd="slow"/>
-    </mc:Fallback>
-  </mc:AlternateContent>
-  <p:timing>
-    <p:tnLst>
-      <p:par>
-        <p:cTn id="1" dur="indefinite" restart="never" nodeType="tmRoot"/>
-      </p:par>
-    </p:tnLst>
-  </p:timing>
 </p:sld>
 </file>
 
@@ -20074,21 +18669,6 @@
   <p:clrMapOvr>
     <a:masterClrMapping/>
   </p:clrMapOvr>
-  <mc:AlternateContent xmlns:mc="http://schemas.openxmlformats.org/markup-compatibility/2006" xmlns:p14="http://schemas.microsoft.com/office/powerpoint/2010/main">
-    <mc:Choice Requires="p14">
-      <p:transition spd="slow" p14:dur="2000"/>
-    </mc:Choice>
-    <mc:Fallback xmlns="">
-      <p:transition spd="slow"/>
-    </mc:Fallback>
-  </mc:AlternateContent>
-  <p:timing>
-    <p:tnLst>
-      <p:par>
-        <p:cTn id="1" dur="indefinite" restart="never" nodeType="tmRoot"/>
-      </p:par>
-    </p:tnLst>
-  </p:timing>
 </p:sld>
 </file>
 
